--- a/1Python基本元素/幻灯片.pptx
+++ b/1Python基本元素/幻灯片.pptx
@@ -6,10 +6,10 @@
     <p:sldMasterId id="2147483689" r:id="rId2"/>
   </p:sldMasterIdLst>
   <p:notesMasterIdLst>
-    <p:notesMasterId r:id="rId34"/>
+    <p:notesMasterId r:id="rId39"/>
   </p:notesMasterIdLst>
   <p:handoutMasterIdLst>
-    <p:handoutMasterId r:id="rId35"/>
+    <p:handoutMasterId r:id="rId40"/>
   </p:handoutMasterIdLst>
   <p:sldIdLst>
     <p:sldId id="256" r:id="rId3"/>
@@ -28,21 +28,26 @@
     <p:sldId id="333" r:id="rId16"/>
     <p:sldId id="295" r:id="rId17"/>
     <p:sldId id="296" r:id="rId18"/>
-    <p:sldId id="305" r:id="rId19"/>
-    <p:sldId id="294" r:id="rId20"/>
-    <p:sldId id="308" r:id="rId21"/>
-    <p:sldId id="307" r:id="rId22"/>
-    <p:sldId id="309" r:id="rId23"/>
-    <p:sldId id="310" r:id="rId24"/>
-    <p:sldId id="311" r:id="rId25"/>
-    <p:sldId id="312" r:id="rId26"/>
-    <p:sldId id="313" r:id="rId27"/>
-    <p:sldId id="314" r:id="rId28"/>
-    <p:sldId id="327" r:id="rId29"/>
-    <p:sldId id="326" r:id="rId30"/>
-    <p:sldId id="328" r:id="rId31"/>
-    <p:sldId id="330" r:id="rId32"/>
-    <p:sldId id="288" r:id="rId33"/>
+    <p:sldId id="291" r:id="rId19"/>
+    <p:sldId id="289" r:id="rId20"/>
+    <p:sldId id="292" r:id="rId21"/>
+    <p:sldId id="290" r:id="rId22"/>
+    <p:sldId id="305" r:id="rId23"/>
+    <p:sldId id="294" r:id="rId24"/>
+    <p:sldId id="308" r:id="rId25"/>
+    <p:sldId id="307" r:id="rId26"/>
+    <p:sldId id="309" r:id="rId27"/>
+    <p:sldId id="310" r:id="rId28"/>
+    <p:sldId id="311" r:id="rId29"/>
+    <p:sldId id="312" r:id="rId30"/>
+    <p:sldId id="313" r:id="rId31"/>
+    <p:sldId id="314" r:id="rId32"/>
+    <p:sldId id="334" r:id="rId33"/>
+    <p:sldId id="328" r:id="rId34"/>
+    <p:sldId id="335" r:id="rId35"/>
+    <p:sldId id="336" r:id="rId36"/>
+    <p:sldId id="330" r:id="rId37"/>
+    <p:sldId id="288" r:id="rId38"/>
   </p:sldIdLst>
   <p:sldSz cx="9144000" cy="6858000" type="screen4x3"/>
   <p:notesSz cx="6858000" cy="9144000"/>
@@ -12598,6 +12603,11 @@
           <a:lstStyle/>
           <a:p>
             <a:pPr marL="342900" indent="-342900">
+              <a:buClr>
+                <a:schemeClr val="accent5">
+                  <a:lumMod val="50000"/>
+                </a:schemeClr>
+              </a:buClr>
               <a:buFont typeface="Wingdings" panose="05000000000000000000" pitchFamily="2" charset="2"/>
               <a:buChar char="p"/>
             </a:pPr>
@@ -12617,6 +12627,11 @@
           </a:p>
           <a:p>
             <a:pPr marL="342900" indent="-342900">
+              <a:buClr>
+                <a:schemeClr val="accent5">
+                  <a:lumMod val="50000"/>
+                </a:schemeClr>
+              </a:buClr>
               <a:buFont typeface="Wingdings" panose="05000000000000000000" pitchFamily="2" charset="2"/>
               <a:buChar char="p"/>
             </a:pPr>
@@ -12636,6 +12651,11 @@
           </a:p>
           <a:p>
             <a:pPr marL="342900" indent="-342900">
+              <a:buClr>
+                <a:schemeClr val="accent5">
+                  <a:lumMod val="50000"/>
+                </a:schemeClr>
+              </a:buClr>
               <a:buFont typeface="Wingdings" panose="05000000000000000000" pitchFamily="2" charset="2"/>
               <a:buChar char="p"/>
             </a:pPr>
@@ -12655,6 +12675,11 @@
           </a:p>
           <a:p>
             <a:pPr marL="342900" indent="-342900">
+              <a:buClr>
+                <a:schemeClr val="accent5">
+                  <a:lumMod val="50000"/>
+                </a:schemeClr>
+              </a:buClr>
               <a:buFont typeface="Wingdings" panose="05000000000000000000" pitchFamily="2" charset="2"/>
               <a:buChar char="p"/>
             </a:pPr>
@@ -12846,6 +12871,1429 @@
       </p:grpSpPr>
       <p:sp>
         <p:nvSpPr>
+          <p:cNvPr id="2" name="标题 1">
+            <a:extLst>
+              <a:ext uri="{FF2B5EF4-FFF2-40B4-BE49-F238E27FC236}">
+                <a16:creationId xmlns:a16="http://schemas.microsoft.com/office/drawing/2014/main" id="{67CE7B86-27A1-43CB-8E28-8F76C400E55E}"/>
+              </a:ext>
+            </a:extLst>
+          </p:cNvPr>
+          <p:cNvSpPr>
+            <a:spLocks noGrp="1"/>
+          </p:cNvSpPr>
+          <p:nvPr>
+            <p:ph type="title"/>
+          </p:nvPr>
+        </p:nvSpPr>
+        <p:spPr/>
+        <p:txBody>
+          <a:bodyPr/>
+          <a:lstStyle/>
+          <a:p>
+            <a:r>
+              <a:rPr lang="zh-CN" altLang="en-US" dirty="0"/>
+              <a:t>计算概论</a:t>
+            </a:r>
+          </a:p>
+        </p:txBody>
+      </p:sp>
+      <p:sp>
+        <p:nvSpPr>
+          <p:cNvPr id="3" name="文本占位符 2">
+            <a:extLst>
+              <a:ext uri="{FF2B5EF4-FFF2-40B4-BE49-F238E27FC236}">
+                <a16:creationId xmlns:a16="http://schemas.microsoft.com/office/drawing/2014/main" id="{34B87085-591A-4E8E-84C9-CCF2FC77A384}"/>
+              </a:ext>
+            </a:extLst>
+          </p:cNvPr>
+          <p:cNvSpPr>
+            <a:spLocks noGrp="1"/>
+          </p:cNvSpPr>
+          <p:nvPr>
+            <p:ph type="body" sz="quarter" idx="10"/>
+          </p:nvPr>
+        </p:nvSpPr>
+        <p:spPr/>
+        <p:txBody>
+          <a:bodyPr/>
+          <a:lstStyle/>
+          <a:p>
+            <a:r>
+              <a:rPr lang="zh-CN" altLang="en-US" dirty="0"/>
+              <a:t>三</a:t>
+            </a:r>
+          </a:p>
+        </p:txBody>
+      </p:sp>
+    </p:spTree>
+    <p:extLst>
+      <p:ext uri="{BB962C8B-B14F-4D97-AF65-F5344CB8AC3E}">
+        <p14:creationId xmlns:p14="http://schemas.microsoft.com/office/powerpoint/2010/main" val="2267484869"/>
+      </p:ext>
+    </p:extLst>
+  </p:cSld>
+  <p:clrMapOvr>
+    <a:masterClrMapping/>
+  </p:clrMapOvr>
+</p:sld>
+</file>
+
+<file path=ppt/slides/slide18.xml><?xml version="1.0" encoding="utf-8"?>
+<p:sld xmlns:a="http://schemas.openxmlformats.org/drawingml/2006/main" xmlns:r="http://schemas.openxmlformats.org/officeDocument/2006/relationships" xmlns:p="http://schemas.openxmlformats.org/presentationml/2006/main">
+  <p:cSld>
+    <p:spTree>
+      <p:nvGrpSpPr>
+        <p:cNvPr id="1" name=""/>
+        <p:cNvGrpSpPr/>
+        <p:nvPr/>
+      </p:nvGrpSpPr>
+      <p:grpSpPr>
+        <a:xfrm>
+          <a:off x="0" y="0"/>
+          <a:ext cx="0" cy="0"/>
+          <a:chOff x="0" y="0"/>
+          <a:chExt cx="0" cy="0"/>
+        </a:xfrm>
+      </p:grpSpPr>
+      <p:sp>
+        <p:nvSpPr>
+          <p:cNvPr id="2" name="灯片编号占位符 1">
+            <a:extLst>
+              <a:ext uri="{FF2B5EF4-FFF2-40B4-BE49-F238E27FC236}">
+                <a16:creationId xmlns:a16="http://schemas.microsoft.com/office/drawing/2014/main" id="{B1426C9A-79C7-4A6F-8EDF-AA867E803719}"/>
+              </a:ext>
+            </a:extLst>
+          </p:cNvPr>
+          <p:cNvSpPr>
+            <a:spLocks noGrp="1"/>
+          </p:cNvSpPr>
+          <p:nvPr>
+            <p:ph type="sldNum" sz="quarter" idx="12"/>
+          </p:nvPr>
+        </p:nvSpPr>
+        <p:spPr/>
+        <p:txBody>
+          <a:bodyPr/>
+          <a:lstStyle/>
+          <a:p>
+            <a:fld id="{62CDD4FC-8CC6-422A-BB5C-9AD3EF3AE163}" type="slidenum">
+              <a:rPr lang="zh-CN" altLang="en-US" smtClean="0"/>
+              <a:pPr/>
+              <a:t>18</a:t>
+            </a:fld>
+            <a:endParaRPr lang="zh-CN" altLang="en-US" dirty="0"/>
+          </a:p>
+        </p:txBody>
+      </p:sp>
+      <p:sp>
+        <p:nvSpPr>
+          <p:cNvPr id="5" name="内容占位符 4">
+            <a:extLst>
+              <a:ext uri="{FF2B5EF4-FFF2-40B4-BE49-F238E27FC236}">
+                <a16:creationId xmlns:a16="http://schemas.microsoft.com/office/drawing/2014/main" id="{ECBAAB8C-D607-4EE3-B6E9-4D45F77D45DD}"/>
+              </a:ext>
+            </a:extLst>
+          </p:cNvPr>
+          <p:cNvSpPr>
+            <a:spLocks noGrp="1"/>
+          </p:cNvSpPr>
+          <p:nvPr>
+            <p:ph idx="4294967295"/>
+          </p:nvPr>
+        </p:nvSpPr>
+        <p:spPr>
+          <a:xfrm>
+            <a:off x="633364" y="1088889"/>
+            <a:ext cx="7886700" cy="2215206"/>
+          </a:xfrm>
+          <a:solidFill>
+            <a:schemeClr val="accent5">
+              <a:lumMod val="40000"/>
+              <a:lumOff val="60000"/>
+            </a:schemeClr>
+          </a:solidFill>
+          <a:ln>
+            <a:solidFill>
+              <a:schemeClr val="accent5">
+                <a:lumMod val="50000"/>
+              </a:schemeClr>
+            </a:solidFill>
+          </a:ln>
+        </p:spPr>
+        <p:txBody>
+          <a:bodyPr>
+            <a:normAutofit/>
+          </a:bodyPr>
+          <a:lstStyle/>
+          <a:p>
+            <a:pPr marL="0" lvl="1" indent="0">
+              <a:lnSpc>
+                <a:spcPct val="150000"/>
+              </a:lnSpc>
+              <a:buNone/>
+            </a:pPr>
+            <a:r>
+              <a:rPr lang="en-US" altLang="zh-CN" sz="2200" b="1" dirty="0">
+                <a:solidFill>
+                  <a:srgbClr val="FF0000"/>
+                </a:solidFill>
+              </a:rPr>
+              <a:t>【</a:t>
+            </a:r>
+            <a:r>
+              <a:rPr lang="zh-CN" altLang="en-US" sz="2200" b="1" dirty="0">
+                <a:solidFill>
+                  <a:srgbClr val="FF0000"/>
+                </a:solidFill>
+              </a:rPr>
+              <a:t>计算</a:t>
+            </a:r>
+            <a:r>
+              <a:rPr lang="en-US" altLang="zh-CN" sz="2200" b="1" dirty="0">
+                <a:solidFill>
+                  <a:srgbClr val="FF0000"/>
+                </a:solidFill>
+              </a:rPr>
+              <a:t>】</a:t>
+            </a:r>
+            <a:r>
+              <a:rPr lang="zh-CN" altLang="zh-CN" sz="2200" dirty="0"/>
+              <a:t>指在某种计算装置上，根据已知条件，从某一个初始点开始，在完成</a:t>
+            </a:r>
+            <a:r>
+              <a:rPr lang="zh-CN" altLang="zh-CN" sz="2200" dirty="0">
+                <a:solidFill>
+                  <a:srgbClr val="FF0000"/>
+                </a:solidFill>
+              </a:rPr>
+              <a:t>一组良好定义的序列</a:t>
+            </a:r>
+            <a:r>
+              <a:rPr lang="zh-CN" altLang="zh-CN" sz="2200" dirty="0"/>
+              <a:t>后，得到预期结果的过程。</a:t>
+            </a:r>
+            <a:endParaRPr lang="en-US" altLang="zh-CN" sz="2200" dirty="0"/>
+          </a:p>
+          <a:p>
+            <a:pPr marL="800100" lvl="2" indent="-342900">
+              <a:lnSpc>
+                <a:spcPct val="150000"/>
+              </a:lnSpc>
+              <a:buClr>
+                <a:schemeClr val="accent5">
+                  <a:lumMod val="50000"/>
+                </a:schemeClr>
+              </a:buClr>
+              <a:buFont typeface="Wingdings" panose="05000000000000000000" pitchFamily="2" charset="2"/>
+              <a:buChar char="p"/>
+            </a:pPr>
+            <a:r>
+              <a:rPr lang="zh-CN" altLang="zh-CN" dirty="0">
+                <a:solidFill>
+                  <a:sysClr val="windowText" lastClr="000000"/>
+                </a:solidFill>
+              </a:rPr>
+              <a:t>计算的过程可由人或某种计算装置执行。</a:t>
+            </a:r>
+          </a:p>
+          <a:p>
+            <a:pPr marL="800100" lvl="2" indent="-342900">
+              <a:lnSpc>
+                <a:spcPct val="150000"/>
+              </a:lnSpc>
+              <a:buClr>
+                <a:schemeClr val="accent5">
+                  <a:lumMod val="50000"/>
+                </a:schemeClr>
+              </a:buClr>
+              <a:buFont typeface="Wingdings" panose="05000000000000000000" pitchFamily="2" charset="2"/>
+              <a:buChar char="p"/>
+            </a:pPr>
+            <a:r>
+              <a:rPr lang="zh-CN" altLang="zh-CN" dirty="0">
+                <a:solidFill>
+                  <a:sysClr val="windowText" lastClr="000000"/>
+                </a:solidFill>
+              </a:rPr>
+              <a:t>同一个计算可能存在多种计算方式。</a:t>
+            </a:r>
+            <a:endParaRPr lang="zh-CN" altLang="en-US" sz="3200" dirty="0"/>
+          </a:p>
+        </p:txBody>
+      </p:sp>
+      <p:sp>
+        <p:nvSpPr>
+          <p:cNvPr id="3" name="文本框 2">
+            <a:extLst>
+              <a:ext uri="{FF2B5EF4-FFF2-40B4-BE49-F238E27FC236}">
+                <a16:creationId xmlns:a16="http://schemas.microsoft.com/office/drawing/2014/main" id="{ADD65210-C268-4E32-AFEA-53AF7B2FEBF4}"/>
+              </a:ext>
+            </a:extLst>
+          </p:cNvPr>
+          <p:cNvSpPr txBox="1"/>
+          <p:nvPr/>
+        </p:nvSpPr>
+        <p:spPr>
+          <a:xfrm>
+            <a:off x="633364" y="3628331"/>
+            <a:ext cx="7153177" cy="430887"/>
+          </a:xfrm>
+          <a:prstGeom prst="rect">
+            <a:avLst/>
+          </a:prstGeom>
+          <a:solidFill>
+            <a:schemeClr val="accent5">
+              <a:lumMod val="75000"/>
+            </a:schemeClr>
+          </a:solidFill>
+          <a:ln>
+            <a:solidFill>
+              <a:schemeClr val="accent5">
+                <a:lumMod val="50000"/>
+              </a:schemeClr>
+            </a:solidFill>
+          </a:ln>
+        </p:spPr>
+        <p:txBody>
+          <a:bodyPr wrap="square" anchor="ctr" anchorCtr="0">
+            <a:spAutoFit/>
+          </a:bodyPr>
+          <a:lstStyle>
+            <a:defPPr>
+              <a:defRPr lang="zh-CN"/>
+            </a:defPPr>
+            <a:lvl2pPr marL="0" lvl="1" indent="0" algn="ctr">
+              <a:buNone/>
+              <a:defRPr sz="2200">
+                <a:solidFill>
+                  <a:schemeClr val="bg1"/>
+                </a:solidFill>
+              </a:defRPr>
+            </a:lvl2pPr>
+          </a:lstStyle>
+          <a:p>
+            <a:r>
+              <a:rPr lang="zh-CN" altLang="en-US" sz="2200" dirty="0">
+                <a:solidFill>
+                  <a:schemeClr val="bg1"/>
+                </a:solidFill>
+              </a:rPr>
+              <a:t>编程的本质：把人的计算过程转换为计算机的计算过程</a:t>
+            </a:r>
+            <a:endParaRPr lang="en-US" altLang="zh-CN" sz="2200" dirty="0">
+              <a:solidFill>
+                <a:schemeClr val="bg1"/>
+              </a:solidFill>
+            </a:endParaRPr>
+          </a:p>
+        </p:txBody>
+      </p:sp>
+      <p:sp>
+        <p:nvSpPr>
+          <p:cNvPr id="7" name="矩形 6">
+            <a:extLst>
+              <a:ext uri="{FF2B5EF4-FFF2-40B4-BE49-F238E27FC236}">
+                <a16:creationId xmlns:a16="http://schemas.microsoft.com/office/drawing/2014/main" id="{47A948C1-320C-4DEC-A90C-8030ADAC9487}"/>
+              </a:ext>
+            </a:extLst>
+          </p:cNvPr>
+          <p:cNvSpPr/>
+          <p:nvPr/>
+        </p:nvSpPr>
+        <p:spPr>
+          <a:xfrm>
+            <a:off x="633364" y="651119"/>
+            <a:ext cx="4134465" cy="430887"/>
+          </a:xfrm>
+          <a:prstGeom prst="rect">
+            <a:avLst/>
+          </a:prstGeom>
+          <a:solidFill>
+            <a:schemeClr val="accent5">
+              <a:lumMod val="75000"/>
+            </a:schemeClr>
+          </a:solidFill>
+          <a:ln>
+            <a:solidFill>
+              <a:schemeClr val="accent5">
+                <a:lumMod val="50000"/>
+              </a:schemeClr>
+            </a:solidFill>
+          </a:ln>
+        </p:spPr>
+        <p:txBody>
+          <a:bodyPr wrap="none" anchor="ctr" anchorCtr="0">
+            <a:spAutoFit/>
+          </a:bodyPr>
+          <a:lstStyle/>
+          <a:p>
+            <a:pPr marL="0" lvl="1" indent="0" algn="ctr">
+              <a:buNone/>
+            </a:pPr>
+            <a:r>
+              <a:rPr lang="zh-CN" altLang="en-US" sz="2200" dirty="0">
+                <a:solidFill>
+                  <a:schemeClr val="bg1"/>
+                </a:solidFill>
+              </a:rPr>
+              <a:t>计算机是代替人进行计算的工具</a:t>
+            </a:r>
+            <a:endParaRPr lang="en-US" altLang="zh-CN" sz="2200" dirty="0">
+              <a:solidFill>
+                <a:schemeClr val="bg1"/>
+              </a:solidFill>
+            </a:endParaRPr>
+          </a:p>
+        </p:txBody>
+      </p:sp>
+      <p:sp>
+        <p:nvSpPr>
+          <p:cNvPr id="8" name="矩形 7">
+            <a:extLst>
+              <a:ext uri="{FF2B5EF4-FFF2-40B4-BE49-F238E27FC236}">
+                <a16:creationId xmlns:a16="http://schemas.microsoft.com/office/drawing/2014/main" id="{64FC310A-EC1A-4170-B0DA-FD6B0D8921CF}"/>
+              </a:ext>
+            </a:extLst>
+          </p:cNvPr>
+          <p:cNvSpPr/>
+          <p:nvPr/>
+        </p:nvSpPr>
+        <p:spPr>
+          <a:xfrm>
+            <a:off x="633364" y="4059218"/>
+            <a:ext cx="7886700" cy="1951816"/>
+          </a:xfrm>
+          <a:prstGeom prst="rect">
+            <a:avLst/>
+          </a:prstGeom>
+          <a:solidFill>
+            <a:schemeClr val="accent5">
+              <a:lumMod val="40000"/>
+              <a:lumOff val="60000"/>
+            </a:schemeClr>
+          </a:solidFill>
+          <a:ln>
+            <a:solidFill>
+              <a:schemeClr val="accent5">
+                <a:lumMod val="50000"/>
+              </a:schemeClr>
+            </a:solidFill>
+          </a:ln>
+        </p:spPr>
+        <p:txBody>
+          <a:bodyPr wrap="square">
+            <a:spAutoFit/>
+          </a:bodyPr>
+          <a:lstStyle/>
+          <a:p>
+            <a:pPr marL="342900" lvl="1" indent="-342900">
+              <a:lnSpc>
+                <a:spcPct val="150000"/>
+              </a:lnSpc>
+              <a:spcBef>
+                <a:spcPts val="500"/>
+              </a:spcBef>
+              <a:buClr>
+                <a:schemeClr val="accent5">
+                  <a:lumMod val="50000"/>
+                </a:schemeClr>
+              </a:buClr>
+              <a:buFont typeface="Wingdings" panose="05000000000000000000" pitchFamily="2" charset="2"/>
+              <a:buChar char="p"/>
+            </a:pPr>
+            <a:r>
+              <a:rPr lang="zh-CN" altLang="en-US" sz="2000" dirty="0">
+                <a:solidFill>
+                  <a:sysClr val="windowText" lastClr="000000"/>
+                </a:solidFill>
+              </a:rPr>
+              <a:t>人是如何计算的？</a:t>
+            </a:r>
+            <a:endParaRPr lang="en-US" altLang="zh-CN" sz="2000" dirty="0">
+              <a:solidFill>
+                <a:sysClr val="windowText" lastClr="000000"/>
+              </a:solidFill>
+            </a:endParaRPr>
+          </a:p>
+          <a:p>
+            <a:pPr>
+              <a:lnSpc>
+                <a:spcPct val="150000"/>
+              </a:lnSpc>
+            </a:pPr>
+            <a:r>
+              <a:rPr lang="zh-CN" altLang="en-US" sz="2000" dirty="0"/>
+              <a:t>  使用算法进行精确的描述</a:t>
+            </a:r>
+            <a:endParaRPr lang="en-US" altLang="zh-CN" sz="2000" dirty="0"/>
+          </a:p>
+          <a:p>
+            <a:pPr marL="342900" lvl="1" indent="-342900">
+              <a:lnSpc>
+                <a:spcPct val="150000"/>
+              </a:lnSpc>
+              <a:spcBef>
+                <a:spcPts val="500"/>
+              </a:spcBef>
+              <a:buClr>
+                <a:schemeClr val="accent5">
+                  <a:lumMod val="50000"/>
+                </a:schemeClr>
+              </a:buClr>
+              <a:buFont typeface="Wingdings" panose="05000000000000000000" pitchFamily="2" charset="2"/>
+              <a:buChar char="p"/>
+            </a:pPr>
+            <a:r>
+              <a:rPr lang="zh-CN" altLang="en-US" sz="2000" dirty="0">
+                <a:solidFill>
+                  <a:sysClr val="windowText" lastClr="000000"/>
+                </a:solidFill>
+              </a:rPr>
+              <a:t>如何转换？</a:t>
+            </a:r>
+            <a:endParaRPr lang="en-US" altLang="zh-CN" sz="2000" dirty="0">
+              <a:solidFill>
+                <a:sysClr val="windowText" lastClr="000000"/>
+              </a:solidFill>
+            </a:endParaRPr>
+          </a:p>
+          <a:p>
+            <a:pPr>
+              <a:lnSpc>
+                <a:spcPct val="150000"/>
+              </a:lnSpc>
+            </a:pPr>
+            <a:r>
+              <a:rPr lang="zh-CN" altLang="en-US" sz="2000" dirty="0"/>
+              <a:t>  遵循程序设计语言的语法</a:t>
+            </a:r>
+          </a:p>
+        </p:txBody>
+      </p:sp>
+    </p:spTree>
+    <p:extLst>
+      <p:ext uri="{BB962C8B-B14F-4D97-AF65-F5344CB8AC3E}">
+        <p14:creationId xmlns:p14="http://schemas.microsoft.com/office/powerpoint/2010/main" val="1483298664"/>
+      </p:ext>
+    </p:extLst>
+  </p:cSld>
+  <p:clrMapOvr>
+    <a:masterClrMapping/>
+  </p:clrMapOvr>
+</p:sld>
+</file>
+
+<file path=ppt/slides/slide19.xml><?xml version="1.0" encoding="utf-8"?>
+<p:sld xmlns:a="http://schemas.openxmlformats.org/drawingml/2006/main" xmlns:r="http://schemas.openxmlformats.org/officeDocument/2006/relationships" xmlns:p="http://schemas.openxmlformats.org/presentationml/2006/main">
+  <p:cSld>
+    <p:spTree>
+      <p:nvGrpSpPr>
+        <p:cNvPr id="1" name=""/>
+        <p:cNvGrpSpPr/>
+        <p:nvPr/>
+      </p:nvGrpSpPr>
+      <p:grpSpPr>
+        <a:xfrm>
+          <a:off x="0" y="0"/>
+          <a:ext cx="0" cy="0"/>
+          <a:chOff x="0" y="0"/>
+          <a:chExt cx="0" cy="0"/>
+        </a:xfrm>
+      </p:grpSpPr>
+      <p:sp>
+        <p:nvSpPr>
+          <p:cNvPr id="3" name="灯片编号占位符 2">
+            <a:extLst>
+              <a:ext uri="{FF2B5EF4-FFF2-40B4-BE49-F238E27FC236}">
+                <a16:creationId xmlns:a16="http://schemas.microsoft.com/office/drawing/2014/main" id="{A8DDF1C5-136B-4564-817F-0D6A599D7C69}"/>
+              </a:ext>
+            </a:extLst>
+          </p:cNvPr>
+          <p:cNvSpPr>
+            <a:spLocks noGrp="1"/>
+          </p:cNvSpPr>
+          <p:nvPr>
+            <p:ph type="sldNum" sz="quarter" idx="12"/>
+          </p:nvPr>
+        </p:nvSpPr>
+        <p:spPr/>
+        <p:txBody>
+          <a:bodyPr/>
+          <a:lstStyle/>
+          <a:p>
+            <a:fld id="{62CDD4FC-8CC6-422A-BB5C-9AD3EF3AE163}" type="slidenum">
+              <a:rPr lang="zh-CN" altLang="en-US" smtClean="0"/>
+              <a:pPr/>
+              <a:t>19</a:t>
+            </a:fld>
+            <a:endParaRPr lang="zh-CN" altLang="en-US" dirty="0"/>
+          </a:p>
+        </p:txBody>
+      </p:sp>
+      <p:sp>
+        <p:nvSpPr>
+          <p:cNvPr id="2" name="内容占位符 1">
+            <a:extLst>
+              <a:ext uri="{FF2B5EF4-FFF2-40B4-BE49-F238E27FC236}">
+                <a16:creationId xmlns:a16="http://schemas.microsoft.com/office/drawing/2014/main" id="{17D287A8-F3CF-49CC-A951-147DF89344B0}"/>
+              </a:ext>
+            </a:extLst>
+          </p:cNvPr>
+          <p:cNvSpPr>
+            <a:spLocks noGrp="1"/>
+          </p:cNvSpPr>
+          <p:nvPr>
+            <p:ph idx="4294967295"/>
+          </p:nvPr>
+        </p:nvSpPr>
+        <p:spPr>
+          <a:xfrm>
+            <a:off x="628650" y="545431"/>
+            <a:ext cx="7886700" cy="2226049"/>
+          </a:xfrm>
+        </p:spPr>
+        <p:txBody>
+          <a:bodyPr>
+            <a:normAutofit/>
+          </a:bodyPr>
+          <a:lstStyle/>
+          <a:p>
+            <a:pPr marL="0" indent="0">
+              <a:buNone/>
+            </a:pPr>
+            <a:r>
+              <a:rPr lang="en-US" altLang="zh-CN" sz="2400" dirty="0">
+                <a:solidFill>
+                  <a:srgbClr val="FF0000"/>
+                </a:solidFill>
+              </a:rPr>
+              <a:t>【</a:t>
+            </a:r>
+            <a:r>
+              <a:rPr lang="zh-CN" altLang="en-US" sz="2400" dirty="0">
+                <a:solidFill>
+                  <a:srgbClr val="FF0000"/>
+                </a:solidFill>
+              </a:rPr>
+              <a:t>算法</a:t>
+            </a:r>
+            <a:r>
+              <a:rPr lang="en-US" altLang="zh-CN" sz="2400" dirty="0">
+                <a:solidFill>
+                  <a:srgbClr val="FF0000"/>
+                </a:solidFill>
+              </a:rPr>
+              <a:t>】</a:t>
+            </a:r>
+            <a:r>
+              <a:rPr lang="zh-CN" altLang="zh-CN" sz="2400" dirty="0"/>
+              <a:t>求解问题类的、机械的、统一的方法，它由有限个步骤组成，对于问题类中的每个给定的具体问题，机械地执行这些步骤就可以得到问题的答案。</a:t>
+            </a:r>
+            <a:endParaRPr lang="en-US" altLang="zh-CN" sz="2400" dirty="0"/>
+          </a:p>
+          <a:p>
+            <a:pPr lvl="1">
+              <a:buClr>
+                <a:schemeClr val="bg1">
+                  <a:lumMod val="50000"/>
+                </a:schemeClr>
+              </a:buClr>
+            </a:pPr>
+            <a:r>
+              <a:rPr lang="zh-CN" altLang="en-US" sz="2000" dirty="0">
+                <a:solidFill>
+                  <a:schemeClr val="bg1">
+                    <a:lumMod val="50000"/>
+                  </a:schemeClr>
+                </a:solidFill>
+              </a:rPr>
+              <a:t>人类第一个明确记载的算法：“辗转相除法”求最大公约数</a:t>
+            </a:r>
+            <a:endParaRPr lang="en-US" altLang="zh-CN" sz="2000" dirty="0">
+              <a:solidFill>
+                <a:schemeClr val="bg1">
+                  <a:lumMod val="50000"/>
+                </a:schemeClr>
+              </a:solidFill>
+            </a:endParaRPr>
+          </a:p>
+        </p:txBody>
+      </p:sp>
+      <p:sp>
+        <p:nvSpPr>
+          <p:cNvPr id="6" name="内容占位符 1">
+            <a:extLst>
+              <a:ext uri="{FF2B5EF4-FFF2-40B4-BE49-F238E27FC236}">
+                <a16:creationId xmlns:a16="http://schemas.microsoft.com/office/drawing/2014/main" id="{88EC3D1F-D322-4D4A-A605-48190F1D578F}"/>
+              </a:ext>
+            </a:extLst>
+          </p:cNvPr>
+          <p:cNvSpPr txBox="1">
+            <a:spLocks/>
+          </p:cNvSpPr>
+          <p:nvPr/>
+        </p:nvSpPr>
+        <p:spPr>
+          <a:xfrm>
+            <a:off x="1221388" y="2875175"/>
+            <a:ext cx="3520295" cy="2702104"/>
+          </a:xfrm>
+          <a:prstGeom prst="rect">
+            <a:avLst/>
+          </a:prstGeom>
+        </p:spPr>
+        <p:txBody>
+          <a:bodyPr/>
+          <a:lstStyle>
+            <a:lvl1pPr marL="228600" indent="-228600" algn="l" defTabSz="914400" rtl="0" eaLnBrk="1" latinLnBrk="0" hangingPunct="1">
+              <a:lnSpc>
+                <a:spcPct val="120000"/>
+              </a:lnSpc>
+              <a:spcBef>
+                <a:spcPts val="1000"/>
+              </a:spcBef>
+              <a:buFont typeface="Arial" panose="020B0604020202020204" pitchFamily="34" charset="0"/>
+              <a:buChar char="•"/>
+              <a:defRPr lang="zh-CN" altLang="en-US" sz="2800" kern="1200" dirty="0" smtClean="0">
+                <a:solidFill>
+                  <a:schemeClr val="tx1"/>
+                </a:solidFill>
+                <a:latin typeface="+mn-lt"/>
+                <a:ea typeface="+mn-ea"/>
+                <a:cs typeface="+mn-cs"/>
+              </a:defRPr>
+            </a:lvl1pPr>
+            <a:lvl2pPr marL="685800" indent="-228600" algn="l" defTabSz="914400" rtl="0" eaLnBrk="1" latinLnBrk="0" hangingPunct="1">
+              <a:lnSpc>
+                <a:spcPct val="120000"/>
+              </a:lnSpc>
+              <a:spcBef>
+                <a:spcPts val="500"/>
+              </a:spcBef>
+              <a:buFont typeface="Arial" panose="020B0604020202020204" pitchFamily="34" charset="0"/>
+              <a:buChar char="•"/>
+              <a:defRPr lang="zh-CN" altLang="en-US" sz="2400" kern="1200" dirty="0" smtClean="0">
+                <a:solidFill>
+                  <a:schemeClr val="tx1"/>
+                </a:solidFill>
+                <a:latin typeface="+mn-lt"/>
+                <a:ea typeface="+mn-ea"/>
+                <a:cs typeface="+mn-cs"/>
+              </a:defRPr>
+            </a:lvl2pPr>
+            <a:lvl3pPr marL="1143000" indent="-228600" algn="l" defTabSz="914400" rtl="0" eaLnBrk="1" latinLnBrk="0" hangingPunct="1">
+              <a:lnSpc>
+                <a:spcPct val="120000"/>
+              </a:lnSpc>
+              <a:spcBef>
+                <a:spcPts val="500"/>
+              </a:spcBef>
+              <a:buFont typeface="Arial" panose="020B0604020202020204" pitchFamily="34" charset="0"/>
+              <a:buChar char="•"/>
+              <a:defRPr lang="zh-CN" altLang="en-US" sz="2000" kern="1200" dirty="0" smtClean="0">
+                <a:solidFill>
+                  <a:schemeClr val="tx1"/>
+                </a:solidFill>
+                <a:latin typeface="+mn-lt"/>
+                <a:ea typeface="+mn-ea"/>
+                <a:cs typeface="+mn-cs"/>
+              </a:defRPr>
+            </a:lvl3pPr>
+            <a:lvl4pPr marL="1600200" indent="-228600" algn="l" defTabSz="914400" rtl="0" eaLnBrk="1" latinLnBrk="0" hangingPunct="1">
+              <a:lnSpc>
+                <a:spcPct val="120000"/>
+              </a:lnSpc>
+              <a:spcBef>
+                <a:spcPts val="500"/>
+              </a:spcBef>
+              <a:buFont typeface="Arial" panose="020B0604020202020204" pitchFamily="34" charset="0"/>
+              <a:buChar char="•"/>
+              <a:defRPr lang="zh-CN" altLang="en-US" sz="1800" kern="1200" dirty="0" smtClean="0">
+                <a:solidFill>
+                  <a:schemeClr val="tx1"/>
+                </a:solidFill>
+                <a:latin typeface="+mn-lt"/>
+                <a:ea typeface="+mn-ea"/>
+                <a:cs typeface="+mn-cs"/>
+              </a:defRPr>
+            </a:lvl4pPr>
+            <a:lvl5pPr marL="2057400" indent="-228600" algn="l" defTabSz="914400" rtl="0" eaLnBrk="1" latinLnBrk="0" hangingPunct="1">
+              <a:lnSpc>
+                <a:spcPct val="120000"/>
+              </a:lnSpc>
+              <a:spcBef>
+                <a:spcPts val="500"/>
+              </a:spcBef>
+              <a:buFont typeface="Arial" panose="020B0604020202020204" pitchFamily="34" charset="0"/>
+              <a:buChar char="•"/>
+              <a:defRPr lang="en-US" altLang="en-US" sz="1800" kern="1200" dirty="0">
+                <a:solidFill>
+                  <a:schemeClr val="tx1"/>
+                </a:solidFill>
+                <a:latin typeface="+mn-lt"/>
+                <a:ea typeface="+mn-ea"/>
+                <a:cs typeface="+mn-cs"/>
+              </a:defRPr>
+            </a:lvl5pPr>
+            <a:lvl6pPr marL="2514600" indent="-228600" algn="l" defTabSz="914400" rtl="0" eaLnBrk="1" latinLnBrk="0" hangingPunct="1">
+              <a:lnSpc>
+                <a:spcPct val="90000"/>
+              </a:lnSpc>
+              <a:spcBef>
+                <a:spcPts val="500"/>
+              </a:spcBef>
+              <a:buFont typeface="Arial" panose="020B0604020202020204" pitchFamily="34" charset="0"/>
+              <a:buChar char="•"/>
+              <a:defRPr sz="1800" kern="1200">
+                <a:solidFill>
+                  <a:schemeClr val="tx1"/>
+                </a:solidFill>
+                <a:latin typeface="+mn-lt"/>
+                <a:ea typeface="+mn-ea"/>
+                <a:cs typeface="+mn-cs"/>
+              </a:defRPr>
+            </a:lvl6pPr>
+            <a:lvl7pPr marL="2971800" indent="-228600" algn="l" defTabSz="914400" rtl="0" eaLnBrk="1" latinLnBrk="0" hangingPunct="1">
+              <a:lnSpc>
+                <a:spcPct val="90000"/>
+              </a:lnSpc>
+              <a:spcBef>
+                <a:spcPts val="500"/>
+              </a:spcBef>
+              <a:buFont typeface="Arial" panose="020B0604020202020204" pitchFamily="34" charset="0"/>
+              <a:buChar char="•"/>
+              <a:defRPr sz="1800" kern="1200">
+                <a:solidFill>
+                  <a:schemeClr val="tx1"/>
+                </a:solidFill>
+                <a:latin typeface="+mn-lt"/>
+                <a:ea typeface="+mn-ea"/>
+                <a:cs typeface="+mn-cs"/>
+              </a:defRPr>
+            </a:lvl7pPr>
+            <a:lvl8pPr marL="3429000" indent="-228600" algn="l" defTabSz="914400" rtl="0" eaLnBrk="1" latinLnBrk="0" hangingPunct="1">
+              <a:lnSpc>
+                <a:spcPct val="90000"/>
+              </a:lnSpc>
+              <a:spcBef>
+                <a:spcPts val="500"/>
+              </a:spcBef>
+              <a:buFont typeface="Arial" panose="020B0604020202020204" pitchFamily="34" charset="0"/>
+              <a:buChar char="•"/>
+              <a:defRPr sz="1800" kern="1200">
+                <a:solidFill>
+                  <a:schemeClr val="tx1"/>
+                </a:solidFill>
+                <a:latin typeface="+mn-lt"/>
+                <a:ea typeface="+mn-ea"/>
+                <a:cs typeface="+mn-cs"/>
+              </a:defRPr>
+            </a:lvl8pPr>
+            <a:lvl9pPr marL="3886200" indent="-228600" algn="l" defTabSz="914400" rtl="0" eaLnBrk="1" latinLnBrk="0" hangingPunct="1">
+              <a:lnSpc>
+                <a:spcPct val="90000"/>
+              </a:lnSpc>
+              <a:spcBef>
+                <a:spcPts val="500"/>
+              </a:spcBef>
+              <a:buFont typeface="Arial" panose="020B0604020202020204" pitchFamily="34" charset="0"/>
+              <a:buChar char="•"/>
+              <a:defRPr sz="1800" kern="1200">
+                <a:solidFill>
+                  <a:schemeClr val="tx1"/>
+                </a:solidFill>
+                <a:latin typeface="+mn-lt"/>
+                <a:ea typeface="+mn-ea"/>
+                <a:cs typeface="+mn-cs"/>
+              </a:defRPr>
+            </a:lvl9pPr>
+          </a:lstStyle>
+          <a:p>
+            <a:pPr marL="0" indent="0">
+              <a:buFont typeface="Arial" panose="020B0604020202020204" pitchFamily="34" charset="0"/>
+              <a:buNone/>
+            </a:pPr>
+            <a:r>
+              <a:rPr lang="zh-CN" altLang="en-US" sz="2400" dirty="0"/>
+              <a:t>算法的特征：</a:t>
+            </a:r>
+          </a:p>
+          <a:p>
+            <a:pPr marL="457200" lvl="1" indent="0">
+              <a:buFont typeface="Arial" panose="020B0604020202020204" pitchFamily="34" charset="0"/>
+              <a:buNone/>
+            </a:pPr>
+            <a:r>
+              <a:rPr lang="en-US" altLang="zh-CN" sz="2000" dirty="0"/>
+              <a:t>1</a:t>
+            </a:r>
+            <a:r>
+              <a:rPr lang="zh-CN" altLang="en-US" sz="2000" dirty="0"/>
+              <a:t>、输入</a:t>
+            </a:r>
+          </a:p>
+          <a:p>
+            <a:pPr marL="457200" lvl="1" indent="0">
+              <a:buFont typeface="Arial" panose="020B0604020202020204" pitchFamily="34" charset="0"/>
+              <a:buNone/>
+            </a:pPr>
+            <a:r>
+              <a:rPr lang="en-US" altLang="zh-CN" sz="2000" dirty="0"/>
+              <a:t>2</a:t>
+            </a:r>
+            <a:r>
+              <a:rPr lang="zh-CN" altLang="en-US" sz="2000" dirty="0"/>
+              <a:t>、输出</a:t>
+            </a:r>
+          </a:p>
+          <a:p>
+            <a:pPr marL="457200" lvl="1" indent="0">
+              <a:buFont typeface="Arial" panose="020B0604020202020204" pitchFamily="34" charset="0"/>
+              <a:buNone/>
+            </a:pPr>
+            <a:r>
+              <a:rPr lang="en-US" altLang="zh-CN" sz="2000" dirty="0"/>
+              <a:t>3</a:t>
+            </a:r>
+            <a:r>
+              <a:rPr lang="zh-CN" altLang="en-US" sz="2000" dirty="0"/>
+              <a:t>、明确性</a:t>
+            </a:r>
+            <a:r>
+              <a:rPr lang="en-US" altLang="zh-CN" sz="2000" dirty="0"/>
+              <a:t>/</a:t>
+            </a:r>
+            <a:r>
+              <a:rPr lang="zh-CN" altLang="en-US" sz="2000" dirty="0"/>
+              <a:t>确定性</a:t>
+            </a:r>
+          </a:p>
+          <a:p>
+            <a:pPr marL="457200" lvl="1" indent="0">
+              <a:buFont typeface="Arial" panose="020B0604020202020204" pitchFamily="34" charset="0"/>
+              <a:buNone/>
+            </a:pPr>
+            <a:r>
+              <a:rPr lang="en-US" altLang="zh-CN" sz="2000" dirty="0"/>
+              <a:t>4</a:t>
+            </a:r>
+            <a:r>
+              <a:rPr lang="zh-CN" altLang="en-US" sz="2000" dirty="0"/>
+              <a:t>、有限性</a:t>
+            </a:r>
+          </a:p>
+          <a:p>
+            <a:pPr marL="457200" lvl="1" indent="0">
+              <a:buFont typeface="Arial" panose="020B0604020202020204" pitchFamily="34" charset="0"/>
+              <a:buNone/>
+            </a:pPr>
+            <a:r>
+              <a:rPr lang="en-US" altLang="zh-CN" sz="2000" dirty="0"/>
+              <a:t>5</a:t>
+            </a:r>
+            <a:r>
+              <a:rPr lang="zh-CN" altLang="en-US" sz="2000" dirty="0"/>
+              <a:t>、有效性</a:t>
+            </a:r>
+            <a:r>
+              <a:rPr lang="en-US" altLang="zh-CN" sz="2000" dirty="0"/>
+              <a:t>/</a:t>
+            </a:r>
+            <a:r>
+              <a:rPr lang="zh-CN" altLang="en-US" sz="2000" dirty="0"/>
+              <a:t>可行性</a:t>
+            </a:r>
+          </a:p>
+        </p:txBody>
+      </p:sp>
+      <p:sp>
+        <p:nvSpPr>
+          <p:cNvPr id="7" name="内容占位符 5">
+            <a:extLst>
+              <a:ext uri="{FF2B5EF4-FFF2-40B4-BE49-F238E27FC236}">
+                <a16:creationId xmlns:a16="http://schemas.microsoft.com/office/drawing/2014/main" id="{C97758C7-E48F-4110-9B77-F8B1C2C074A5}"/>
+              </a:ext>
+            </a:extLst>
+          </p:cNvPr>
+          <p:cNvSpPr txBox="1">
+            <a:spLocks/>
+          </p:cNvSpPr>
+          <p:nvPr/>
+        </p:nvSpPr>
+        <p:spPr>
+          <a:xfrm>
+            <a:off x="4741683" y="2875175"/>
+            <a:ext cx="3355942" cy="1957903"/>
+          </a:xfrm>
+          <a:prstGeom prst="rect">
+            <a:avLst/>
+          </a:prstGeom>
+        </p:spPr>
+        <p:txBody>
+          <a:bodyPr>
+            <a:normAutofit/>
+          </a:bodyPr>
+          <a:lstStyle>
+            <a:lvl1pPr marL="228600" indent="-228600" algn="l" defTabSz="914400" rtl="0" eaLnBrk="1" latinLnBrk="0" hangingPunct="1">
+              <a:lnSpc>
+                <a:spcPct val="120000"/>
+              </a:lnSpc>
+              <a:spcBef>
+                <a:spcPts val="1000"/>
+              </a:spcBef>
+              <a:buFont typeface="Arial" panose="020B0604020202020204" pitchFamily="34" charset="0"/>
+              <a:buChar char="•"/>
+              <a:defRPr lang="zh-CN" altLang="en-US" sz="2800" kern="1200" dirty="0" smtClean="0">
+                <a:solidFill>
+                  <a:schemeClr val="tx1"/>
+                </a:solidFill>
+                <a:latin typeface="+mn-lt"/>
+                <a:ea typeface="+mn-ea"/>
+                <a:cs typeface="+mn-cs"/>
+              </a:defRPr>
+            </a:lvl1pPr>
+            <a:lvl2pPr marL="685800" indent="-228600" algn="l" defTabSz="914400" rtl="0" eaLnBrk="1" latinLnBrk="0" hangingPunct="1">
+              <a:lnSpc>
+                <a:spcPct val="120000"/>
+              </a:lnSpc>
+              <a:spcBef>
+                <a:spcPts val="500"/>
+              </a:spcBef>
+              <a:buFont typeface="Arial" panose="020B0604020202020204" pitchFamily="34" charset="0"/>
+              <a:buChar char="•"/>
+              <a:defRPr lang="zh-CN" altLang="en-US" sz="2400" kern="1200" dirty="0" smtClean="0">
+                <a:solidFill>
+                  <a:schemeClr val="tx1"/>
+                </a:solidFill>
+                <a:latin typeface="+mn-lt"/>
+                <a:ea typeface="+mn-ea"/>
+                <a:cs typeface="+mn-cs"/>
+              </a:defRPr>
+            </a:lvl2pPr>
+            <a:lvl3pPr marL="1143000" indent="-228600" algn="l" defTabSz="914400" rtl="0" eaLnBrk="1" latinLnBrk="0" hangingPunct="1">
+              <a:lnSpc>
+                <a:spcPct val="120000"/>
+              </a:lnSpc>
+              <a:spcBef>
+                <a:spcPts val="500"/>
+              </a:spcBef>
+              <a:buFont typeface="Arial" panose="020B0604020202020204" pitchFamily="34" charset="0"/>
+              <a:buChar char="•"/>
+              <a:defRPr lang="zh-CN" altLang="en-US" sz="2000" kern="1200" dirty="0" smtClean="0">
+                <a:solidFill>
+                  <a:schemeClr val="tx1"/>
+                </a:solidFill>
+                <a:latin typeface="+mn-lt"/>
+                <a:ea typeface="+mn-ea"/>
+                <a:cs typeface="+mn-cs"/>
+              </a:defRPr>
+            </a:lvl3pPr>
+            <a:lvl4pPr marL="1600200" indent="-228600" algn="l" defTabSz="914400" rtl="0" eaLnBrk="1" latinLnBrk="0" hangingPunct="1">
+              <a:lnSpc>
+                <a:spcPct val="120000"/>
+              </a:lnSpc>
+              <a:spcBef>
+                <a:spcPts val="500"/>
+              </a:spcBef>
+              <a:buFont typeface="Arial" panose="020B0604020202020204" pitchFamily="34" charset="0"/>
+              <a:buChar char="•"/>
+              <a:defRPr lang="zh-CN" altLang="en-US" sz="1800" kern="1200" dirty="0" smtClean="0">
+                <a:solidFill>
+                  <a:schemeClr val="tx1"/>
+                </a:solidFill>
+                <a:latin typeface="+mn-lt"/>
+                <a:ea typeface="+mn-ea"/>
+                <a:cs typeface="+mn-cs"/>
+              </a:defRPr>
+            </a:lvl4pPr>
+            <a:lvl5pPr marL="2057400" indent="-228600" algn="l" defTabSz="914400" rtl="0" eaLnBrk="1" latinLnBrk="0" hangingPunct="1">
+              <a:lnSpc>
+                <a:spcPct val="120000"/>
+              </a:lnSpc>
+              <a:spcBef>
+                <a:spcPts val="500"/>
+              </a:spcBef>
+              <a:buFont typeface="Arial" panose="020B0604020202020204" pitchFamily="34" charset="0"/>
+              <a:buChar char="•"/>
+              <a:defRPr lang="en-US" altLang="en-US" sz="1800" kern="1200" dirty="0">
+                <a:solidFill>
+                  <a:schemeClr val="tx1"/>
+                </a:solidFill>
+                <a:latin typeface="+mn-lt"/>
+                <a:ea typeface="+mn-ea"/>
+                <a:cs typeface="+mn-cs"/>
+              </a:defRPr>
+            </a:lvl5pPr>
+            <a:lvl6pPr marL="2514600" indent="-228600" algn="l" defTabSz="914400" rtl="0" eaLnBrk="1" latinLnBrk="0" hangingPunct="1">
+              <a:lnSpc>
+                <a:spcPct val="90000"/>
+              </a:lnSpc>
+              <a:spcBef>
+                <a:spcPts val="500"/>
+              </a:spcBef>
+              <a:buFont typeface="Arial" panose="020B0604020202020204" pitchFamily="34" charset="0"/>
+              <a:buChar char="•"/>
+              <a:defRPr sz="1800" kern="1200">
+                <a:solidFill>
+                  <a:schemeClr val="tx1"/>
+                </a:solidFill>
+                <a:latin typeface="+mn-lt"/>
+                <a:ea typeface="+mn-ea"/>
+                <a:cs typeface="+mn-cs"/>
+              </a:defRPr>
+            </a:lvl6pPr>
+            <a:lvl7pPr marL="2971800" indent="-228600" algn="l" defTabSz="914400" rtl="0" eaLnBrk="1" latinLnBrk="0" hangingPunct="1">
+              <a:lnSpc>
+                <a:spcPct val="90000"/>
+              </a:lnSpc>
+              <a:spcBef>
+                <a:spcPts val="500"/>
+              </a:spcBef>
+              <a:buFont typeface="Arial" panose="020B0604020202020204" pitchFamily="34" charset="0"/>
+              <a:buChar char="•"/>
+              <a:defRPr sz="1800" kern="1200">
+                <a:solidFill>
+                  <a:schemeClr val="tx1"/>
+                </a:solidFill>
+                <a:latin typeface="+mn-lt"/>
+                <a:ea typeface="+mn-ea"/>
+                <a:cs typeface="+mn-cs"/>
+              </a:defRPr>
+            </a:lvl7pPr>
+            <a:lvl8pPr marL="3429000" indent="-228600" algn="l" defTabSz="914400" rtl="0" eaLnBrk="1" latinLnBrk="0" hangingPunct="1">
+              <a:lnSpc>
+                <a:spcPct val="90000"/>
+              </a:lnSpc>
+              <a:spcBef>
+                <a:spcPts val="500"/>
+              </a:spcBef>
+              <a:buFont typeface="Arial" panose="020B0604020202020204" pitchFamily="34" charset="0"/>
+              <a:buChar char="•"/>
+              <a:defRPr sz="1800" kern="1200">
+                <a:solidFill>
+                  <a:schemeClr val="tx1"/>
+                </a:solidFill>
+                <a:latin typeface="+mn-lt"/>
+                <a:ea typeface="+mn-ea"/>
+                <a:cs typeface="+mn-cs"/>
+              </a:defRPr>
+            </a:lvl8pPr>
+            <a:lvl9pPr marL="3886200" indent="-228600" algn="l" defTabSz="914400" rtl="0" eaLnBrk="1" latinLnBrk="0" hangingPunct="1">
+              <a:lnSpc>
+                <a:spcPct val="90000"/>
+              </a:lnSpc>
+              <a:spcBef>
+                <a:spcPts val="500"/>
+              </a:spcBef>
+              <a:buFont typeface="Arial" panose="020B0604020202020204" pitchFamily="34" charset="0"/>
+              <a:buChar char="•"/>
+              <a:defRPr sz="1800" kern="1200">
+                <a:solidFill>
+                  <a:schemeClr val="tx1"/>
+                </a:solidFill>
+                <a:latin typeface="+mn-lt"/>
+                <a:ea typeface="+mn-ea"/>
+                <a:cs typeface="+mn-cs"/>
+              </a:defRPr>
+            </a:lvl9pPr>
+          </a:lstStyle>
+          <a:p>
+            <a:pPr marL="0" indent="0">
+              <a:buFont typeface="Arial" panose="020B0604020202020204" pitchFamily="34" charset="0"/>
+              <a:buNone/>
+            </a:pPr>
+            <a:r>
+              <a:rPr lang="zh-CN" altLang="en-US" sz="2400" dirty="0"/>
+              <a:t>算法的三个基本结构：</a:t>
+            </a:r>
+          </a:p>
+          <a:p>
+            <a:pPr marL="457200" lvl="1" indent="0">
+              <a:buFont typeface="Arial" panose="020B0604020202020204" pitchFamily="34" charset="0"/>
+              <a:buNone/>
+            </a:pPr>
+            <a:r>
+              <a:rPr lang="en-US" altLang="zh-CN" sz="2000" dirty="0"/>
+              <a:t>1</a:t>
+            </a:r>
+            <a:r>
+              <a:rPr lang="zh-CN" altLang="en-US" sz="2000" dirty="0"/>
+              <a:t>、顺序结构</a:t>
+            </a:r>
+          </a:p>
+          <a:p>
+            <a:pPr marL="457200" lvl="1" indent="0">
+              <a:buFont typeface="Arial" panose="020B0604020202020204" pitchFamily="34" charset="0"/>
+              <a:buNone/>
+            </a:pPr>
+            <a:r>
+              <a:rPr lang="en-US" altLang="zh-CN" sz="2000" dirty="0"/>
+              <a:t>2</a:t>
+            </a:r>
+            <a:r>
+              <a:rPr lang="zh-CN" altLang="en-US" sz="2000" dirty="0"/>
+              <a:t>、选择结构</a:t>
+            </a:r>
+          </a:p>
+          <a:p>
+            <a:pPr marL="457200" lvl="1" indent="0">
+              <a:buFont typeface="Arial" panose="020B0604020202020204" pitchFamily="34" charset="0"/>
+              <a:buNone/>
+            </a:pPr>
+            <a:r>
+              <a:rPr lang="en-US" altLang="zh-CN" sz="2000" dirty="0"/>
+              <a:t>3</a:t>
+            </a:r>
+            <a:r>
+              <a:rPr lang="zh-CN" altLang="en-US" sz="2000" dirty="0"/>
+              <a:t>、循环结构</a:t>
+            </a:r>
+          </a:p>
+          <a:p>
+            <a:endParaRPr lang="zh-CN" altLang="en-US" sz="2400" dirty="0"/>
+          </a:p>
+        </p:txBody>
+      </p:sp>
+    </p:spTree>
+    <p:extLst>
+      <p:ext uri="{BB962C8B-B14F-4D97-AF65-F5344CB8AC3E}">
+        <p14:creationId xmlns:p14="http://schemas.microsoft.com/office/powerpoint/2010/main" val="832735352"/>
+      </p:ext>
+    </p:extLst>
+  </p:cSld>
+  <p:clrMapOvr>
+    <a:masterClrMapping/>
+  </p:clrMapOvr>
+</p:sld>
+</file>
+
+<file path=ppt/slides/slide2.xml><?xml version="1.0" encoding="utf-8"?>
+<p:sld xmlns:a="http://schemas.openxmlformats.org/drawingml/2006/main" xmlns:r="http://schemas.openxmlformats.org/officeDocument/2006/relationships" xmlns:p="http://schemas.openxmlformats.org/presentationml/2006/main">
+  <p:cSld>
+    <p:spTree>
+      <p:nvGrpSpPr>
+        <p:cNvPr id="1" name=""/>
+        <p:cNvGrpSpPr/>
+        <p:nvPr/>
+      </p:nvGrpSpPr>
+      <p:grpSpPr>
+        <a:xfrm>
+          <a:off x="0" y="0"/>
+          <a:ext cx="0" cy="0"/>
+          <a:chOff x="0" y="0"/>
+          <a:chExt cx="0" cy="0"/>
+        </a:xfrm>
+      </p:grpSpPr>
+      <p:sp>
+        <p:nvSpPr>
+          <p:cNvPr id="2" name="标题 1">
+            <a:extLst>
+              <a:ext uri="{FF2B5EF4-FFF2-40B4-BE49-F238E27FC236}">
+                <a16:creationId xmlns:a16="http://schemas.microsoft.com/office/drawing/2014/main" id="{176470C3-26DE-4724-9229-4557945F2910}"/>
+              </a:ext>
+            </a:extLst>
+          </p:cNvPr>
+          <p:cNvSpPr>
+            <a:spLocks noGrp="1"/>
+          </p:cNvSpPr>
+          <p:nvPr>
+            <p:ph type="ctrTitle"/>
+          </p:nvPr>
+        </p:nvSpPr>
+        <p:spPr/>
+        <p:txBody>
+          <a:bodyPr/>
+          <a:lstStyle/>
+          <a:p>
+            <a:r>
+              <a:rPr lang="zh-CN" altLang="en-US" dirty="0"/>
+              <a:t>一、基本元素</a:t>
+            </a:r>
+          </a:p>
+        </p:txBody>
+      </p:sp>
+      <p:sp>
+        <p:nvSpPr>
+          <p:cNvPr id="3" name="文本占位符 2">
+            <a:extLst>
+              <a:ext uri="{FF2B5EF4-FFF2-40B4-BE49-F238E27FC236}">
+                <a16:creationId xmlns:a16="http://schemas.microsoft.com/office/drawing/2014/main" id="{F3F2DC2D-EA78-4632-B26F-2FAA54CC4D0F}"/>
+              </a:ext>
+            </a:extLst>
+          </p:cNvPr>
+          <p:cNvSpPr>
+            <a:spLocks noGrp="1"/>
+          </p:cNvSpPr>
+          <p:nvPr>
+            <p:ph type="body" sz="quarter" idx="10"/>
+          </p:nvPr>
+        </p:nvSpPr>
+        <p:spPr>
+          <a:xfrm>
+            <a:off x="4897585" y="3857658"/>
+            <a:ext cx="3770361" cy="2203777"/>
+          </a:xfrm>
+        </p:spPr>
+        <p:txBody>
+          <a:bodyPr>
+            <a:normAutofit fontScale="92500" lnSpcReduction="10000"/>
+          </a:bodyPr>
+          <a:lstStyle/>
+          <a:p>
+            <a:r>
+              <a:rPr lang="zh-CN" altLang="en-US" dirty="0"/>
+              <a:t>程序设计概述</a:t>
+            </a:r>
+            <a:endParaRPr lang="en-US" altLang="zh-CN" dirty="0"/>
+          </a:p>
+          <a:p>
+            <a:r>
+              <a:rPr lang="en-US" altLang="zh-CN" dirty="0"/>
+              <a:t>Python</a:t>
+            </a:r>
+            <a:r>
+              <a:rPr lang="zh-CN" altLang="en-US" dirty="0"/>
+              <a:t>语言概述</a:t>
+            </a:r>
+            <a:endParaRPr lang="en-US" altLang="zh-CN" dirty="0"/>
+          </a:p>
+          <a:p>
+            <a:r>
+              <a:rPr lang="zh-CN" altLang="en-US" dirty="0"/>
+              <a:t>基本元素介绍</a:t>
+            </a:r>
+            <a:endParaRPr lang="en-US" altLang="zh-CN" dirty="0"/>
+          </a:p>
+          <a:p>
+            <a:r>
+              <a:rPr lang="zh-CN" altLang="en-US" dirty="0"/>
+              <a:t>输入输出</a:t>
+            </a:r>
+          </a:p>
+        </p:txBody>
+      </p:sp>
+    </p:spTree>
+    <p:extLst>
+      <p:ext uri="{BB962C8B-B14F-4D97-AF65-F5344CB8AC3E}">
+        <p14:creationId xmlns:p14="http://schemas.microsoft.com/office/powerpoint/2010/main" val="1559862900"/>
+      </p:ext>
+    </p:extLst>
+  </p:cSld>
+  <p:clrMapOvr>
+    <a:masterClrMapping/>
+  </p:clrMapOvr>
+</p:sld>
+</file>
+
+<file path=ppt/slides/slide20.xml><?xml version="1.0" encoding="utf-8"?>
+<p:sld xmlns:a="http://schemas.openxmlformats.org/drawingml/2006/main" xmlns:r="http://schemas.openxmlformats.org/officeDocument/2006/relationships" xmlns:p="http://schemas.openxmlformats.org/presentationml/2006/main">
+  <p:cSld>
+    <p:spTree>
+      <p:nvGrpSpPr>
+        <p:cNvPr id="1" name=""/>
+        <p:cNvGrpSpPr/>
+        <p:nvPr/>
+      </p:nvGrpSpPr>
+      <p:grpSpPr>
+        <a:xfrm>
+          <a:off x="0" y="0"/>
+          <a:ext cx="0" cy="0"/>
+          <a:chOff x="0" y="0"/>
+          <a:chExt cx="0" cy="0"/>
+        </a:xfrm>
+      </p:grpSpPr>
+      <p:sp>
+        <p:nvSpPr>
+          <p:cNvPr id="3" name="灯片编号占位符 2">
+            <a:extLst>
+              <a:ext uri="{FF2B5EF4-FFF2-40B4-BE49-F238E27FC236}">
+                <a16:creationId xmlns:a16="http://schemas.microsoft.com/office/drawing/2014/main" id="{CCDF6DB7-F877-4B1C-90A7-104F3768411C}"/>
+              </a:ext>
+            </a:extLst>
+          </p:cNvPr>
+          <p:cNvSpPr>
+            <a:spLocks noGrp="1"/>
+          </p:cNvSpPr>
+          <p:nvPr>
+            <p:ph type="sldNum" sz="quarter" idx="12"/>
+          </p:nvPr>
+        </p:nvSpPr>
+        <p:spPr/>
+        <p:txBody>
+          <a:bodyPr/>
+          <a:lstStyle/>
+          <a:p>
+            <a:fld id="{62CDD4FC-8CC6-422A-BB5C-9AD3EF3AE163}" type="slidenum">
+              <a:rPr lang="zh-CN" altLang="en-US" smtClean="0"/>
+              <a:pPr/>
+              <a:t>20</a:t>
+            </a:fld>
+            <a:endParaRPr lang="zh-CN" altLang="en-US" dirty="0"/>
+          </a:p>
+        </p:txBody>
+      </p:sp>
+      <p:pic>
+        <p:nvPicPr>
+          <p:cNvPr id="2" name="图片 1">
+            <a:extLst>
+              <a:ext uri="{FF2B5EF4-FFF2-40B4-BE49-F238E27FC236}">
+                <a16:creationId xmlns:a16="http://schemas.microsoft.com/office/drawing/2014/main" id="{87724E5D-2CB0-47C7-BFFA-80AD89CB8B3C}"/>
+              </a:ext>
+            </a:extLst>
+          </p:cNvPr>
+          <p:cNvPicPr>
+            <a:picLocks noChangeAspect="1"/>
+          </p:cNvPicPr>
+          <p:nvPr/>
+        </p:nvPicPr>
+        <p:blipFill>
+          <a:blip r:embed="rId2"/>
+          <a:stretch>
+            <a:fillRect/>
+          </a:stretch>
+        </p:blipFill>
+        <p:spPr>
+          <a:xfrm>
+            <a:off x="607487" y="957898"/>
+            <a:ext cx="8166380" cy="4942204"/>
+          </a:xfrm>
+          <a:prstGeom prst="rect">
+            <a:avLst/>
+          </a:prstGeom>
+        </p:spPr>
+      </p:pic>
+    </p:spTree>
+    <p:extLst>
+      <p:ext uri="{BB962C8B-B14F-4D97-AF65-F5344CB8AC3E}">
+        <p14:creationId xmlns:p14="http://schemas.microsoft.com/office/powerpoint/2010/main" val="2266251648"/>
+      </p:ext>
+    </p:extLst>
+  </p:cSld>
+  <p:clrMapOvr>
+    <a:masterClrMapping/>
+  </p:clrMapOvr>
+</p:sld>
+</file>
+
+<file path=ppt/slides/slide21.xml><?xml version="1.0" encoding="utf-8"?>
+<p:sld xmlns:a="http://schemas.openxmlformats.org/drawingml/2006/main" xmlns:r="http://schemas.openxmlformats.org/officeDocument/2006/relationships" xmlns:p="http://schemas.openxmlformats.org/presentationml/2006/main">
+  <p:cSld>
+    <p:spTree>
+      <p:nvGrpSpPr>
+        <p:cNvPr id="1" name=""/>
+        <p:cNvGrpSpPr/>
+        <p:nvPr/>
+      </p:nvGrpSpPr>
+      <p:grpSpPr>
+        <a:xfrm>
+          <a:off x="0" y="0"/>
+          <a:ext cx="0" cy="0"/>
+          <a:chOff x="0" y="0"/>
+          <a:chExt cx="0" cy="0"/>
+        </a:xfrm>
+      </p:grpSpPr>
+      <p:sp>
+        <p:nvSpPr>
           <p:cNvPr id="2" name="标题 1"/>
           <p:cNvSpPr>
             <a:spLocks noGrp="1"/>
@@ -12887,7 +14335,7 @@
           <a:p>
             <a:r>
               <a:rPr lang="zh-CN" altLang="en-US" dirty="0"/>
-              <a:t>三</a:t>
+              <a:t>四</a:t>
             </a:r>
           </a:p>
         </p:txBody>
@@ -12905,7 +14353,7 @@
 </p:sld>
 </file>
 
-<file path=ppt/slides/slide18.xml><?xml version="1.0" encoding="utf-8"?>
+<file path=ppt/slides/slide22.xml><?xml version="1.0" encoding="utf-8"?>
 <p:sld xmlns:a="http://schemas.openxmlformats.org/drawingml/2006/main" xmlns:r="http://schemas.openxmlformats.org/officeDocument/2006/relationships" xmlns:p="http://schemas.openxmlformats.org/presentationml/2006/main">
   <p:cSld>
     <p:spTree>
@@ -12940,7 +14388,7 @@
             <a:fld id="{62CDD4FC-8CC6-422A-BB5C-9AD3EF3AE163}" type="slidenum">
               <a:rPr lang="zh-CN" altLang="en-US" smtClean="0"/>
               <a:pPr/>
-              <a:t>18</a:t>
+              <a:t>22</a:t>
             </a:fld>
             <a:endParaRPr lang="zh-CN" altLang="en-US" dirty="0"/>
           </a:p>
@@ -14025,7 +15473,7 @@
 </p:sld>
 </file>
 
-<file path=ppt/slides/slide19.xml><?xml version="1.0" encoding="utf-8"?>
+<file path=ppt/slides/slide23.xml><?xml version="1.0" encoding="utf-8"?>
 <p:sld xmlns:a="http://schemas.openxmlformats.org/drawingml/2006/main" xmlns:r="http://schemas.openxmlformats.org/officeDocument/2006/relationships" xmlns:p="http://schemas.openxmlformats.org/presentationml/2006/main">
   <p:cSld>
     <p:spTree>
@@ -14058,7 +15506,12 @@
             <p:ph idx="1"/>
           </p:nvPr>
         </p:nvSpPr>
-        <p:spPr/>
+        <p:spPr>
+          <a:xfrm>
+            <a:off x="506348" y="1096699"/>
+            <a:ext cx="7886700" cy="4394416"/>
+          </a:xfrm>
+        </p:spPr>
         <p:txBody>
           <a:bodyPr/>
           <a:lstStyle/>
@@ -14177,7 +15630,7 @@
             <a:fld id="{62CDD4FC-8CC6-422A-BB5C-9AD3EF3AE163}" type="slidenum">
               <a:rPr lang="zh-CN" altLang="en-US" smtClean="0"/>
               <a:pPr/>
-              <a:t>19</a:t>
+              <a:t>23</a:t>
             </a:fld>
             <a:endParaRPr lang="zh-CN" altLang="en-US" dirty="0"/>
           </a:p>
@@ -14259,14 +15712,14 @@
               <p:nvPr>
                 <p:extLst>
                   <p:ext uri="{D42A27DB-BD31-4B8C-83A1-F6EECF244321}">
-                    <p14:modId xmlns:p14="http://schemas.microsoft.com/office/powerpoint/2010/main" val="688265971"/>
+                    <p14:modId xmlns:p14="http://schemas.microsoft.com/office/powerpoint/2010/main" val="120872329"/>
                   </p:ext>
                 </p:extLst>
               </p:nvPr>
             </p:nvGraphicFramePr>
             <p:xfrm>
-              <a:off x="6532880" y="669501"/>
-              <a:ext cx="2286000" cy="1714500"/>
+              <a:off x="7059472" y="669501"/>
+              <a:ext cx="1759407" cy="1319555"/>
             </p:xfrm>
             <a:graphic>
               <a:graphicData uri="http://schemas.microsoft.com/office/powerpoint/2016/slidezoom">
@@ -14282,7 +15735,7 @@
                       <p166:spPr xmlns:p166="http://schemas.microsoft.com/office/powerpoint/2016/6/main">
                         <a:xfrm>
                           <a:off x="0" y="0"/>
-                          <a:ext cx="2286000" cy="1714500"/>
+                          <a:ext cx="1759407" cy="1319555"/>
                         </a:xfrm>
                         <a:prstGeom prst="rect">
                           <a:avLst/>
@@ -14329,8 +15782,8 @@
             </p:blipFill>
             <p:spPr>
               <a:xfrm>
-                <a:off x="6532880" y="669501"/>
-                <a:ext cx="2286000" cy="1714500"/>
+                <a:off x="7059472" y="669501"/>
+                <a:ext cx="1759407" cy="1319555"/>
               </a:xfrm>
               <a:prstGeom prst="rect">
                 <a:avLst/>
@@ -14362,125 +15815,7 @@
 </p:sld>
 </file>
 
-<file path=ppt/slides/slide2.xml><?xml version="1.0" encoding="utf-8"?>
-<p:sld xmlns:a="http://schemas.openxmlformats.org/drawingml/2006/main" xmlns:r="http://schemas.openxmlformats.org/officeDocument/2006/relationships" xmlns:p="http://schemas.openxmlformats.org/presentationml/2006/main">
-  <p:cSld>
-    <p:spTree>
-      <p:nvGrpSpPr>
-        <p:cNvPr id="1" name=""/>
-        <p:cNvGrpSpPr/>
-        <p:nvPr/>
-      </p:nvGrpSpPr>
-      <p:grpSpPr>
-        <a:xfrm>
-          <a:off x="0" y="0"/>
-          <a:ext cx="0" cy="0"/>
-          <a:chOff x="0" y="0"/>
-          <a:chExt cx="0" cy="0"/>
-        </a:xfrm>
-      </p:grpSpPr>
-      <p:sp>
-        <p:nvSpPr>
-          <p:cNvPr id="2" name="标题 1">
-            <a:extLst>
-              <a:ext uri="{FF2B5EF4-FFF2-40B4-BE49-F238E27FC236}">
-                <a16:creationId xmlns:a16="http://schemas.microsoft.com/office/drawing/2014/main" id="{176470C3-26DE-4724-9229-4557945F2910}"/>
-              </a:ext>
-            </a:extLst>
-          </p:cNvPr>
-          <p:cNvSpPr>
-            <a:spLocks noGrp="1"/>
-          </p:cNvSpPr>
-          <p:nvPr>
-            <p:ph type="ctrTitle"/>
-          </p:nvPr>
-        </p:nvSpPr>
-        <p:spPr/>
-        <p:txBody>
-          <a:bodyPr/>
-          <a:lstStyle/>
-          <a:p>
-            <a:r>
-              <a:rPr lang="zh-CN" altLang="en-US" dirty="0"/>
-              <a:t>一、基本元素</a:t>
-            </a:r>
-          </a:p>
-        </p:txBody>
-      </p:sp>
-      <p:sp>
-        <p:nvSpPr>
-          <p:cNvPr id="3" name="文本占位符 2">
-            <a:extLst>
-              <a:ext uri="{FF2B5EF4-FFF2-40B4-BE49-F238E27FC236}">
-                <a16:creationId xmlns:a16="http://schemas.microsoft.com/office/drawing/2014/main" id="{F3F2DC2D-EA78-4632-B26F-2FAA54CC4D0F}"/>
-              </a:ext>
-            </a:extLst>
-          </p:cNvPr>
-          <p:cNvSpPr>
-            <a:spLocks noGrp="1"/>
-          </p:cNvSpPr>
-          <p:nvPr>
-            <p:ph type="body" sz="quarter" idx="10"/>
-          </p:nvPr>
-        </p:nvSpPr>
-        <p:spPr>
-          <a:xfrm>
-            <a:off x="4897585" y="3857658"/>
-            <a:ext cx="3770361" cy="2203777"/>
-          </a:xfrm>
-        </p:spPr>
-        <p:txBody>
-          <a:bodyPr>
-            <a:normAutofit fontScale="92500" lnSpcReduction="10000"/>
-          </a:bodyPr>
-          <a:lstStyle/>
-          <a:p>
-            <a:r>
-              <a:rPr lang="zh-CN" altLang="en-US" dirty="0"/>
-              <a:t>程序设计概述</a:t>
-            </a:r>
-            <a:endParaRPr lang="en-US" altLang="zh-CN" dirty="0"/>
-          </a:p>
-          <a:p>
-            <a:r>
-              <a:rPr lang="en-US" altLang="zh-CN" dirty="0"/>
-              <a:t>Python</a:t>
-            </a:r>
-            <a:r>
-              <a:rPr lang="zh-CN" altLang="en-US" dirty="0"/>
-              <a:t>语言概述</a:t>
-            </a:r>
-            <a:endParaRPr lang="en-US" altLang="zh-CN" dirty="0"/>
-          </a:p>
-          <a:p>
-            <a:r>
-              <a:rPr lang="zh-CN" altLang="en-US" dirty="0"/>
-              <a:t>基本元素介绍</a:t>
-            </a:r>
-            <a:endParaRPr lang="en-US" altLang="zh-CN" dirty="0"/>
-          </a:p>
-          <a:p>
-            <a:r>
-              <a:rPr lang="zh-CN" altLang="en-US" dirty="0"/>
-              <a:t>输入输出</a:t>
-            </a:r>
-          </a:p>
-        </p:txBody>
-      </p:sp>
-    </p:spTree>
-    <p:extLst>
-      <p:ext uri="{BB962C8B-B14F-4D97-AF65-F5344CB8AC3E}">
-        <p14:creationId xmlns:p14="http://schemas.microsoft.com/office/powerpoint/2010/main" val="1559862900"/>
-      </p:ext>
-    </p:extLst>
-  </p:cSld>
-  <p:clrMapOvr>
-    <a:masterClrMapping/>
-  </p:clrMapOvr>
-</p:sld>
-</file>
-
-<file path=ppt/slides/slide20.xml><?xml version="1.0" encoding="utf-8"?>
+<file path=ppt/slides/slide24.xml><?xml version="1.0" encoding="utf-8"?>
 <p:sld xmlns:a="http://schemas.openxmlformats.org/drawingml/2006/main" xmlns:r="http://schemas.openxmlformats.org/officeDocument/2006/relationships" xmlns:p="http://schemas.openxmlformats.org/presentationml/2006/main">
   <p:cSld>
     <p:spTree>
@@ -14587,7 +15922,7 @@
             <a:fld id="{62CDD4FC-8CC6-422A-BB5C-9AD3EF3AE163}" type="slidenum">
               <a:rPr lang="zh-CN" altLang="en-US" smtClean="0"/>
               <a:pPr/>
-              <a:t>20</a:t>
+              <a:t>24</a:t>
             </a:fld>
             <a:endParaRPr lang="zh-CN" altLang="en-US" dirty="0"/>
           </a:p>
@@ -14981,48 +16316,6 @@
           </a:p>
         </p:txBody>
       </p:sp>
-      <p:sp>
-        <p:nvSpPr>
-          <p:cNvPr id="6" name="object 4">
-            <a:extLst>
-              <a:ext uri="{FF2B5EF4-FFF2-40B4-BE49-F238E27FC236}">
-                <a16:creationId xmlns:a16="http://schemas.microsoft.com/office/drawing/2014/main" id="{841BA8C1-6377-43EF-9DD7-8128657FDC69}"/>
-              </a:ext>
-            </a:extLst>
-          </p:cNvPr>
-          <p:cNvSpPr/>
-          <p:nvPr/>
-        </p:nvSpPr>
-        <p:spPr>
-          <a:xfrm>
-            <a:off x="5227320" y="4621414"/>
-            <a:ext cx="2463800" cy="1788176"/>
-          </a:xfrm>
-          <a:prstGeom prst="rect">
-            <a:avLst/>
-          </a:prstGeom>
-          <a:blipFill>
-            <a:blip r:embed="rId2" cstate="print"/>
-            <a:stretch>
-              <a:fillRect l="-3806" t="-4781" r="-21742" b="-3283"/>
-            </a:stretch>
-          </a:blipFill>
-          <a:effectLst>
-            <a:outerShdw blurRad="50800" dist="38100" dir="2700000" algn="tl" rotWithShape="0">
-              <a:prstClr val="black">
-                <a:alpha val="40000"/>
-              </a:prstClr>
-            </a:outerShdw>
-          </a:effectLst>
-        </p:spPr>
-        <p:txBody>
-          <a:bodyPr wrap="square" lIns="0" tIns="0" rIns="0" bIns="0" rtlCol="0"/>
-          <a:lstStyle/>
-          <a:p>
-            <a:endParaRPr dirty="0"/>
-          </a:p>
-        </p:txBody>
-      </p:sp>
       <mc:AlternateContent xmlns:mc="http://schemas.openxmlformats.org/markup-compatibility/2006">
         <mc:Choice xmlns:pslz="http://schemas.microsoft.com/office/powerpoint/2016/slidezoom" Requires="pslz">
           <p:graphicFrame>
@@ -15040,7 +16333,7 @@
               <p:nvPr>
                 <p:extLst>
                   <p:ext uri="{D42A27DB-BD31-4B8C-83A1-F6EECF244321}">
-                    <p14:modId xmlns:p14="http://schemas.microsoft.com/office/powerpoint/2010/main" val="826810787"/>
+                    <p14:modId xmlns:p14="http://schemas.microsoft.com/office/powerpoint/2010/main" val="1810885471"/>
                   </p:ext>
                 </p:extLst>
               </p:nvPr>
@@ -15055,7 +16348,7 @@
                   <pslz:sldZmObj sldId="294" cId="3655715729">
                     <pslz:zmPr id="{26F9DE49-0E92-42CB-B648-C196C867240A}" returnToParent="0" transitionDur="1000">
                       <p166:blipFill xmlns:p166="http://schemas.microsoft.com/office/powerpoint/2016/6/main">
-                        <a:blip r:embed="rId3"/>
+                        <a:blip r:embed="rId2"/>
                         <a:stretch>
                           <a:fillRect/>
                         </a:stretch>
@@ -15090,7 +16383,7 @@
           <p:pic>
             <p:nvPicPr>
               <p:cNvPr id="11" name="幻灯片缩放定位 10">
-                <a:hlinkClick r:id="rId4" action="ppaction://hlinksldjump"/>
+                <a:hlinkClick r:id="rId3" action="ppaction://hlinksldjump"/>
                 <a:extLst>
                   <a:ext uri="{FF2B5EF4-FFF2-40B4-BE49-F238E27FC236}">
                     <a16:creationId xmlns:a16="http://schemas.microsoft.com/office/drawing/2014/main" id="{B674DE5F-E6E4-4B4E-9DBF-4AAD9815A9B4}"/>
@@ -15103,7 +16396,7 @@
               <p:nvPr/>
             </p:nvPicPr>
             <p:blipFill>
-              <a:blip r:embed="rId3"/>
+              <a:blip r:embed="rId2"/>
               <a:stretch>
                 <a:fillRect/>
               </a:stretch>
@@ -15130,6 +16423,52 @@
           </p:pic>
         </mc:Fallback>
       </mc:AlternateContent>
+      <p:pic>
+        <p:nvPicPr>
+          <p:cNvPr id="8" name="图片 7">
+            <a:extLst>
+              <a:ext uri="{FF2B5EF4-FFF2-40B4-BE49-F238E27FC236}">
+                <a16:creationId xmlns:a16="http://schemas.microsoft.com/office/drawing/2014/main" id="{CCA22040-D93C-4CEA-9F70-4460DE4D0F4B}"/>
+              </a:ext>
+            </a:extLst>
+          </p:cNvPr>
+          <p:cNvPicPr>
+            <a:picLocks noChangeAspect="1"/>
+          </p:cNvPicPr>
+          <p:nvPr/>
+        </p:nvPicPr>
+        <p:blipFill>
+          <a:blip r:embed="rId4">
+            <a:extLst>
+              <a:ext uri="{28A0092B-C50C-407E-A947-70E740481C1C}">
+                <a14:useLocalDpi xmlns:a14="http://schemas.microsoft.com/office/drawing/2010/main" val="0"/>
+              </a:ext>
+            </a:extLst>
+          </a:blip>
+          <a:stretch>
+            <a:fillRect/>
+          </a:stretch>
+        </p:blipFill>
+        <p:spPr>
+          <a:xfrm>
+            <a:off x="5181341" y="4647060"/>
+            <a:ext cx="2456092" cy="1716075"/>
+          </a:xfrm>
+          <a:prstGeom prst="rect">
+            <a:avLst/>
+          </a:prstGeom>
+          <a:ln>
+            <a:noFill/>
+          </a:ln>
+          <a:effectLst>
+            <a:outerShdw blurRad="292100" dist="139700" dir="2700000" algn="tl" rotWithShape="0">
+              <a:srgbClr val="333333">
+                <a:alpha val="65000"/>
+              </a:srgbClr>
+            </a:outerShdw>
+          </a:effectLst>
+        </p:spPr>
+      </p:pic>
     </p:spTree>
     <p:extLst>
       <p:ext uri="{BB962C8B-B14F-4D97-AF65-F5344CB8AC3E}">
@@ -15143,7 +16482,7 @@
 </p:sld>
 </file>
 
-<file path=ppt/slides/slide21.xml><?xml version="1.0" encoding="utf-8"?>
+<file path=ppt/slides/slide25.xml><?xml version="1.0" encoding="utf-8"?>
 <p:sld xmlns:a="http://schemas.openxmlformats.org/drawingml/2006/main" xmlns:r="http://schemas.openxmlformats.org/officeDocument/2006/relationships" xmlns:p="http://schemas.openxmlformats.org/presentationml/2006/main">
   <p:cSld>
     <p:spTree>
@@ -15409,7 +16748,7 @@
             <a:fld id="{62CDD4FC-8CC6-422A-BB5C-9AD3EF3AE163}" type="slidenum">
               <a:rPr lang="zh-CN" altLang="en-US" smtClean="0"/>
               <a:pPr/>
-              <a:t>21</a:t>
+              <a:t>25</a:t>
             </a:fld>
             <a:endParaRPr lang="zh-CN" altLang="en-US" dirty="0"/>
           </a:p>
@@ -15474,6 +16813,113 @@
           </a:p>
         </p:txBody>
       </p:sp>
+      <mc:AlternateContent xmlns:mc="http://schemas.openxmlformats.org/markup-compatibility/2006">
+        <mc:Choice xmlns:pslz="http://schemas.microsoft.com/office/powerpoint/2016/slidezoom" Requires="pslz">
+          <p:graphicFrame>
+            <p:nvGraphicFramePr>
+              <p:cNvPr id="7" name="幻灯片缩放定位 6">
+                <a:extLst>
+                  <a:ext uri="{FF2B5EF4-FFF2-40B4-BE49-F238E27FC236}">
+                    <a16:creationId xmlns:a16="http://schemas.microsoft.com/office/drawing/2014/main" id="{A69C4F0E-4763-4A94-BC32-65C481810ADA}"/>
+                  </a:ext>
+                </a:extLst>
+              </p:cNvPr>
+              <p:cNvGraphicFramePr>
+                <a:graphicFrameLocks noChangeAspect="1"/>
+              </p:cNvGraphicFramePr>
+              <p:nvPr>
+                <p:extLst>
+                  <p:ext uri="{D42A27DB-BD31-4B8C-83A1-F6EECF244321}">
+                    <p14:modId xmlns:p14="http://schemas.microsoft.com/office/powerpoint/2010/main" val="3765991983"/>
+                  </p:ext>
+                </p:extLst>
+              </p:nvPr>
+            </p:nvGraphicFramePr>
+            <p:xfrm>
+              <a:off x="7059472" y="669501"/>
+              <a:ext cx="1759407" cy="1319555"/>
+            </p:xfrm>
+            <a:graphic>
+              <a:graphicData uri="http://schemas.microsoft.com/office/powerpoint/2016/slidezoom">
+                <pslz:sldZm>
+                  <pslz:sldZmObj sldId="294" cId="3655715729">
+                    <pslz:zmPr id="{26F9DE49-0E92-42CB-B648-C196C867240A}" returnToParent="0" transitionDur="1000">
+                      <p166:blipFill xmlns:p166="http://schemas.microsoft.com/office/powerpoint/2016/6/main">
+                        <a:blip r:embed="rId2"/>
+                        <a:stretch>
+                          <a:fillRect/>
+                        </a:stretch>
+                      </p166:blipFill>
+                      <p166:spPr xmlns:p166="http://schemas.microsoft.com/office/powerpoint/2016/6/main">
+                        <a:xfrm>
+                          <a:off x="0" y="0"/>
+                          <a:ext cx="1759407" cy="1319555"/>
+                        </a:xfrm>
+                        <a:prstGeom prst="rect">
+                          <a:avLst/>
+                        </a:prstGeom>
+                        <a:ln>
+                          <a:noFill/>
+                        </a:ln>
+                        <a:effectLst>
+                          <a:outerShdw blurRad="292100" dist="139700" dir="2700000" algn="tl" rotWithShape="0">
+                            <a:srgbClr val="333333">
+                              <a:alpha val="65000"/>
+                            </a:srgbClr>
+                          </a:outerShdw>
+                        </a:effectLst>
+                      </p166:spPr>
+                    </pslz:zmPr>
+                  </pslz:sldZmObj>
+                </pslz:sldZm>
+              </a:graphicData>
+            </a:graphic>
+          </p:graphicFrame>
+        </mc:Choice>
+        <mc:Fallback>
+          <p:pic>
+            <p:nvPicPr>
+              <p:cNvPr id="7" name="幻灯片缩放定位 6">
+                <a:hlinkClick r:id="rId3" action="ppaction://hlinksldjump"/>
+                <a:extLst>
+                  <a:ext uri="{FF2B5EF4-FFF2-40B4-BE49-F238E27FC236}">
+                    <a16:creationId xmlns:a16="http://schemas.microsoft.com/office/drawing/2014/main" id="{A69C4F0E-4763-4A94-BC32-65C481810ADA}"/>
+                  </a:ext>
+                </a:extLst>
+              </p:cNvPr>
+              <p:cNvPicPr>
+                <a:picLocks noGrp="1" noRot="1" noChangeAspect="1" noMove="1" noResize="1" noEditPoints="1" noAdjustHandles="1" noChangeArrowheads="1" noChangeShapeType="1"/>
+              </p:cNvPicPr>
+              <p:nvPr/>
+            </p:nvPicPr>
+            <p:blipFill>
+              <a:blip r:embed="rId2"/>
+              <a:stretch>
+                <a:fillRect/>
+              </a:stretch>
+            </p:blipFill>
+            <p:spPr>
+              <a:xfrm>
+                <a:off x="7059472" y="669501"/>
+                <a:ext cx="1759407" cy="1319555"/>
+              </a:xfrm>
+              <a:prstGeom prst="rect">
+                <a:avLst/>
+              </a:prstGeom>
+              <a:ln>
+                <a:noFill/>
+              </a:ln>
+              <a:effectLst>
+                <a:outerShdw blurRad="292100" dist="139700" dir="2700000" algn="tl" rotWithShape="0">
+                  <a:srgbClr val="333333">
+                    <a:alpha val="65000"/>
+                  </a:srgbClr>
+                </a:outerShdw>
+              </a:effectLst>
+            </p:spPr>
+          </p:pic>
+        </mc:Fallback>
+      </mc:AlternateContent>
     </p:spTree>
     <p:extLst>
       <p:ext uri="{BB962C8B-B14F-4D97-AF65-F5344CB8AC3E}">
@@ -15487,7 +16933,7 @@
 </p:sld>
 </file>
 
-<file path=ppt/slides/slide22.xml><?xml version="1.0" encoding="utf-8"?>
+<file path=ppt/slides/slide26.xml><?xml version="1.0" encoding="utf-8"?>
 <p:sld xmlns:a="http://schemas.openxmlformats.org/drawingml/2006/main" xmlns:r="http://schemas.openxmlformats.org/officeDocument/2006/relationships" xmlns:p="http://schemas.openxmlformats.org/presentationml/2006/main">
   <p:cSld>
     <p:spTree>
@@ -15572,7 +17018,7 @@
             </a:r>
             <a:r>
               <a:rPr lang="zh-CN" altLang="en-US" dirty="0"/>
-              <a:t>还支持连续赋值和同步赋值</a:t>
+              <a:t>支持连续赋值和同步赋值</a:t>
             </a:r>
           </a:p>
         </p:txBody>
@@ -15601,7 +17047,7 @@
             <a:fld id="{62CDD4FC-8CC6-422A-BB5C-9AD3EF3AE163}" type="slidenum">
               <a:rPr lang="zh-CN" altLang="en-US" smtClean="0"/>
               <a:pPr/>
-              <a:t>22</a:t>
+              <a:t>26</a:t>
             </a:fld>
             <a:endParaRPr lang="zh-CN" altLang="en-US" dirty="0"/>
           </a:p>
@@ -16816,7 +18262,7 @@
 </p:sld>
 </file>
 
-<file path=ppt/slides/slide23.xml><?xml version="1.0" encoding="utf-8"?>
+<file path=ppt/slides/slide27.xml><?xml version="1.0" encoding="utf-8"?>
 <p:sld xmlns:a="http://schemas.openxmlformats.org/drawingml/2006/main" xmlns:r="http://schemas.openxmlformats.org/officeDocument/2006/relationships" xmlns:p="http://schemas.openxmlformats.org/presentationml/2006/main">
   <p:cSld>
     <p:spTree>
@@ -16857,7 +18303,7 @@
             <a:fld id="{62CDD4FC-8CC6-422A-BB5C-9AD3EF3AE163}" type="slidenum">
               <a:rPr lang="zh-CN" altLang="en-US" smtClean="0"/>
               <a:pPr/>
-              <a:t>23</a:t>
+              <a:t>27</a:t>
             </a:fld>
             <a:endParaRPr lang="zh-CN" altLang="en-US" dirty="0"/>
           </a:p>
@@ -17996,7 +19442,7 @@
 </p:sld>
 </file>
 
-<file path=ppt/slides/slide24.xml><?xml version="1.0" encoding="utf-8"?>
+<file path=ppt/slides/slide28.xml><?xml version="1.0" encoding="utf-8"?>
 <p:sld xmlns:a="http://schemas.openxmlformats.org/drawingml/2006/main" xmlns:r="http://schemas.openxmlformats.org/officeDocument/2006/relationships" xmlns:p="http://schemas.openxmlformats.org/presentationml/2006/main">
   <p:cSld>
     <p:spTree>
@@ -18032,7 +19478,7 @@
         <p:spPr>
           <a:xfrm>
             <a:off x="628649" y="785613"/>
-            <a:ext cx="8133943" cy="5507865"/>
+            <a:ext cx="8133943" cy="1029047"/>
           </a:xfrm>
         </p:spPr>
         <p:txBody>
@@ -18103,7 +19549,7 @@
             <a:fld id="{62CDD4FC-8CC6-422A-BB5C-9AD3EF3AE163}" type="slidenum">
               <a:rPr lang="zh-CN" altLang="en-US" smtClean="0"/>
               <a:pPr/>
-              <a:t>24</a:t>
+              <a:t>28</a:t>
             </a:fld>
             <a:endParaRPr lang="zh-CN" altLang="en-US" dirty="0"/>
           </a:p>
@@ -21103,7 +22549,7 @@
 </p:sld>
 </file>
 
-<file path=ppt/slides/slide25.xml><?xml version="1.0" encoding="utf-8"?>
+<file path=ppt/slides/slide29.xml><?xml version="1.0" encoding="utf-8"?>
 <p:sld xmlns:a="http://schemas.openxmlformats.org/drawingml/2006/main" xmlns:r="http://schemas.openxmlformats.org/officeDocument/2006/relationships" xmlns:p="http://schemas.openxmlformats.org/presentationml/2006/main">
   <p:cSld>
     <p:spTree>
@@ -21452,7 +22898,7 @@
             <a:fld id="{62CDD4FC-8CC6-422A-BB5C-9AD3EF3AE163}" type="slidenum">
               <a:rPr lang="zh-CN" altLang="en-US" smtClean="0"/>
               <a:pPr/>
-              <a:t>25</a:t>
+              <a:t>29</a:t>
             </a:fld>
             <a:endParaRPr lang="zh-CN" altLang="en-US" dirty="0"/>
           </a:p>
@@ -21517,6 +22963,113 @@
           </a:p>
         </p:txBody>
       </p:sp>
+      <mc:AlternateContent xmlns:mc="http://schemas.openxmlformats.org/markup-compatibility/2006">
+        <mc:Choice xmlns:pslz="http://schemas.microsoft.com/office/powerpoint/2016/slidezoom" Requires="pslz">
+          <p:graphicFrame>
+            <p:nvGraphicFramePr>
+              <p:cNvPr id="6" name="幻灯片缩放定位 5">
+                <a:extLst>
+                  <a:ext uri="{FF2B5EF4-FFF2-40B4-BE49-F238E27FC236}">
+                    <a16:creationId xmlns:a16="http://schemas.microsoft.com/office/drawing/2014/main" id="{240A067F-3002-421E-A8AC-9CBF81C09980}"/>
+                  </a:ext>
+                </a:extLst>
+              </p:cNvPr>
+              <p:cNvGraphicFramePr>
+                <a:graphicFrameLocks noChangeAspect="1"/>
+              </p:cNvGraphicFramePr>
+              <p:nvPr>
+                <p:extLst>
+                  <p:ext uri="{D42A27DB-BD31-4B8C-83A1-F6EECF244321}">
+                    <p14:modId xmlns:p14="http://schemas.microsoft.com/office/powerpoint/2010/main" val="3512456961"/>
+                  </p:ext>
+                </p:extLst>
+              </p:nvPr>
+            </p:nvGraphicFramePr>
+            <p:xfrm>
+              <a:off x="7271575" y="4609905"/>
+              <a:ext cx="1759407" cy="1319555"/>
+            </p:xfrm>
+            <a:graphic>
+              <a:graphicData uri="http://schemas.microsoft.com/office/powerpoint/2016/slidezoom">
+                <pslz:sldZm>
+                  <pslz:sldZmObj sldId="294" cId="3655715729">
+                    <pslz:zmPr id="{26F9DE49-0E92-42CB-B648-C196C867240A}" returnToParent="0" transitionDur="1000">
+                      <p166:blipFill xmlns:p166="http://schemas.microsoft.com/office/powerpoint/2016/6/main">
+                        <a:blip r:embed="rId2"/>
+                        <a:stretch>
+                          <a:fillRect/>
+                        </a:stretch>
+                      </p166:blipFill>
+                      <p166:spPr xmlns:p166="http://schemas.microsoft.com/office/powerpoint/2016/6/main">
+                        <a:xfrm>
+                          <a:off x="0" y="0"/>
+                          <a:ext cx="1759407" cy="1319555"/>
+                        </a:xfrm>
+                        <a:prstGeom prst="rect">
+                          <a:avLst/>
+                        </a:prstGeom>
+                        <a:ln>
+                          <a:noFill/>
+                        </a:ln>
+                        <a:effectLst>
+                          <a:outerShdw blurRad="292100" dist="139700" dir="2700000" algn="tl" rotWithShape="0">
+                            <a:srgbClr val="333333">
+                              <a:alpha val="65000"/>
+                            </a:srgbClr>
+                          </a:outerShdw>
+                        </a:effectLst>
+                      </p166:spPr>
+                    </pslz:zmPr>
+                  </pslz:sldZmObj>
+                </pslz:sldZm>
+              </a:graphicData>
+            </a:graphic>
+          </p:graphicFrame>
+        </mc:Choice>
+        <mc:Fallback>
+          <p:pic>
+            <p:nvPicPr>
+              <p:cNvPr id="6" name="幻灯片缩放定位 5">
+                <a:hlinkClick r:id="rId3" action="ppaction://hlinksldjump"/>
+                <a:extLst>
+                  <a:ext uri="{FF2B5EF4-FFF2-40B4-BE49-F238E27FC236}">
+                    <a16:creationId xmlns:a16="http://schemas.microsoft.com/office/drawing/2014/main" id="{240A067F-3002-421E-A8AC-9CBF81C09980}"/>
+                  </a:ext>
+                </a:extLst>
+              </p:cNvPr>
+              <p:cNvPicPr>
+                <a:picLocks noGrp="1" noRot="1" noChangeAspect="1" noMove="1" noResize="1" noEditPoints="1" noAdjustHandles="1" noChangeArrowheads="1" noChangeShapeType="1"/>
+              </p:cNvPicPr>
+              <p:nvPr/>
+            </p:nvPicPr>
+            <p:blipFill>
+              <a:blip r:embed="rId2"/>
+              <a:stretch>
+                <a:fillRect/>
+              </a:stretch>
+            </p:blipFill>
+            <p:spPr>
+              <a:xfrm>
+                <a:off x="7271575" y="4609905"/>
+                <a:ext cx="1759407" cy="1319555"/>
+              </a:xfrm>
+              <a:prstGeom prst="rect">
+                <a:avLst/>
+              </a:prstGeom>
+              <a:ln>
+                <a:noFill/>
+              </a:ln>
+              <a:effectLst>
+                <a:outerShdw blurRad="292100" dist="139700" dir="2700000" algn="tl" rotWithShape="0">
+                  <a:srgbClr val="333333">
+                    <a:alpha val="65000"/>
+                  </a:srgbClr>
+                </a:outerShdw>
+              </a:effectLst>
+            </p:spPr>
+          </p:pic>
+        </mc:Fallback>
+      </mc:AlternateContent>
     </p:spTree>
     <p:extLst>
       <p:ext uri="{BB962C8B-B14F-4D97-AF65-F5344CB8AC3E}">
@@ -21530,7 +23083,81 @@
 </p:sld>
 </file>
 
-<file path=ppt/slides/slide26.xml><?xml version="1.0" encoding="utf-8"?>
+<file path=ppt/slides/slide3.xml><?xml version="1.0" encoding="utf-8"?>
+<p:sld xmlns:a="http://schemas.openxmlformats.org/drawingml/2006/main" xmlns:r="http://schemas.openxmlformats.org/officeDocument/2006/relationships" xmlns:p="http://schemas.openxmlformats.org/presentationml/2006/main">
+  <p:cSld>
+    <p:spTree>
+      <p:nvGrpSpPr>
+        <p:cNvPr id="1" name=""/>
+        <p:cNvGrpSpPr/>
+        <p:nvPr/>
+      </p:nvGrpSpPr>
+      <p:grpSpPr>
+        <a:xfrm>
+          <a:off x="0" y="0"/>
+          <a:ext cx="0" cy="0"/>
+          <a:chOff x="0" y="0"/>
+          <a:chExt cx="0" cy="0"/>
+        </a:xfrm>
+      </p:grpSpPr>
+      <p:sp>
+        <p:nvSpPr>
+          <p:cNvPr id="2" name="标题 1"/>
+          <p:cNvSpPr>
+            <a:spLocks noGrp="1"/>
+          </p:cNvSpPr>
+          <p:nvPr>
+            <p:ph type="title"/>
+          </p:nvPr>
+        </p:nvSpPr>
+        <p:spPr/>
+        <p:txBody>
+          <a:bodyPr/>
+          <a:lstStyle/>
+          <a:p>
+            <a:r>
+              <a:rPr lang="zh-CN" altLang="en-US" dirty="0"/>
+              <a:t>程序设计概述</a:t>
+            </a:r>
+          </a:p>
+        </p:txBody>
+      </p:sp>
+      <p:sp>
+        <p:nvSpPr>
+          <p:cNvPr id="4" name="文本占位符 3"/>
+          <p:cNvSpPr>
+            <a:spLocks noGrp="1"/>
+          </p:cNvSpPr>
+          <p:nvPr>
+            <p:ph type="body" sz="quarter" idx="10"/>
+          </p:nvPr>
+        </p:nvSpPr>
+        <p:spPr/>
+        <p:txBody>
+          <a:bodyPr/>
+          <a:lstStyle/>
+          <a:p>
+            <a:r>
+              <a:rPr lang="zh-CN" altLang="en-US" dirty="0"/>
+              <a:t>一</a:t>
+            </a:r>
+          </a:p>
+        </p:txBody>
+      </p:sp>
+    </p:spTree>
+    <p:extLst>
+      <p:ext uri="{BB962C8B-B14F-4D97-AF65-F5344CB8AC3E}">
+        <p14:creationId xmlns:p14="http://schemas.microsoft.com/office/powerpoint/2010/main" val="3992022755"/>
+      </p:ext>
+    </p:extLst>
+  </p:cSld>
+  <p:clrMapOvr>
+    <a:masterClrMapping/>
+  </p:clrMapOvr>
+</p:sld>
+</file>
+
+<file path=ppt/slides/slide30.xml><?xml version="1.0" encoding="utf-8"?>
 <p:sld xmlns:a="http://schemas.openxmlformats.org/drawingml/2006/main" xmlns:r="http://schemas.openxmlformats.org/officeDocument/2006/relationships" xmlns:p="http://schemas.openxmlformats.org/presentationml/2006/main">
   <p:cSld>
     <p:spTree>
@@ -21605,7 +23232,7 @@
             <a:fld id="{62CDD4FC-8CC6-422A-BB5C-9AD3EF3AE163}" type="slidenum">
               <a:rPr lang="zh-CN" altLang="en-US" smtClean="0"/>
               <a:pPr/>
-              <a:t>26</a:t>
+              <a:t>30</a:t>
             </a:fld>
             <a:endParaRPr lang="zh-CN" altLang="en-US" dirty="0"/>
           </a:p>
@@ -21688,8 +23315,8 @@
         </p:nvSpPr>
         <p:spPr>
           <a:xfrm>
-            <a:off x="2090406" y="1961427"/>
-            <a:ext cx="4572000" cy="3735190"/>
+            <a:off x="742373" y="1739892"/>
+            <a:ext cx="2891660" cy="3170099"/>
           </a:xfrm>
           <a:prstGeom prst="rect">
             <a:avLst/>
@@ -21710,16 +23337,19 @@
           </a:fontRef>
         </p:style>
         <p:txBody>
-          <a:bodyPr>
+          <a:bodyPr wrap="square">
             <a:spAutoFit/>
           </a:bodyPr>
           <a:lstStyle/>
           <a:p>
-            <a:pPr marL="0" lvl="1">
-              <a:lnSpc>
-                <a:spcPct val="150000"/>
-              </a:lnSpc>
-            </a:pPr>
+            <a:pPr marL="0" lvl="1"/>
+            <a:r>
+              <a:rPr lang="en-US" altLang="zh-CN" sz="2000" dirty="0"/>
+              <a:t>……</a:t>
+            </a:r>
+          </a:p>
+          <a:p>
+            <a:pPr marL="0" lvl="1"/>
             <a:r>
               <a:rPr lang="en-US" altLang="zh-CN" sz="2000" dirty="0"/>
               <a:t>if </a:t>
@@ -21731,11 +23361,7 @@
             <a:endParaRPr lang="en-US" altLang="zh-CN" sz="2000" dirty="0"/>
           </a:p>
           <a:p>
-            <a:pPr marL="0" lvl="1">
-              <a:lnSpc>
-                <a:spcPct val="150000"/>
-              </a:lnSpc>
-            </a:pPr>
+            <a:pPr marL="0" lvl="1"/>
             <a:r>
               <a:rPr lang="en-US" altLang="zh-CN" sz="2000" dirty="0"/>
               <a:t>    </a:t>
@@ -21750,11 +23376,7 @@
             </a:r>
           </a:p>
           <a:p>
-            <a:pPr marL="0" lvl="1">
-              <a:lnSpc>
-                <a:spcPct val="150000"/>
-              </a:lnSpc>
-            </a:pPr>
+            <a:pPr marL="0" lvl="1"/>
             <a:r>
               <a:rPr lang="en-US" altLang="zh-CN" sz="2000" dirty="0"/>
               <a:t>    </a:t>
@@ -21769,33 +23391,21 @@
             </a:r>
           </a:p>
           <a:p>
-            <a:pPr marL="0" lvl="1">
-              <a:lnSpc>
-                <a:spcPct val="150000"/>
-              </a:lnSpc>
-            </a:pPr>
+            <a:pPr marL="0" lvl="1"/>
             <a:r>
               <a:rPr lang="en-US" altLang="zh-CN" sz="2000" dirty="0"/>
               <a:t>    ……</a:t>
             </a:r>
           </a:p>
           <a:p>
-            <a:pPr marL="0" lvl="1">
-              <a:lnSpc>
-                <a:spcPct val="150000"/>
-              </a:lnSpc>
-            </a:pPr>
+            <a:pPr marL="0" lvl="1"/>
             <a:r>
               <a:rPr lang="en-US" altLang="zh-CN" sz="2000" dirty="0"/>
               <a:t>else:</a:t>
             </a:r>
           </a:p>
           <a:p>
-            <a:pPr marL="0" lvl="1">
-              <a:lnSpc>
-                <a:spcPct val="150000"/>
-              </a:lnSpc>
-            </a:pPr>
+            <a:pPr marL="0" lvl="1"/>
             <a:r>
               <a:rPr lang="en-US" altLang="zh-CN" sz="2000" dirty="0"/>
               <a:t>    </a:t>
@@ -21810,11 +23420,7 @@
             </a:r>
           </a:p>
           <a:p>
-            <a:pPr marL="0" lvl="1">
-              <a:lnSpc>
-                <a:spcPct val="150000"/>
-              </a:lnSpc>
-            </a:pPr>
+            <a:pPr marL="0" lvl="1"/>
             <a:r>
               <a:rPr lang="en-US" altLang="zh-CN" sz="2000" dirty="0"/>
               <a:t>    </a:t>
@@ -21829,19 +23435,235 @@
             </a:r>
           </a:p>
           <a:p>
-            <a:pPr marL="0" lvl="1">
-              <a:lnSpc>
-                <a:spcPct val="150000"/>
-              </a:lnSpc>
-            </a:pPr>
+            <a:pPr marL="0" lvl="1"/>
             <a:r>
               <a:rPr lang="en-US" altLang="zh-CN" sz="2000" dirty="0"/>
               <a:t>    ……</a:t>
             </a:r>
+          </a:p>
+          <a:p>
+            <a:pPr marL="0" lvl="1"/>
+            <a:r>
+              <a:rPr lang="en-US" altLang="zh-CN" sz="2000" dirty="0"/>
+              <a:t>……</a:t>
+            </a:r>
             <a:endParaRPr lang="zh-CN" altLang="en-US" sz="2000" dirty="0"/>
           </a:p>
         </p:txBody>
       </p:sp>
+      <p:sp>
+        <p:nvSpPr>
+          <p:cNvPr id="8" name="矩形 7">
+            <a:extLst>
+              <a:ext uri="{FF2B5EF4-FFF2-40B4-BE49-F238E27FC236}">
+                <a16:creationId xmlns:a16="http://schemas.microsoft.com/office/drawing/2014/main" id="{C33D2DA7-B9BD-4676-A87E-A11DE8D011B7}"/>
+              </a:ext>
+            </a:extLst>
+          </p:cNvPr>
+          <p:cNvSpPr/>
+          <p:nvPr/>
+        </p:nvSpPr>
+        <p:spPr>
+          <a:xfrm>
+            <a:off x="3989906" y="1739892"/>
+            <a:ext cx="2891660" cy="1938992"/>
+          </a:xfrm>
+          <a:prstGeom prst="rect">
+            <a:avLst/>
+          </a:prstGeom>
+        </p:spPr>
+        <p:style>
+          <a:lnRef idx="2">
+            <a:schemeClr val="dk1"/>
+          </a:lnRef>
+          <a:fillRef idx="1">
+            <a:schemeClr val="lt1"/>
+          </a:fillRef>
+          <a:effectRef idx="0">
+            <a:schemeClr val="dk1"/>
+          </a:effectRef>
+          <a:fontRef idx="minor">
+            <a:schemeClr val="dk1"/>
+          </a:fontRef>
+        </p:style>
+        <p:txBody>
+          <a:bodyPr wrap="square">
+            <a:spAutoFit/>
+          </a:bodyPr>
+          <a:lstStyle/>
+          <a:p>
+            <a:pPr marL="0" lvl="1"/>
+            <a:r>
+              <a:rPr lang="en-US" altLang="zh-CN" sz="2000" dirty="0"/>
+              <a:t>……</a:t>
+            </a:r>
+          </a:p>
+          <a:p>
+            <a:pPr marL="0" lvl="1"/>
+            <a:r>
+              <a:rPr lang="en-US" altLang="zh-CN" sz="2000" dirty="0"/>
+              <a:t>if </a:t>
+            </a:r>
+            <a:r>
+              <a:rPr lang="zh-CN" altLang="en-US" sz="2000" dirty="0"/>
+              <a:t>某条件：</a:t>
+            </a:r>
+            <a:endParaRPr lang="en-US" altLang="zh-CN" sz="2000" dirty="0"/>
+          </a:p>
+          <a:p>
+            <a:pPr marL="0" lvl="1"/>
+            <a:r>
+              <a:rPr lang="en-US" altLang="zh-CN" sz="2000" dirty="0"/>
+              <a:t>    </a:t>
+            </a:r>
+            <a:r>
+              <a:rPr lang="zh-CN" altLang="en-US" sz="2000" dirty="0"/>
+              <a:t>语句</a:t>
+            </a:r>
+            <a:r>
+              <a:rPr lang="en-US" altLang="zh-CN" sz="2000" dirty="0"/>
+              <a:t>1</a:t>
+            </a:r>
+          </a:p>
+          <a:p>
+            <a:pPr marL="0" lvl="1"/>
+            <a:r>
+              <a:rPr lang="en-US" altLang="zh-CN" sz="2000" dirty="0"/>
+              <a:t>    </a:t>
+            </a:r>
+            <a:r>
+              <a:rPr lang="zh-CN" altLang="en-US" sz="2000" dirty="0"/>
+              <a:t>语句</a:t>
+            </a:r>
+            <a:r>
+              <a:rPr lang="en-US" altLang="zh-CN" sz="2000" dirty="0"/>
+              <a:t>2</a:t>
+            </a:r>
+          </a:p>
+          <a:p>
+            <a:pPr marL="0" lvl="1"/>
+            <a:r>
+              <a:rPr lang="en-US" altLang="zh-CN" sz="2000" dirty="0"/>
+              <a:t>    ……</a:t>
+            </a:r>
+          </a:p>
+          <a:p>
+            <a:pPr marL="0" lvl="1"/>
+            <a:r>
+              <a:rPr lang="en-US" altLang="zh-CN" sz="2000" dirty="0"/>
+              <a:t>……</a:t>
+            </a:r>
+            <a:endParaRPr lang="zh-CN" altLang="en-US" sz="2000" dirty="0"/>
+          </a:p>
+        </p:txBody>
+      </p:sp>
+      <mc:AlternateContent xmlns:mc="http://schemas.openxmlformats.org/markup-compatibility/2006">
+        <mc:Choice xmlns:pslz="http://schemas.microsoft.com/office/powerpoint/2016/slidezoom" Requires="pslz">
+          <p:graphicFrame>
+            <p:nvGraphicFramePr>
+              <p:cNvPr id="9" name="幻灯片缩放定位 8">
+                <a:extLst>
+                  <a:ext uri="{FF2B5EF4-FFF2-40B4-BE49-F238E27FC236}">
+                    <a16:creationId xmlns:a16="http://schemas.microsoft.com/office/drawing/2014/main" id="{52543F12-5660-4DBA-B8FA-5D26662FF675}"/>
+                  </a:ext>
+                </a:extLst>
+              </p:cNvPr>
+              <p:cNvGraphicFramePr>
+                <a:graphicFrameLocks noChangeAspect="1"/>
+              </p:cNvGraphicFramePr>
+              <p:nvPr>
+                <p:extLst>
+                  <p:ext uri="{D42A27DB-BD31-4B8C-83A1-F6EECF244321}">
+                    <p14:modId xmlns:p14="http://schemas.microsoft.com/office/powerpoint/2010/main" val="3553957038"/>
+                  </p:ext>
+                </p:extLst>
+              </p:nvPr>
+            </p:nvGraphicFramePr>
+            <p:xfrm>
+              <a:off x="7271575" y="4609905"/>
+              <a:ext cx="1759407" cy="1319555"/>
+            </p:xfrm>
+            <a:graphic>
+              <a:graphicData uri="http://schemas.microsoft.com/office/powerpoint/2016/slidezoom">
+                <pslz:sldZm>
+                  <pslz:sldZmObj sldId="294" cId="3655715729">
+                    <pslz:zmPr id="{26F9DE49-0E92-42CB-B648-C196C867240A}" returnToParent="0" transitionDur="1000">
+                      <p166:blipFill xmlns:p166="http://schemas.microsoft.com/office/powerpoint/2016/6/main">
+                        <a:blip r:embed="rId2"/>
+                        <a:stretch>
+                          <a:fillRect/>
+                        </a:stretch>
+                      </p166:blipFill>
+                      <p166:spPr xmlns:p166="http://schemas.microsoft.com/office/powerpoint/2016/6/main">
+                        <a:xfrm>
+                          <a:off x="0" y="0"/>
+                          <a:ext cx="1759407" cy="1319555"/>
+                        </a:xfrm>
+                        <a:prstGeom prst="rect">
+                          <a:avLst/>
+                        </a:prstGeom>
+                        <a:ln>
+                          <a:noFill/>
+                        </a:ln>
+                        <a:effectLst>
+                          <a:outerShdw blurRad="292100" dist="139700" dir="2700000" algn="tl" rotWithShape="0">
+                            <a:srgbClr val="333333">
+                              <a:alpha val="65000"/>
+                            </a:srgbClr>
+                          </a:outerShdw>
+                        </a:effectLst>
+                      </p166:spPr>
+                    </pslz:zmPr>
+                  </pslz:sldZmObj>
+                </pslz:sldZm>
+              </a:graphicData>
+            </a:graphic>
+          </p:graphicFrame>
+        </mc:Choice>
+        <mc:Fallback>
+          <p:pic>
+            <p:nvPicPr>
+              <p:cNvPr id="9" name="幻灯片缩放定位 8">
+                <a:hlinkClick r:id="rId3" action="ppaction://hlinksldjump"/>
+                <a:extLst>
+                  <a:ext uri="{FF2B5EF4-FFF2-40B4-BE49-F238E27FC236}">
+                    <a16:creationId xmlns:a16="http://schemas.microsoft.com/office/drawing/2014/main" id="{52543F12-5660-4DBA-B8FA-5D26662FF675}"/>
+                  </a:ext>
+                </a:extLst>
+              </p:cNvPr>
+              <p:cNvPicPr>
+                <a:picLocks noGrp="1" noRot="1" noChangeAspect="1" noMove="1" noResize="1" noEditPoints="1" noAdjustHandles="1" noChangeArrowheads="1" noChangeShapeType="1"/>
+              </p:cNvPicPr>
+              <p:nvPr/>
+            </p:nvPicPr>
+            <p:blipFill>
+              <a:blip r:embed="rId2"/>
+              <a:stretch>
+                <a:fillRect/>
+              </a:stretch>
+            </p:blipFill>
+            <p:spPr>
+              <a:xfrm>
+                <a:off x="7271575" y="4609905"/>
+                <a:ext cx="1759407" cy="1319555"/>
+              </a:xfrm>
+              <a:prstGeom prst="rect">
+                <a:avLst/>
+              </a:prstGeom>
+              <a:ln>
+                <a:noFill/>
+              </a:ln>
+              <a:effectLst>
+                <a:outerShdw blurRad="292100" dist="139700" dir="2700000" algn="tl" rotWithShape="0">
+                  <a:srgbClr val="333333">
+                    <a:alpha val="65000"/>
+                  </a:srgbClr>
+                </a:outerShdw>
+              </a:effectLst>
+            </p:spPr>
+          </p:pic>
+        </mc:Fallback>
+      </mc:AlternateContent>
     </p:spTree>
     <p:extLst>
       <p:ext uri="{BB962C8B-B14F-4D97-AF65-F5344CB8AC3E}">
@@ -21855,7 +23677,7 @@
 </p:sld>
 </file>
 
-<file path=ppt/slides/slide27.xml><?xml version="1.0" encoding="utf-8"?>
+<file path=ppt/slides/slide31.xml><?xml version="1.0" encoding="utf-8"?>
 <p:sld xmlns:a="http://schemas.openxmlformats.org/drawingml/2006/main" xmlns:r="http://schemas.openxmlformats.org/officeDocument/2006/relationships" xmlns:p="http://schemas.openxmlformats.org/presentationml/2006/main">
   <p:cSld>
     <p:spTree>
@@ -21874,10 +23696,40 @@
       </p:grpSpPr>
       <p:sp>
         <p:nvSpPr>
-          <p:cNvPr id="2" name="标题 1">
+          <p:cNvPr id="3" name="灯片编号占位符 2">
             <a:extLst>
               <a:ext uri="{FF2B5EF4-FFF2-40B4-BE49-F238E27FC236}">
-                <a16:creationId xmlns:a16="http://schemas.microsoft.com/office/drawing/2014/main" id="{B925CE7E-27E2-48FA-85EB-7C4CD7C1CB97}"/>
+                <a16:creationId xmlns:a16="http://schemas.microsoft.com/office/drawing/2014/main" id="{37502C2A-9852-48E2-AAB7-C166F8885F62}"/>
+              </a:ext>
+            </a:extLst>
+          </p:cNvPr>
+          <p:cNvSpPr>
+            <a:spLocks noGrp="1"/>
+          </p:cNvSpPr>
+          <p:nvPr>
+            <p:ph type="sldNum" sz="quarter" idx="12"/>
+          </p:nvPr>
+        </p:nvSpPr>
+        <p:spPr/>
+        <p:txBody>
+          <a:bodyPr/>
+          <a:lstStyle/>
+          <a:p>
+            <a:fld id="{62CDD4FC-8CC6-422A-BB5C-9AD3EF3AE163}" type="slidenum">
+              <a:rPr lang="zh-CN" altLang="en-US" smtClean="0"/>
+              <a:pPr/>
+              <a:t>31</a:t>
+            </a:fld>
+            <a:endParaRPr lang="zh-CN" altLang="en-US" dirty="0"/>
+          </a:p>
+        </p:txBody>
+      </p:sp>
+      <p:sp>
+        <p:nvSpPr>
+          <p:cNvPr id="4" name="标题 3">
+            <a:extLst>
+              <a:ext uri="{FF2B5EF4-FFF2-40B4-BE49-F238E27FC236}">
+                <a16:creationId xmlns:a16="http://schemas.microsoft.com/office/drawing/2014/main" id="{E41F85EE-C9BA-40B0-ABA8-BBC5947519FF}"/>
               </a:ext>
             </a:extLst>
           </p:cNvPr>
@@ -21895,17 +23747,17 @@
           <a:p>
             <a:r>
               <a:rPr lang="zh-CN" altLang="en-US" dirty="0"/>
-              <a:t>简单的输入、输出</a:t>
+              <a:t>输入、输出语句</a:t>
             </a:r>
           </a:p>
         </p:txBody>
       </p:sp>
       <p:sp>
         <p:nvSpPr>
-          <p:cNvPr id="3" name="文本占位符 2">
+          <p:cNvPr id="5" name="文本占位符 4">
             <a:extLst>
               <a:ext uri="{FF2B5EF4-FFF2-40B4-BE49-F238E27FC236}">
-                <a16:creationId xmlns:a16="http://schemas.microsoft.com/office/drawing/2014/main" id="{6C28AF0F-5D88-43C4-872A-B3771FF1758A}"/>
+                <a16:creationId xmlns:a16="http://schemas.microsoft.com/office/drawing/2014/main" id="{BEC91521-B3A3-4FBB-A7C4-F14B2A39A3C4}"/>
               </a:ext>
             </a:extLst>
           </p:cNvPr>
@@ -21913,57 +23765,30 @@
             <a:spLocks noGrp="1"/>
           </p:cNvSpPr>
           <p:nvPr>
-            <p:ph type="body" sz="quarter" idx="10"/>
+            <p:ph type="body" sz="quarter" idx="13"/>
           </p:nvPr>
         </p:nvSpPr>
         <p:spPr/>
         <p:txBody>
-          <a:bodyPr/>
+          <a:bodyPr>
+            <a:normAutofit fontScale="85000" lnSpcReduction="20000"/>
+          </a:bodyPr>
           <a:lstStyle/>
           <a:p>
             <a:r>
-              <a:rPr lang="zh-CN" altLang="en-US" dirty="0"/>
-              <a:t>四</a:t>
-            </a:r>
+              <a:rPr lang="en-US" altLang="zh-CN" dirty="0"/>
+              <a:t>7</a:t>
+            </a:r>
+            <a:endParaRPr lang="zh-CN" altLang="en-US" dirty="0"/>
           </a:p>
         </p:txBody>
       </p:sp>
-    </p:spTree>
-    <p:extLst>
-      <p:ext uri="{BB962C8B-B14F-4D97-AF65-F5344CB8AC3E}">
-        <p14:creationId xmlns:p14="http://schemas.microsoft.com/office/powerpoint/2010/main" val="1432538182"/>
-      </p:ext>
-    </p:extLst>
-  </p:cSld>
-  <p:clrMapOvr>
-    <a:masterClrMapping/>
-  </p:clrMapOvr>
-</p:sld>
-</file>
-
-<file path=ppt/slides/slide28.xml><?xml version="1.0" encoding="utf-8"?>
-<p:sld xmlns:a="http://schemas.openxmlformats.org/drawingml/2006/main" xmlns:r="http://schemas.openxmlformats.org/officeDocument/2006/relationships" xmlns:p="http://schemas.openxmlformats.org/presentationml/2006/main">
-  <p:cSld>
-    <p:spTree>
-      <p:nvGrpSpPr>
-        <p:cNvPr id="1" name=""/>
-        <p:cNvGrpSpPr/>
-        <p:nvPr/>
-      </p:nvGrpSpPr>
-      <p:grpSpPr>
-        <a:xfrm>
-          <a:off x="0" y="0"/>
-          <a:ext cx="0" cy="0"/>
-          <a:chOff x="0" y="0"/>
-          <a:chExt cx="0" cy="0"/>
-        </a:xfrm>
-      </p:grpSpPr>
       <p:sp>
         <p:nvSpPr>
-          <p:cNvPr id="2" name="内容占位符 1">
+          <p:cNvPr id="6" name="内容占位符 1">
             <a:extLst>
               <a:ext uri="{FF2B5EF4-FFF2-40B4-BE49-F238E27FC236}">
-                <a16:creationId xmlns:a16="http://schemas.microsoft.com/office/drawing/2014/main" id="{88581C06-955D-4D65-8D01-55691F51F92C}"/>
+                <a16:creationId xmlns:a16="http://schemas.microsoft.com/office/drawing/2014/main" id="{604861FD-C5B1-4FCB-829C-14C10917692C}"/>
               </a:ext>
             </a:extLst>
           </p:cNvPr>
@@ -21976,8 +23801,8 @@
         </p:nvSpPr>
         <p:spPr>
           <a:xfrm>
-            <a:off x="628650" y="348510"/>
-            <a:ext cx="7886700" cy="5507865"/>
+            <a:off x="661644" y="626602"/>
+            <a:ext cx="7886700" cy="2564372"/>
           </a:xfrm>
         </p:spPr>
         <p:txBody>
@@ -22111,7 +23936,7 @@
                 </a:solidFill>
                 <a:latin typeface="Consolas" panose="020B0609020204030204" pitchFamily="49" charset="0"/>
               </a:rPr>
-              <a:t>字符串</a:t>
+              <a:t>字符串，不能直接进行数学运算</a:t>
             </a:r>
             <a:endParaRPr lang="en-US" altLang="zh-CN" sz="2000" dirty="0">
               <a:solidFill>
@@ -22153,40 +23978,10 @@
       </p:sp>
       <p:sp>
         <p:nvSpPr>
-          <p:cNvPr id="3" name="灯片编号占位符 2">
+          <p:cNvPr id="7" name="矩形 6">
             <a:extLst>
               <a:ext uri="{FF2B5EF4-FFF2-40B4-BE49-F238E27FC236}">
-                <a16:creationId xmlns:a16="http://schemas.microsoft.com/office/drawing/2014/main" id="{17975D67-42EA-45DC-891F-0F424FA6E2AF}"/>
-              </a:ext>
-            </a:extLst>
-          </p:cNvPr>
-          <p:cNvSpPr>
-            <a:spLocks noGrp="1"/>
-          </p:cNvSpPr>
-          <p:nvPr>
-            <p:ph type="sldNum" sz="quarter" idx="12"/>
-          </p:nvPr>
-        </p:nvSpPr>
-        <p:spPr/>
-        <p:txBody>
-          <a:bodyPr/>
-          <a:lstStyle/>
-          <a:p>
-            <a:fld id="{62CDD4FC-8CC6-422A-BB5C-9AD3EF3AE163}" type="slidenum">
-              <a:rPr lang="zh-CN" altLang="en-US" smtClean="0"/>
-              <a:pPr/>
-              <a:t>28</a:t>
-            </a:fld>
-            <a:endParaRPr lang="zh-CN" altLang="en-US" dirty="0"/>
-          </a:p>
-        </p:txBody>
-      </p:sp>
-      <p:sp>
-        <p:nvSpPr>
-          <p:cNvPr id="4" name="矩形 3">
-            <a:extLst>
-              <a:ext uri="{FF2B5EF4-FFF2-40B4-BE49-F238E27FC236}">
-                <a16:creationId xmlns:a16="http://schemas.microsoft.com/office/drawing/2014/main" id="{38E04D54-FE65-4F5E-8BFC-226CCDE8A9B1}"/>
+                <a16:creationId xmlns:a16="http://schemas.microsoft.com/office/drawing/2014/main" id="{44B17249-D1E1-4226-8E73-7B7050C64E8B}"/>
               </a:ext>
             </a:extLst>
           </p:cNvPr>
@@ -22195,7 +23990,7 @@
         </p:nvSpPr>
         <p:spPr>
           <a:xfrm>
-            <a:off x="761543" y="3105834"/>
+            <a:off x="794537" y="3383925"/>
             <a:ext cx="3156632" cy="646331"/>
           </a:xfrm>
           <a:prstGeom prst="rect">
@@ -22380,10 +24175,10 @@
       </p:sp>
       <p:sp>
         <p:nvSpPr>
-          <p:cNvPr id="5" name="矩形 4">
+          <p:cNvPr id="8" name="矩形 7">
             <a:extLst>
               <a:ext uri="{FF2B5EF4-FFF2-40B4-BE49-F238E27FC236}">
-                <a16:creationId xmlns:a16="http://schemas.microsoft.com/office/drawing/2014/main" id="{C0D52546-892D-4A45-B7A3-2EE63A2340F1}"/>
+                <a16:creationId xmlns:a16="http://schemas.microsoft.com/office/drawing/2014/main" id="{2F9C9BE9-0C58-4371-BCE0-9A025CFA751B}"/>
               </a:ext>
             </a:extLst>
           </p:cNvPr>
@@ -22392,7 +24187,7 @@
         </p:nvSpPr>
         <p:spPr>
           <a:xfrm>
-            <a:off x="761543" y="4132920"/>
+            <a:off x="794537" y="4142350"/>
             <a:ext cx="3156633" cy="369332"/>
           </a:xfrm>
           <a:prstGeom prst="rect">
@@ -22530,10 +24325,10 @@
       </p:sp>
       <p:sp>
         <p:nvSpPr>
-          <p:cNvPr id="6" name="矩形 5">
+          <p:cNvPr id="9" name="矩形 8">
             <a:extLst>
               <a:ext uri="{FF2B5EF4-FFF2-40B4-BE49-F238E27FC236}">
-                <a16:creationId xmlns:a16="http://schemas.microsoft.com/office/drawing/2014/main" id="{33A0F6E1-7A92-4CE4-A477-CF537C111370}"/>
+                <a16:creationId xmlns:a16="http://schemas.microsoft.com/office/drawing/2014/main" id="{AEBF8388-EC45-44F7-8706-7AB7F0826559}"/>
               </a:ext>
             </a:extLst>
           </p:cNvPr>
@@ -22542,7 +24337,7 @@
         </p:nvSpPr>
         <p:spPr>
           <a:xfrm>
-            <a:off x="4972550" y="3105834"/>
+            <a:off x="5005544" y="3383925"/>
             <a:ext cx="3405256" cy="646331"/>
           </a:xfrm>
           <a:prstGeom prst="rect">
@@ -22727,10 +24522,10 @@
       </p:sp>
       <p:sp>
         <p:nvSpPr>
-          <p:cNvPr id="7" name="矩形 6">
+          <p:cNvPr id="10" name="矩形 9">
             <a:extLst>
               <a:ext uri="{FF2B5EF4-FFF2-40B4-BE49-F238E27FC236}">
-                <a16:creationId xmlns:a16="http://schemas.microsoft.com/office/drawing/2014/main" id="{ED973497-EA40-494E-9AB1-9810E096C794}"/>
+                <a16:creationId xmlns:a16="http://schemas.microsoft.com/office/drawing/2014/main" id="{55449845-5B0A-4E1C-AFE5-6EDCEF630B7E}"/>
               </a:ext>
             </a:extLst>
           </p:cNvPr>
@@ -22739,7 +24534,7 @@
         </p:nvSpPr>
         <p:spPr>
           <a:xfrm>
-            <a:off x="4972549" y="4132920"/>
+            <a:off x="5005543" y="4142350"/>
             <a:ext cx="3409908" cy="369332"/>
           </a:xfrm>
           <a:prstGeom prst="rect">
@@ -22877,10 +24672,10 @@
       </p:sp>
       <p:sp>
         <p:nvSpPr>
-          <p:cNvPr id="8" name="矩形 7">
+          <p:cNvPr id="11" name="矩形 10">
             <a:extLst>
               <a:ext uri="{FF2B5EF4-FFF2-40B4-BE49-F238E27FC236}">
-                <a16:creationId xmlns:a16="http://schemas.microsoft.com/office/drawing/2014/main" id="{FF9E6669-CD89-42EA-8164-2E4135523281}"/>
+                <a16:creationId xmlns:a16="http://schemas.microsoft.com/office/drawing/2014/main" id="{262BFD1E-E01B-4412-BE9D-5C302419A306}"/>
               </a:ext>
             </a:extLst>
           </p:cNvPr>
@@ -22889,7 +24684,7 @@
         </p:nvSpPr>
         <p:spPr>
           <a:xfrm>
-            <a:off x="2930365" y="5916832"/>
+            <a:off x="2963359" y="5698413"/>
             <a:ext cx="3283271" cy="369332"/>
           </a:xfrm>
           <a:prstGeom prst="rect">
@@ -23027,10 +24822,10 @@
       </p:sp>
       <p:sp>
         <p:nvSpPr>
-          <p:cNvPr id="9" name="矩形 8">
+          <p:cNvPr id="12" name="矩形 11">
             <a:extLst>
               <a:ext uri="{FF2B5EF4-FFF2-40B4-BE49-F238E27FC236}">
-                <a16:creationId xmlns:a16="http://schemas.microsoft.com/office/drawing/2014/main" id="{6DAB07AF-2568-4CAB-BD0A-220B862F72BE}"/>
+                <a16:creationId xmlns:a16="http://schemas.microsoft.com/office/drawing/2014/main" id="{71F45BA4-2DC1-4C41-9525-EEAABA952E47}"/>
               </a:ext>
             </a:extLst>
           </p:cNvPr>
@@ -23039,7 +24834,7 @@
         </p:nvSpPr>
         <p:spPr>
           <a:xfrm>
-            <a:off x="2930364" y="4950410"/>
+            <a:off x="2963359" y="4874215"/>
             <a:ext cx="3283271" cy="646331"/>
           </a:xfrm>
           <a:prstGeom prst="rect">
@@ -23225,7 +25020,7 @@
     </p:spTree>
     <p:extLst>
       <p:ext uri="{BB962C8B-B14F-4D97-AF65-F5344CB8AC3E}">
-        <p14:creationId xmlns:p14="http://schemas.microsoft.com/office/powerpoint/2010/main" val="2875422316"/>
+        <p14:creationId xmlns:p14="http://schemas.microsoft.com/office/powerpoint/2010/main" val="1965626645"/>
       </p:ext>
     </p:extLst>
   </p:cSld>
@@ -23266,7 +25061,7 @@
                                           </p:stCondLst>
                                         </p:cTn>
                                         <p:tgtEl>
-                                          <p:spTgt spid="2">
+                                          <p:spTgt spid="6">
                                             <p:txEl>
                                               <p:pRg st="4" end="4"/>
                                             </p:txEl>
@@ -23284,7 +25079,7 @@
                                       <p:cBhvr>
                                         <p:cTn id="7" dur="500"/>
                                         <p:tgtEl>
-                                          <p:spTgt spid="2">
+                                          <p:spTgt spid="6">
                                             <p:txEl>
                                               <p:pRg st="4" end="4"/>
                                             </p:txEl>
@@ -23327,7 +25122,7 @@
                                           </p:stCondLst>
                                         </p:cTn>
                                         <p:tgtEl>
-                                          <p:spTgt spid="4"/>
+                                          <p:spTgt spid="7"/>
                                         </p:tgtEl>
                                         <p:attrNameLst>
                                           <p:attrName>style.visibility</p:attrName>
@@ -23340,129 +25135,6 @@
                                     <p:animEffect transition="in" filter="fade">
                                       <p:cBhvr>
                                         <p:cTn id="12" dur="500"/>
-                                        <p:tgtEl>
-                                          <p:spTgt spid="4"/>
-                                        </p:tgtEl>
-                                      </p:cBhvr>
-                                    </p:animEffect>
-                                  </p:childTnLst>
-                                </p:cTn>
-                              </p:par>
-                              <p:par>
-                                <p:cTn id="13" presetID="10" presetClass="entr" presetSubtype="0" fill="hold" grpId="0" nodeType="withEffect">
-                                  <p:stCondLst>
-                                    <p:cond delay="0"/>
-                                  </p:stCondLst>
-                                  <p:childTnLst>
-                                    <p:set>
-                                      <p:cBhvr>
-                                        <p:cTn id="14" dur="1" fill="hold">
-                                          <p:stCondLst>
-                                            <p:cond delay="0"/>
-                                          </p:stCondLst>
-                                        </p:cTn>
-                                        <p:tgtEl>
-                                          <p:spTgt spid="5"/>
-                                        </p:tgtEl>
-                                        <p:attrNameLst>
-                                          <p:attrName>style.visibility</p:attrName>
-                                        </p:attrNameLst>
-                                      </p:cBhvr>
-                                      <p:to>
-                                        <p:strVal val="visible"/>
-                                      </p:to>
-                                    </p:set>
-                                    <p:animEffect transition="in" filter="fade">
-                                      <p:cBhvr>
-                                        <p:cTn id="15" dur="500"/>
-                                        <p:tgtEl>
-                                          <p:spTgt spid="5"/>
-                                        </p:tgtEl>
-                                      </p:cBhvr>
-                                    </p:animEffect>
-                                  </p:childTnLst>
-                                </p:cTn>
-                              </p:par>
-                            </p:childTnLst>
-                          </p:cTn>
-                        </p:par>
-                      </p:childTnLst>
-                    </p:cTn>
-                  </p:par>
-                  <p:par>
-                    <p:cTn id="16" fill="hold">
-                      <p:stCondLst>
-                        <p:cond delay="indefinite"/>
-                      </p:stCondLst>
-                      <p:childTnLst>
-                        <p:par>
-                          <p:cTn id="17" fill="hold">
-                            <p:stCondLst>
-                              <p:cond delay="0"/>
-                            </p:stCondLst>
-                            <p:childTnLst>
-                              <p:par>
-                                <p:cTn id="18" presetID="10" presetClass="entr" presetSubtype="0" fill="hold" grpId="0" nodeType="clickEffect">
-                                  <p:stCondLst>
-                                    <p:cond delay="0"/>
-                                  </p:stCondLst>
-                                  <p:childTnLst>
-                                    <p:set>
-                                      <p:cBhvr>
-                                        <p:cTn id="19" dur="1" fill="hold">
-                                          <p:stCondLst>
-                                            <p:cond delay="0"/>
-                                          </p:stCondLst>
-                                        </p:cTn>
-                                        <p:tgtEl>
-                                          <p:spTgt spid="6"/>
-                                        </p:tgtEl>
-                                        <p:attrNameLst>
-                                          <p:attrName>style.visibility</p:attrName>
-                                        </p:attrNameLst>
-                                      </p:cBhvr>
-                                      <p:to>
-                                        <p:strVal val="visible"/>
-                                      </p:to>
-                                    </p:set>
-                                    <p:animEffect transition="in" filter="fade">
-                                      <p:cBhvr>
-                                        <p:cTn id="20" dur="500"/>
-                                        <p:tgtEl>
-                                          <p:spTgt spid="6"/>
-                                        </p:tgtEl>
-                                      </p:cBhvr>
-                                    </p:animEffect>
-                                  </p:childTnLst>
-                                </p:cTn>
-                              </p:par>
-                              <p:par>
-                                <p:cTn id="21" presetID="10" presetClass="entr" presetSubtype="0" fill="hold" grpId="0" nodeType="withEffect">
-                                  <p:stCondLst>
-                                    <p:cond delay="0"/>
-                                  </p:stCondLst>
-                                  <p:childTnLst>
-                                    <p:set>
-                                      <p:cBhvr>
-                                        <p:cTn id="22" dur="1" fill="hold">
-                                          <p:stCondLst>
-                                            <p:cond delay="0"/>
-                                          </p:stCondLst>
-                                        </p:cTn>
-                                        <p:tgtEl>
-                                          <p:spTgt spid="7"/>
-                                        </p:tgtEl>
-                                        <p:attrNameLst>
-                                          <p:attrName>style.visibility</p:attrName>
-                                        </p:attrNameLst>
-                                      </p:cBhvr>
-                                      <p:to>
-                                        <p:strVal val="visible"/>
-                                      </p:to>
-                                    </p:set>
-                                    <p:animEffect transition="in" filter="fade">
-                                      <p:cBhvr>
-                                        <p:cTn id="23" dur="500"/>
                                         <p:tgtEl>
                                           <p:spTgt spid="7"/>
                                         </p:tgtEl>
@@ -23478,26 +25150,26 @@
                     </p:cTn>
                   </p:par>
                   <p:par>
-                    <p:cTn id="24" fill="hold">
+                    <p:cTn id="13" fill="hold">
                       <p:stCondLst>
                         <p:cond delay="indefinite"/>
                       </p:stCondLst>
                       <p:childTnLst>
                         <p:par>
-                          <p:cTn id="25" fill="hold">
+                          <p:cTn id="14" fill="hold">
                             <p:stCondLst>
                               <p:cond delay="0"/>
                             </p:stCondLst>
                             <p:childTnLst>
                               <p:par>
-                                <p:cTn id="26" presetID="10" presetClass="entr" presetSubtype="0" fill="hold" grpId="0" nodeType="clickEffect">
+                                <p:cTn id="15" presetID="10" presetClass="entr" presetSubtype="0" fill="hold" grpId="0" nodeType="clickEffect">
                                   <p:stCondLst>
                                     <p:cond delay="0"/>
                                   </p:stCondLst>
                                   <p:childTnLst>
                                     <p:set>
                                       <p:cBhvr>
-                                        <p:cTn id="27" dur="1" fill="hold">
+                                        <p:cTn id="16" dur="1" fill="hold">
                                           <p:stCondLst>
                                             <p:cond delay="0"/>
                                           </p:stCondLst>
@@ -23515,7 +25187,7 @@
                                     </p:set>
                                     <p:animEffect transition="in" filter="fade">
                                       <p:cBhvr>
-                                        <p:cTn id="28" dur="500"/>
+                                        <p:cTn id="17" dur="500"/>
                                         <p:tgtEl>
                                           <p:spTgt spid="8"/>
                                         </p:tgtEl>
@@ -23524,15 +25196,33 @@
                                   </p:childTnLst>
                                 </p:cTn>
                               </p:par>
+                            </p:childTnLst>
+                          </p:cTn>
+                        </p:par>
+                      </p:childTnLst>
+                    </p:cTn>
+                  </p:par>
+                  <p:par>
+                    <p:cTn id="18" fill="hold">
+                      <p:stCondLst>
+                        <p:cond delay="indefinite"/>
+                      </p:stCondLst>
+                      <p:childTnLst>
+                        <p:par>
+                          <p:cTn id="19" fill="hold">
+                            <p:stCondLst>
+                              <p:cond delay="0"/>
+                            </p:stCondLst>
+                            <p:childTnLst>
                               <p:par>
-                                <p:cTn id="29" presetID="10" presetClass="entr" presetSubtype="0" fill="hold" grpId="0" nodeType="withEffect">
+                                <p:cTn id="20" presetID="10" presetClass="entr" presetSubtype="0" fill="hold" grpId="0" nodeType="clickEffect">
                                   <p:stCondLst>
                                     <p:cond delay="0"/>
                                   </p:stCondLst>
                                   <p:childTnLst>
                                     <p:set>
                                       <p:cBhvr>
-                                        <p:cTn id="30" dur="1" fill="hold">
+                                        <p:cTn id="21" dur="1" fill="hold">
                                           <p:stCondLst>
                                             <p:cond delay="0"/>
                                           </p:stCondLst>
@@ -23550,9 +25240,132 @@
                                     </p:set>
                                     <p:animEffect transition="in" filter="fade">
                                       <p:cBhvr>
-                                        <p:cTn id="31" dur="500"/>
+                                        <p:cTn id="22" dur="500"/>
                                         <p:tgtEl>
                                           <p:spTgt spid="9"/>
+                                        </p:tgtEl>
+                                      </p:cBhvr>
+                                    </p:animEffect>
+                                  </p:childTnLst>
+                                </p:cTn>
+                              </p:par>
+                              <p:par>
+                                <p:cTn id="23" presetID="10" presetClass="entr" presetSubtype="0" fill="hold" grpId="0" nodeType="withEffect">
+                                  <p:stCondLst>
+                                    <p:cond delay="0"/>
+                                  </p:stCondLst>
+                                  <p:childTnLst>
+                                    <p:set>
+                                      <p:cBhvr>
+                                        <p:cTn id="24" dur="1" fill="hold">
+                                          <p:stCondLst>
+                                            <p:cond delay="0"/>
+                                          </p:stCondLst>
+                                        </p:cTn>
+                                        <p:tgtEl>
+                                          <p:spTgt spid="10"/>
+                                        </p:tgtEl>
+                                        <p:attrNameLst>
+                                          <p:attrName>style.visibility</p:attrName>
+                                        </p:attrNameLst>
+                                      </p:cBhvr>
+                                      <p:to>
+                                        <p:strVal val="visible"/>
+                                      </p:to>
+                                    </p:set>
+                                    <p:animEffect transition="in" filter="fade">
+                                      <p:cBhvr>
+                                        <p:cTn id="25" dur="500"/>
+                                        <p:tgtEl>
+                                          <p:spTgt spid="10"/>
+                                        </p:tgtEl>
+                                      </p:cBhvr>
+                                    </p:animEffect>
+                                  </p:childTnLst>
+                                </p:cTn>
+                              </p:par>
+                            </p:childTnLst>
+                          </p:cTn>
+                        </p:par>
+                      </p:childTnLst>
+                    </p:cTn>
+                  </p:par>
+                  <p:par>
+                    <p:cTn id="26" fill="hold">
+                      <p:stCondLst>
+                        <p:cond delay="indefinite"/>
+                      </p:stCondLst>
+                      <p:childTnLst>
+                        <p:par>
+                          <p:cTn id="27" fill="hold">
+                            <p:stCondLst>
+                              <p:cond delay="0"/>
+                            </p:stCondLst>
+                            <p:childTnLst>
+                              <p:par>
+                                <p:cTn id="28" presetID="10" presetClass="entr" presetSubtype="0" fill="hold" grpId="0" nodeType="clickEffect">
+                                  <p:stCondLst>
+                                    <p:cond delay="0"/>
+                                  </p:stCondLst>
+                                  <p:childTnLst>
+                                    <p:set>
+                                      <p:cBhvr>
+                                        <p:cTn id="29" dur="1" fill="hold">
+                                          <p:stCondLst>
+                                            <p:cond delay="0"/>
+                                          </p:stCondLst>
+                                        </p:cTn>
+                                        <p:tgtEl>
+                                          <p:spTgt spid="11"/>
+                                        </p:tgtEl>
+                                        <p:attrNameLst>
+                                          <p:attrName>style.visibility</p:attrName>
+                                        </p:attrNameLst>
+                                      </p:cBhvr>
+                                      <p:to>
+                                        <p:strVal val="visible"/>
+                                      </p:to>
+                                    </p:set>
+                                    <p:animEffect transition="in" filter="fade">
+                                      <p:cBhvr>
+                                        <p:cTn id="30" dur="500"/>
+                                        <p:tgtEl>
+                                          <p:spTgt spid="11"/>
+                                        </p:tgtEl>
+                                      </p:cBhvr>
+                                    </p:animEffect>
+                                  </p:childTnLst>
+                                </p:cTn>
+                              </p:par>
+                              <p:par>
+                                <p:cTn id="31" presetID="10" presetClass="entr" presetSubtype="0" fill="hold" grpId="0" nodeType="withEffect">
+                                  <p:stCondLst>
+                                    <p:cond delay="0"/>
+                                  </p:stCondLst>
+                                  <p:childTnLst>
+                                    <p:set>
+                                      <p:cBhvr>
+                                        <p:cTn id="32" dur="1" fill="hold">
+                                          <p:stCondLst>
+                                            <p:cond delay="0"/>
+                                          </p:stCondLst>
+                                        </p:cTn>
+                                        <p:tgtEl>
+                                          <p:spTgt spid="12"/>
+                                        </p:tgtEl>
+                                        <p:attrNameLst>
+                                          <p:attrName>style.visibility</p:attrName>
+                                        </p:attrNameLst>
+                                      </p:cBhvr>
+                                      <p:to>
+                                        <p:strVal val="visible"/>
+                                      </p:to>
+                                    </p:set>
+                                    <p:animEffect transition="in" filter="fade">
+                                      <p:cBhvr>
+                                        <p:cTn id="33" dur="500"/>
+                                        <p:tgtEl>
+                                          <p:spTgt spid="12"/>
                                         </p:tgtEl>
                                       </p:cBhvr>
                                     </p:animEffect>
@@ -23587,18 +25400,18 @@
       </p:par>
     </p:tnLst>
     <p:bldLst>
-      <p:bldP spid="4" grpId="0" animBg="1"/>
-      <p:bldP spid="5" grpId="0" animBg="1"/>
-      <p:bldP spid="6" grpId="0" animBg="1"/>
       <p:bldP spid="7" grpId="0" animBg="1"/>
       <p:bldP spid="8" grpId="0" animBg="1"/>
       <p:bldP spid="9" grpId="0" animBg="1"/>
+      <p:bldP spid="10" grpId="0" animBg="1"/>
+      <p:bldP spid="11" grpId="0" animBg="1"/>
+      <p:bldP spid="12" grpId="0" animBg="1"/>
     </p:bldLst>
   </p:timing>
 </p:sld>
 </file>
 
-<file path=ppt/slides/slide29.xml><?xml version="1.0" encoding="utf-8"?>
+<file path=ppt/slides/slide32.xml><?xml version="1.0" encoding="utf-8"?>
 <p:sld xmlns:a="http://schemas.openxmlformats.org/drawingml/2006/main" xmlns:r="http://schemas.openxmlformats.org/officeDocument/2006/relationships" xmlns:p="http://schemas.openxmlformats.org/presentationml/2006/main">
   <p:cSld>
     <p:spTree>
@@ -23784,7 +25597,7 @@
             <a:fld id="{62CDD4FC-8CC6-422A-BB5C-9AD3EF3AE163}" type="slidenum">
               <a:rPr lang="zh-CN" altLang="en-US" smtClean="0"/>
               <a:pPr/>
-              <a:t>29</a:t>
+              <a:t>32</a:t>
             </a:fld>
             <a:endParaRPr lang="zh-CN" altLang="en-US" dirty="0"/>
           </a:p>
@@ -23804,7 +25617,7 @@
         </p:nvSpPr>
         <p:spPr>
           <a:xfrm>
-            <a:off x="1815220" y="3105834"/>
+            <a:off x="1885921" y="4442981"/>
             <a:ext cx="3200400" cy="646331"/>
           </a:xfrm>
           <a:prstGeom prst="rect">
@@ -23980,8 +25793,8 @@
         </p:nvSpPr>
         <p:spPr>
           <a:xfrm>
-            <a:off x="5284944" y="3389622"/>
-            <a:ext cx="1435008" cy="369332"/>
+            <a:off x="5086320" y="4721529"/>
+            <a:ext cx="1828238" cy="369332"/>
           </a:xfrm>
           <a:prstGeom prst="rect">
             <a:avLst/>
@@ -23989,9 +25802,14 @@
           <a:solidFill>
             <a:schemeClr val="tx1"/>
           </a:solidFill>
+          <a:ln>
+            <a:solidFill>
+              <a:schemeClr val="tx1"/>
+            </a:solidFill>
+          </a:ln>
         </p:spPr>
         <p:txBody>
-          <a:bodyPr wrap="none">
+          <a:bodyPr wrap="square">
             <a:spAutoFit/>
           </a:bodyPr>
           <a:lstStyle/>
@@ -24021,7 +25839,7 @@
         </p:nvSpPr>
         <p:spPr>
           <a:xfrm>
-            <a:off x="1371600" y="4386403"/>
+            <a:off x="1442300" y="5380290"/>
             <a:ext cx="3644020" cy="646331"/>
           </a:xfrm>
           <a:prstGeom prst="rect">
@@ -24314,8 +26132,8 @@
         </p:nvSpPr>
         <p:spPr>
           <a:xfrm>
-            <a:off x="5280134" y="4663402"/>
-            <a:ext cx="1439818" cy="369332"/>
+            <a:off x="5086319" y="5657289"/>
+            <a:ext cx="1828238" cy="369332"/>
           </a:xfrm>
           <a:prstGeom prst="rect">
             <a:avLst/>
@@ -24323,9 +26141,14 @@
           <a:solidFill>
             <a:schemeClr val="tx1"/>
           </a:solidFill>
+          <a:ln>
+            <a:solidFill>
+              <a:schemeClr val="tx1"/>
+            </a:solidFill>
+          </a:ln>
         </p:spPr>
         <p:txBody>
-          <a:bodyPr wrap="none">
+          <a:bodyPr wrap="square">
             <a:spAutoFit/>
           </a:bodyPr>
           <a:lstStyle/>
@@ -24338,6 +26161,374 @@
               </a:rPr>
               <a:t>3 + 4 = 7</a:t>
             </a:r>
+          </a:p>
+        </p:txBody>
+      </p:sp>
+      <p:sp>
+        <p:nvSpPr>
+          <p:cNvPr id="8" name="矩形 7">
+            <a:extLst>
+              <a:ext uri="{FF2B5EF4-FFF2-40B4-BE49-F238E27FC236}">
+                <a16:creationId xmlns:a16="http://schemas.microsoft.com/office/drawing/2014/main" id="{595F6930-7E3D-48D8-8C93-B16C13A99D5A}"/>
+              </a:ext>
+            </a:extLst>
+          </p:cNvPr>
+          <p:cNvSpPr/>
+          <p:nvPr/>
+        </p:nvSpPr>
+        <p:spPr>
+          <a:xfrm>
+            <a:off x="1885921" y="2854564"/>
+            <a:ext cx="3200400" cy="646331"/>
+          </a:xfrm>
+          <a:prstGeom prst="rect">
+            <a:avLst/>
+          </a:prstGeom>
+        </p:spPr>
+        <p:style>
+          <a:lnRef idx="2">
+            <a:schemeClr val="dk1"/>
+          </a:lnRef>
+          <a:fillRef idx="1">
+            <a:schemeClr val="lt1"/>
+          </a:fillRef>
+          <a:effectRef idx="0">
+            <a:schemeClr val="dk1"/>
+          </a:effectRef>
+          <a:fontRef idx="minor">
+            <a:schemeClr val="dk1"/>
+          </a:fontRef>
+        </p:style>
+        <p:txBody>
+          <a:bodyPr wrap="square">
+            <a:spAutoFit/>
+          </a:bodyPr>
+          <a:lstStyle/>
+          <a:p>
+            <a:r>
+              <a:rPr lang="en-US" altLang="zh-CN" dirty="0">
+                <a:solidFill>
+                  <a:srgbClr val="403F53"/>
+                </a:solidFill>
+                <a:latin typeface="Consolas" panose="020B0609020204030204" pitchFamily="49" charset="0"/>
+              </a:rPr>
+              <a:t>x </a:t>
+            </a:r>
+            <a:r>
+              <a:rPr lang="en-US" altLang="zh-CN" dirty="0">
+                <a:solidFill>
+                  <a:srgbClr val="994CC3"/>
+                </a:solidFill>
+                <a:latin typeface="Consolas" panose="020B0609020204030204" pitchFamily="49" charset="0"/>
+              </a:rPr>
+              <a:t>=</a:t>
+            </a:r>
+            <a:r>
+              <a:rPr lang="en-US" altLang="zh-CN" dirty="0">
+                <a:solidFill>
+                  <a:srgbClr val="403F53"/>
+                </a:solidFill>
+                <a:latin typeface="Consolas" panose="020B0609020204030204" pitchFamily="49" charset="0"/>
+              </a:rPr>
+              <a:t> </a:t>
+            </a:r>
+            <a:r>
+              <a:rPr lang="en-US" altLang="zh-CN" dirty="0">
+                <a:solidFill>
+                  <a:srgbClr val="AA0982"/>
+                </a:solidFill>
+                <a:latin typeface="Consolas" panose="020B0609020204030204" pitchFamily="49" charset="0"/>
+              </a:rPr>
+              <a:t>10</a:t>
+            </a:r>
+            <a:endParaRPr lang="en-US" altLang="zh-CN" dirty="0">
+              <a:solidFill>
+                <a:srgbClr val="403F53"/>
+              </a:solidFill>
+              <a:latin typeface="Consolas" panose="020B0609020204030204" pitchFamily="49" charset="0"/>
+            </a:endParaRPr>
+          </a:p>
+          <a:p>
+            <a:r>
+              <a:rPr lang="en-US" altLang="zh-CN" dirty="0">
+                <a:solidFill>
+                  <a:srgbClr val="4876D6"/>
+                </a:solidFill>
+                <a:latin typeface="Consolas" panose="020B0609020204030204" pitchFamily="49" charset="0"/>
+              </a:rPr>
+              <a:t>print</a:t>
+            </a:r>
+            <a:r>
+              <a:rPr lang="en-US" altLang="zh-CN" dirty="0">
+                <a:solidFill>
+                  <a:srgbClr val="403F53"/>
+                </a:solidFill>
+                <a:latin typeface="Consolas" panose="020B0609020204030204" pitchFamily="49" charset="0"/>
+              </a:rPr>
+              <a:t>(</a:t>
+            </a:r>
+            <a:r>
+              <a:rPr lang="en-US" altLang="zh-CN" dirty="0">
+                <a:solidFill>
+                  <a:srgbClr val="111111"/>
+                </a:solidFill>
+                <a:latin typeface="Consolas" panose="020B0609020204030204" pitchFamily="49" charset="0"/>
+              </a:rPr>
+              <a:t>x</a:t>
+            </a:r>
+            <a:r>
+              <a:rPr lang="en-US" altLang="zh-CN" dirty="0">
+                <a:solidFill>
+                  <a:srgbClr val="403F53"/>
+                </a:solidFill>
+                <a:latin typeface="Consolas" panose="020B0609020204030204" pitchFamily="49" charset="0"/>
+              </a:rPr>
+              <a:t>)</a:t>
+            </a:r>
+            <a:endParaRPr lang="en-US" altLang="zh-CN" b="0" dirty="0">
+              <a:solidFill>
+                <a:srgbClr val="403F53"/>
+              </a:solidFill>
+              <a:effectLst/>
+              <a:latin typeface="Consolas" panose="020B0609020204030204" pitchFamily="49" charset="0"/>
+            </a:endParaRPr>
+          </a:p>
+        </p:txBody>
+      </p:sp>
+      <p:sp>
+        <p:nvSpPr>
+          <p:cNvPr id="9" name="矩形 8">
+            <a:extLst>
+              <a:ext uri="{FF2B5EF4-FFF2-40B4-BE49-F238E27FC236}">
+                <a16:creationId xmlns:a16="http://schemas.microsoft.com/office/drawing/2014/main" id="{99BB9106-9644-4546-8D8F-FB3F14EA2094}"/>
+              </a:ext>
+            </a:extLst>
+          </p:cNvPr>
+          <p:cNvSpPr/>
+          <p:nvPr/>
+        </p:nvSpPr>
+        <p:spPr>
+          <a:xfrm>
+            <a:off x="5086321" y="3131563"/>
+            <a:ext cx="1828240" cy="369332"/>
+          </a:xfrm>
+          <a:prstGeom prst="rect">
+            <a:avLst/>
+          </a:prstGeom>
+          <a:solidFill>
+            <a:schemeClr val="tx1"/>
+          </a:solidFill>
+          <a:ln>
+            <a:solidFill>
+              <a:schemeClr val="tx1"/>
+            </a:solidFill>
+          </a:ln>
+        </p:spPr>
+        <p:txBody>
+          <a:bodyPr wrap="square">
+            <a:spAutoFit/>
+          </a:bodyPr>
+          <a:lstStyle/>
+          <a:p>
+            <a:r>
+              <a:rPr lang="zh-CN" altLang="en-US" dirty="0">
+                <a:solidFill>
+                  <a:schemeClr val="bg1"/>
+                </a:solidFill>
+              </a:rPr>
+              <a:t>10</a:t>
+            </a:r>
+          </a:p>
+        </p:txBody>
+      </p:sp>
+      <p:sp>
+        <p:nvSpPr>
+          <p:cNvPr id="10" name="矩形 9">
+            <a:extLst>
+              <a:ext uri="{FF2B5EF4-FFF2-40B4-BE49-F238E27FC236}">
+                <a16:creationId xmlns:a16="http://schemas.microsoft.com/office/drawing/2014/main" id="{97536E32-0A76-4825-AC58-F03CD4CF9780}"/>
+              </a:ext>
+            </a:extLst>
+          </p:cNvPr>
+          <p:cNvSpPr/>
+          <p:nvPr/>
+        </p:nvSpPr>
+        <p:spPr>
+          <a:xfrm>
+            <a:off x="1885921" y="3617368"/>
+            <a:ext cx="3200400" cy="646331"/>
+          </a:xfrm>
+          <a:prstGeom prst="rect">
+            <a:avLst/>
+          </a:prstGeom>
+        </p:spPr>
+        <p:style>
+          <a:lnRef idx="2">
+            <a:schemeClr val="dk1"/>
+          </a:lnRef>
+          <a:fillRef idx="1">
+            <a:schemeClr val="lt1"/>
+          </a:fillRef>
+          <a:effectRef idx="0">
+            <a:schemeClr val="dk1"/>
+          </a:effectRef>
+          <a:fontRef idx="minor">
+            <a:schemeClr val="dk1"/>
+          </a:fontRef>
+        </p:style>
+        <p:txBody>
+          <a:bodyPr wrap="square">
+            <a:spAutoFit/>
+          </a:bodyPr>
+          <a:lstStyle/>
+          <a:p>
+            <a:r>
+              <a:rPr lang="en-US" altLang="zh-CN" dirty="0">
+                <a:solidFill>
+                  <a:srgbClr val="403F53"/>
+                </a:solidFill>
+                <a:latin typeface="Consolas" panose="020B0609020204030204" pitchFamily="49" charset="0"/>
+              </a:rPr>
+              <a:t>x </a:t>
+            </a:r>
+            <a:r>
+              <a:rPr lang="en-US" altLang="zh-CN" dirty="0">
+                <a:solidFill>
+                  <a:srgbClr val="994CC3"/>
+                </a:solidFill>
+                <a:latin typeface="Consolas" panose="020B0609020204030204" pitchFamily="49" charset="0"/>
+              </a:rPr>
+              <a:t>=</a:t>
+            </a:r>
+            <a:r>
+              <a:rPr lang="en-US" altLang="zh-CN" dirty="0">
+                <a:solidFill>
+                  <a:srgbClr val="403F53"/>
+                </a:solidFill>
+                <a:latin typeface="Consolas" panose="020B0609020204030204" pitchFamily="49" charset="0"/>
+              </a:rPr>
+              <a:t> </a:t>
+            </a:r>
+            <a:r>
+              <a:rPr lang="en-US" altLang="zh-CN" dirty="0">
+                <a:solidFill>
+                  <a:srgbClr val="AA0982"/>
+                </a:solidFill>
+                <a:latin typeface="Consolas" panose="020B0609020204030204" pitchFamily="49" charset="0"/>
+              </a:rPr>
+              <a:t>10</a:t>
+            </a:r>
+            <a:endParaRPr lang="en-US" altLang="zh-CN" dirty="0">
+              <a:solidFill>
+                <a:srgbClr val="403F53"/>
+              </a:solidFill>
+              <a:latin typeface="Consolas" panose="020B0609020204030204" pitchFamily="49" charset="0"/>
+            </a:endParaRPr>
+          </a:p>
+          <a:p>
+            <a:r>
+              <a:rPr lang="en-US" altLang="zh-CN" dirty="0">
+                <a:solidFill>
+                  <a:srgbClr val="4876D6"/>
+                </a:solidFill>
+                <a:latin typeface="Consolas" panose="020B0609020204030204" pitchFamily="49" charset="0"/>
+              </a:rPr>
+              <a:t>print(</a:t>
+            </a:r>
+            <a:r>
+              <a:rPr lang="en-US" altLang="zh-CN" dirty="0">
+                <a:solidFill>
+                  <a:srgbClr val="111111"/>
+                </a:solidFill>
+                <a:latin typeface="Consolas" panose="020B0609020204030204" pitchFamily="49" charset="0"/>
+              </a:rPr>
+              <a:t>"</a:t>
+            </a:r>
+            <a:r>
+              <a:rPr lang="en-US" altLang="zh-CN" dirty="0">
+                <a:solidFill>
+                  <a:srgbClr val="C96765"/>
+                </a:solidFill>
+                <a:latin typeface="Consolas" panose="020B0609020204030204" pitchFamily="49" charset="0"/>
+              </a:rPr>
+              <a:t>x</a:t>
+            </a:r>
+            <a:r>
+              <a:rPr lang="en-US" altLang="zh-CN" dirty="0">
+                <a:solidFill>
+                  <a:srgbClr val="111111"/>
+                </a:solidFill>
+                <a:latin typeface="Consolas" panose="020B0609020204030204" pitchFamily="49" charset="0"/>
+              </a:rPr>
+              <a:t>"</a:t>
+            </a:r>
+            <a:r>
+              <a:rPr lang="en-US" altLang="zh-CN" dirty="0">
+                <a:solidFill>
+                  <a:srgbClr val="4876D6"/>
+                </a:solidFill>
+                <a:latin typeface="Consolas" panose="020B0609020204030204" pitchFamily="49" charset="0"/>
+              </a:rPr>
+              <a:t>)</a:t>
+            </a:r>
+            <a:endParaRPr lang="en-US" altLang="zh-CN" b="0" dirty="0">
+              <a:solidFill>
+                <a:srgbClr val="403F53"/>
+              </a:solidFill>
+              <a:effectLst/>
+              <a:latin typeface="Consolas" panose="020B0609020204030204" pitchFamily="49" charset="0"/>
+            </a:endParaRPr>
+          </a:p>
+        </p:txBody>
+      </p:sp>
+      <p:sp>
+        <p:nvSpPr>
+          <p:cNvPr id="11" name="矩形 10">
+            <a:extLst>
+              <a:ext uri="{FF2B5EF4-FFF2-40B4-BE49-F238E27FC236}">
+                <a16:creationId xmlns:a16="http://schemas.microsoft.com/office/drawing/2014/main" id="{B60F4B0F-A983-460D-9B3D-8FB6F7EB8952}"/>
+              </a:ext>
+            </a:extLst>
+          </p:cNvPr>
+          <p:cNvSpPr/>
+          <p:nvPr/>
+        </p:nvSpPr>
+        <p:spPr>
+          <a:xfrm>
+            <a:off x="5086320" y="3891268"/>
+            <a:ext cx="1828239" cy="369332"/>
+          </a:xfrm>
+          <a:prstGeom prst="rect">
+            <a:avLst/>
+          </a:prstGeom>
+          <a:solidFill>
+            <a:schemeClr val="tx1"/>
+          </a:solidFill>
+          <a:ln>
+            <a:solidFill>
+              <a:schemeClr val="tx1"/>
+            </a:solidFill>
+          </a:ln>
+        </p:spPr>
+        <p:txBody>
+          <a:bodyPr wrap="square">
+            <a:spAutoFit/>
+          </a:bodyPr>
+          <a:lstStyle/>
+          <a:p>
+            <a:r>
+              <a:rPr lang="en-US" altLang="zh-CN" dirty="0">
+                <a:solidFill>
+                  <a:schemeClr val="bg1"/>
+                </a:solidFill>
+              </a:rPr>
+              <a:t>x</a:t>
+            </a:r>
+            <a:endParaRPr lang="zh-CN" altLang="en-US" dirty="0">
+              <a:solidFill>
+                <a:schemeClr val="bg1"/>
+              </a:solidFill>
+            </a:endParaRPr>
           </a:p>
         </p:txBody>
       </p:sp>
@@ -24385,7 +26576,7 @@
                                           </p:stCondLst>
                                         </p:cTn>
                                         <p:tgtEl>
-                                          <p:spTgt spid="4"/>
+                                          <p:spTgt spid="8"/>
                                         </p:tgtEl>
                                         <p:attrNameLst>
                                           <p:attrName>style.visibility</p:attrName>
@@ -24399,7 +26590,7 @@
                                       <p:cBhvr>
                                         <p:cTn id="7" dur="500"/>
                                         <p:tgtEl>
-                                          <p:spTgt spid="4"/>
+                                          <p:spTgt spid="8"/>
                                         </p:tgtEl>
                                       </p:cBhvr>
                                     </p:animEffect>
@@ -24438,7 +26629,7 @@
                                           </p:stCondLst>
                                         </p:cTn>
                                         <p:tgtEl>
-                                          <p:spTgt spid="5"/>
+                                          <p:spTgt spid="9"/>
                                         </p:tgtEl>
                                         <p:attrNameLst>
                                           <p:attrName>style.visibility</p:attrName>
@@ -24452,7 +26643,7 @@
                                       <p:cBhvr>
                                         <p:cTn id="12" dur="500"/>
                                         <p:tgtEl>
-                                          <p:spTgt spid="5"/>
+                                          <p:spTgt spid="9"/>
                                         </p:tgtEl>
                                       </p:cBhvr>
                                     </p:animEffect>
@@ -24491,7 +26682,7 @@
                                           </p:stCondLst>
                                         </p:cTn>
                                         <p:tgtEl>
-                                          <p:spTgt spid="6"/>
+                                          <p:spTgt spid="10"/>
                                         </p:tgtEl>
                                         <p:attrNameLst>
                                           <p:attrName>style.visibility</p:attrName>
@@ -24505,7 +26696,7 @@
                                       <p:cBhvr>
                                         <p:cTn id="17" dur="500"/>
                                         <p:tgtEl>
-                                          <p:spTgt spid="6"/>
+                                          <p:spTgt spid="10"/>
                                         </p:tgtEl>
                                       </p:cBhvr>
                                     </p:animEffect>
@@ -24544,6 +26735,218 @@
                                           </p:stCondLst>
                                         </p:cTn>
                                         <p:tgtEl>
+                                          <p:spTgt spid="11"/>
+                                        </p:tgtEl>
+                                        <p:attrNameLst>
+                                          <p:attrName>style.visibility</p:attrName>
+                                        </p:attrNameLst>
+                                      </p:cBhvr>
+                                      <p:to>
+                                        <p:strVal val="visible"/>
+                                      </p:to>
+                                    </p:set>
+                                    <p:animEffect transition="in" filter="fade">
+                                      <p:cBhvr>
+                                        <p:cTn id="22" dur="500"/>
+                                        <p:tgtEl>
+                                          <p:spTgt spid="11"/>
+                                        </p:tgtEl>
+                                      </p:cBhvr>
+                                    </p:animEffect>
+                                  </p:childTnLst>
+                                </p:cTn>
+                              </p:par>
+                            </p:childTnLst>
+                          </p:cTn>
+                        </p:par>
+                      </p:childTnLst>
+                    </p:cTn>
+                  </p:par>
+                  <p:par>
+                    <p:cTn id="23" fill="hold">
+                      <p:stCondLst>
+                        <p:cond delay="indefinite"/>
+                      </p:stCondLst>
+                      <p:childTnLst>
+                        <p:par>
+                          <p:cTn id="24" fill="hold">
+                            <p:stCondLst>
+                              <p:cond delay="0"/>
+                            </p:stCondLst>
+                            <p:childTnLst>
+                              <p:par>
+                                <p:cTn id="25" presetID="10" presetClass="entr" presetSubtype="0" fill="hold" grpId="0" nodeType="clickEffect">
+                                  <p:stCondLst>
+                                    <p:cond delay="0"/>
+                                  </p:stCondLst>
+                                  <p:childTnLst>
+                                    <p:set>
+                                      <p:cBhvr>
+                                        <p:cTn id="26" dur="1" fill="hold">
+                                          <p:stCondLst>
+                                            <p:cond delay="0"/>
+                                          </p:stCondLst>
+                                        </p:cTn>
+                                        <p:tgtEl>
+                                          <p:spTgt spid="4"/>
+                                        </p:tgtEl>
+                                        <p:attrNameLst>
+                                          <p:attrName>style.visibility</p:attrName>
+                                        </p:attrNameLst>
+                                      </p:cBhvr>
+                                      <p:to>
+                                        <p:strVal val="visible"/>
+                                      </p:to>
+                                    </p:set>
+                                    <p:animEffect transition="in" filter="fade">
+                                      <p:cBhvr>
+                                        <p:cTn id="27" dur="500"/>
+                                        <p:tgtEl>
+                                          <p:spTgt spid="4"/>
+                                        </p:tgtEl>
+                                      </p:cBhvr>
+                                    </p:animEffect>
+                                  </p:childTnLst>
+                                </p:cTn>
+                              </p:par>
+                            </p:childTnLst>
+                          </p:cTn>
+                        </p:par>
+                      </p:childTnLst>
+                    </p:cTn>
+                  </p:par>
+                  <p:par>
+                    <p:cTn id="28" fill="hold">
+                      <p:stCondLst>
+                        <p:cond delay="indefinite"/>
+                      </p:stCondLst>
+                      <p:childTnLst>
+                        <p:par>
+                          <p:cTn id="29" fill="hold">
+                            <p:stCondLst>
+                              <p:cond delay="0"/>
+                            </p:stCondLst>
+                            <p:childTnLst>
+                              <p:par>
+                                <p:cTn id="30" presetID="10" presetClass="entr" presetSubtype="0" fill="hold" grpId="0" nodeType="clickEffect">
+                                  <p:stCondLst>
+                                    <p:cond delay="0"/>
+                                  </p:stCondLst>
+                                  <p:childTnLst>
+                                    <p:set>
+                                      <p:cBhvr>
+                                        <p:cTn id="31" dur="1" fill="hold">
+                                          <p:stCondLst>
+                                            <p:cond delay="0"/>
+                                          </p:stCondLst>
+                                        </p:cTn>
+                                        <p:tgtEl>
+                                          <p:spTgt spid="5"/>
+                                        </p:tgtEl>
+                                        <p:attrNameLst>
+                                          <p:attrName>style.visibility</p:attrName>
+                                        </p:attrNameLst>
+                                      </p:cBhvr>
+                                      <p:to>
+                                        <p:strVal val="visible"/>
+                                      </p:to>
+                                    </p:set>
+                                    <p:animEffect transition="in" filter="fade">
+                                      <p:cBhvr>
+                                        <p:cTn id="32" dur="500"/>
+                                        <p:tgtEl>
+                                          <p:spTgt spid="5"/>
+                                        </p:tgtEl>
+                                      </p:cBhvr>
+                                    </p:animEffect>
+                                  </p:childTnLst>
+                                </p:cTn>
+                              </p:par>
+                            </p:childTnLst>
+                          </p:cTn>
+                        </p:par>
+                      </p:childTnLst>
+                    </p:cTn>
+                  </p:par>
+                  <p:par>
+                    <p:cTn id="33" fill="hold">
+                      <p:stCondLst>
+                        <p:cond delay="indefinite"/>
+                      </p:stCondLst>
+                      <p:childTnLst>
+                        <p:par>
+                          <p:cTn id="34" fill="hold">
+                            <p:stCondLst>
+                              <p:cond delay="0"/>
+                            </p:stCondLst>
+                            <p:childTnLst>
+                              <p:par>
+                                <p:cTn id="35" presetID="10" presetClass="entr" presetSubtype="0" fill="hold" grpId="0" nodeType="clickEffect">
+                                  <p:stCondLst>
+                                    <p:cond delay="0"/>
+                                  </p:stCondLst>
+                                  <p:childTnLst>
+                                    <p:set>
+                                      <p:cBhvr>
+                                        <p:cTn id="36" dur="1" fill="hold">
+                                          <p:stCondLst>
+                                            <p:cond delay="0"/>
+                                          </p:stCondLst>
+                                        </p:cTn>
+                                        <p:tgtEl>
+                                          <p:spTgt spid="6"/>
+                                        </p:tgtEl>
+                                        <p:attrNameLst>
+                                          <p:attrName>style.visibility</p:attrName>
+                                        </p:attrNameLst>
+                                      </p:cBhvr>
+                                      <p:to>
+                                        <p:strVal val="visible"/>
+                                      </p:to>
+                                    </p:set>
+                                    <p:animEffect transition="in" filter="fade">
+                                      <p:cBhvr>
+                                        <p:cTn id="37" dur="500"/>
+                                        <p:tgtEl>
+                                          <p:spTgt spid="6"/>
+                                        </p:tgtEl>
+                                      </p:cBhvr>
+                                    </p:animEffect>
+                                  </p:childTnLst>
+                                </p:cTn>
+                              </p:par>
+                            </p:childTnLst>
+                          </p:cTn>
+                        </p:par>
+                      </p:childTnLst>
+                    </p:cTn>
+                  </p:par>
+                  <p:par>
+                    <p:cTn id="38" fill="hold">
+                      <p:stCondLst>
+                        <p:cond delay="indefinite"/>
+                      </p:stCondLst>
+                      <p:childTnLst>
+                        <p:par>
+                          <p:cTn id="39" fill="hold">
+                            <p:stCondLst>
+                              <p:cond delay="0"/>
+                            </p:stCondLst>
+                            <p:childTnLst>
+                              <p:par>
+                                <p:cTn id="40" presetID="10" presetClass="entr" presetSubtype="0" fill="hold" grpId="0" nodeType="clickEffect">
+                                  <p:stCondLst>
+                                    <p:cond delay="0"/>
+                                  </p:stCondLst>
+                                  <p:childTnLst>
+                                    <p:set>
+                                      <p:cBhvr>
+                                        <p:cTn id="41" dur="1" fill="hold">
+                                          <p:stCondLst>
+                                            <p:cond delay="0"/>
+                                          </p:stCondLst>
+                                        </p:cTn>
+                                        <p:tgtEl>
                                           <p:spTgt spid="7"/>
                                         </p:tgtEl>
                                         <p:attrNameLst>
@@ -24556,7 +26959,7 @@
                                     </p:set>
                                     <p:animEffect transition="in" filter="fade">
                                       <p:cBhvr>
-                                        <p:cTn id="22" dur="500"/>
+                                        <p:cTn id="42" dur="500"/>
                                         <p:tgtEl>
                                           <p:spTgt spid="7"/>
                                         </p:tgtEl>
@@ -24597,12 +27000,16 @@
       <p:bldP spid="5" grpId="0" animBg="1"/>
       <p:bldP spid="6" grpId="0" animBg="1"/>
       <p:bldP spid="7" grpId="0" animBg="1"/>
+      <p:bldP spid="8" grpId="0" animBg="1"/>
+      <p:bldP spid="9" grpId="0" animBg="1"/>
+      <p:bldP spid="10" grpId="0" animBg="1"/>
+      <p:bldP spid="11" grpId="0" animBg="1"/>
     </p:bldLst>
   </p:timing>
 </p:sld>
 </file>
 
-<file path=ppt/slides/slide3.xml><?xml version="1.0" encoding="utf-8"?>
+<file path=ppt/slides/slide33.xml><?xml version="1.0" encoding="utf-8"?>
 <p:sld xmlns:a="http://schemas.openxmlformats.org/drawingml/2006/main" xmlns:r="http://schemas.openxmlformats.org/officeDocument/2006/relationships" xmlns:p="http://schemas.openxmlformats.org/presentationml/2006/main">
   <p:cSld>
     <p:spTree>
@@ -24636,7 +27043,7 @@
           <a:p>
             <a:r>
               <a:rPr lang="zh-CN" altLang="en-US" dirty="0"/>
-              <a:t>程序设计概述</a:t>
+              <a:t>另一个例子</a:t>
             </a:r>
           </a:p>
         </p:txBody>
@@ -24658,7 +27065,7 @@
           <a:p>
             <a:r>
               <a:rPr lang="zh-CN" altLang="en-US" dirty="0"/>
-              <a:t>一</a:t>
+              <a:t>五</a:t>
             </a:r>
           </a:p>
         </p:txBody>
@@ -24666,7 +27073,7 @@
     </p:spTree>
     <p:extLst>
       <p:ext uri="{BB962C8B-B14F-4D97-AF65-F5344CB8AC3E}">
-        <p14:creationId xmlns:p14="http://schemas.microsoft.com/office/powerpoint/2010/main" val="3992022755"/>
+        <p14:creationId xmlns:p14="http://schemas.microsoft.com/office/powerpoint/2010/main" val="4095015938"/>
       </p:ext>
     </p:extLst>
   </p:cSld>
@@ -24676,7 +27083,481 @@
 </p:sld>
 </file>
 
-<file path=ppt/slides/slide30.xml><?xml version="1.0" encoding="utf-8"?>
+<file path=ppt/slides/slide34.xml><?xml version="1.0" encoding="utf-8"?>
+<p:sld xmlns:a="http://schemas.openxmlformats.org/drawingml/2006/main" xmlns:r="http://schemas.openxmlformats.org/officeDocument/2006/relationships" xmlns:p="http://schemas.openxmlformats.org/presentationml/2006/main">
+  <p:cSld>
+    <p:spTree>
+      <p:nvGrpSpPr>
+        <p:cNvPr id="1" name=""/>
+        <p:cNvGrpSpPr/>
+        <p:nvPr/>
+      </p:nvGrpSpPr>
+      <p:grpSpPr>
+        <a:xfrm>
+          <a:off x="0" y="0"/>
+          <a:ext cx="0" cy="0"/>
+          <a:chOff x="0" y="0"/>
+          <a:chExt cx="0" cy="0"/>
+        </a:xfrm>
+      </p:grpSpPr>
+      <p:sp>
+        <p:nvSpPr>
+          <p:cNvPr id="2" name="内容占位符 1">
+            <a:extLst>
+              <a:ext uri="{FF2B5EF4-FFF2-40B4-BE49-F238E27FC236}">
+                <a16:creationId xmlns:a16="http://schemas.microsoft.com/office/drawing/2014/main" id="{61A036B0-FEE5-4C8F-AD10-672BA70B298A}"/>
+              </a:ext>
+            </a:extLst>
+          </p:cNvPr>
+          <p:cNvSpPr>
+            <a:spLocks noGrp="1"/>
+          </p:cNvSpPr>
+          <p:nvPr>
+            <p:ph idx="1"/>
+          </p:nvPr>
+        </p:nvSpPr>
+        <p:spPr>
+          <a:xfrm>
+            <a:off x="628650" y="785614"/>
+            <a:ext cx="7886700" cy="717962"/>
+          </a:xfrm>
+        </p:spPr>
+        <p:txBody>
+          <a:bodyPr/>
+          <a:lstStyle/>
+          <a:p>
+            <a:r>
+              <a:rPr lang="zh-CN" altLang="en-US" dirty="0"/>
+              <a:t>用户输入他的考试成绩，输出是否及格</a:t>
+            </a:r>
+          </a:p>
+        </p:txBody>
+      </p:sp>
+      <p:sp>
+        <p:nvSpPr>
+          <p:cNvPr id="3" name="灯片编号占位符 2">
+            <a:extLst>
+              <a:ext uri="{FF2B5EF4-FFF2-40B4-BE49-F238E27FC236}">
+                <a16:creationId xmlns:a16="http://schemas.microsoft.com/office/drawing/2014/main" id="{26F5207E-A0E0-48D4-A3AD-0513EDA4EB31}"/>
+              </a:ext>
+            </a:extLst>
+          </p:cNvPr>
+          <p:cNvSpPr>
+            <a:spLocks noGrp="1"/>
+          </p:cNvSpPr>
+          <p:nvPr>
+            <p:ph type="sldNum" sz="quarter" idx="12"/>
+          </p:nvPr>
+        </p:nvSpPr>
+        <p:spPr/>
+        <p:txBody>
+          <a:bodyPr/>
+          <a:lstStyle/>
+          <a:p>
+            <a:fld id="{62CDD4FC-8CC6-422A-BB5C-9AD3EF3AE163}" type="slidenum">
+              <a:rPr lang="zh-CN" altLang="en-US" smtClean="0"/>
+              <a:pPr/>
+              <a:t>34</a:t>
+            </a:fld>
+            <a:endParaRPr lang="zh-CN" altLang="en-US" dirty="0"/>
+          </a:p>
+        </p:txBody>
+      </p:sp>
+      <p:sp>
+        <p:nvSpPr>
+          <p:cNvPr id="4" name="矩形 3">
+            <a:extLst>
+              <a:ext uri="{FF2B5EF4-FFF2-40B4-BE49-F238E27FC236}">
+                <a16:creationId xmlns:a16="http://schemas.microsoft.com/office/drawing/2014/main" id="{048EBBBE-5816-4012-A551-6CB5012FEBD0}"/>
+              </a:ext>
+            </a:extLst>
+          </p:cNvPr>
+          <p:cNvSpPr/>
+          <p:nvPr/>
+        </p:nvSpPr>
+        <p:spPr>
+          <a:xfrm>
+            <a:off x="2121031" y="2184192"/>
+            <a:ext cx="5015060" cy="2124364"/>
+          </a:xfrm>
+          <a:prstGeom prst="rect">
+            <a:avLst/>
+          </a:prstGeom>
+        </p:spPr>
+        <p:style>
+          <a:lnRef idx="2">
+            <a:schemeClr val="dk1"/>
+          </a:lnRef>
+          <a:fillRef idx="1">
+            <a:schemeClr val="lt1"/>
+          </a:fillRef>
+          <a:effectRef idx="0">
+            <a:schemeClr val="dk1"/>
+          </a:effectRef>
+          <a:fontRef idx="minor">
+            <a:schemeClr val="dk1"/>
+          </a:fontRef>
+        </p:style>
+        <p:txBody>
+          <a:bodyPr wrap="square">
+            <a:spAutoFit/>
+          </a:bodyPr>
+          <a:lstStyle/>
+          <a:p>
+            <a:pPr>
+              <a:lnSpc>
+                <a:spcPct val="150000"/>
+              </a:lnSpc>
+            </a:pPr>
+            <a:r>
+              <a:rPr lang="en-US" altLang="zh-CN" dirty="0">
+                <a:solidFill>
+                  <a:srgbClr val="403F53"/>
+                </a:solidFill>
+                <a:latin typeface="Consolas" panose="020B0609020204030204" pitchFamily="49" charset="0"/>
+              </a:rPr>
+              <a:t>score </a:t>
+            </a:r>
+            <a:r>
+              <a:rPr lang="en-US" altLang="zh-CN" dirty="0">
+                <a:solidFill>
+                  <a:srgbClr val="994CC3"/>
+                </a:solidFill>
+                <a:latin typeface="Consolas" panose="020B0609020204030204" pitchFamily="49" charset="0"/>
+              </a:rPr>
+              <a:t>=</a:t>
+            </a:r>
+            <a:r>
+              <a:rPr lang="en-US" altLang="zh-CN" dirty="0">
+                <a:solidFill>
+                  <a:srgbClr val="403F53"/>
+                </a:solidFill>
+                <a:latin typeface="Consolas" panose="020B0609020204030204" pitchFamily="49" charset="0"/>
+              </a:rPr>
+              <a:t> </a:t>
+            </a:r>
+            <a:r>
+              <a:rPr lang="en-US" altLang="zh-CN" dirty="0">
+                <a:solidFill>
+                  <a:srgbClr val="4876D6"/>
+                </a:solidFill>
+                <a:latin typeface="Consolas" panose="020B0609020204030204" pitchFamily="49" charset="0"/>
+              </a:rPr>
+              <a:t>int</a:t>
+            </a:r>
+            <a:r>
+              <a:rPr lang="en-US" altLang="zh-CN" dirty="0">
+                <a:solidFill>
+                  <a:srgbClr val="403F53"/>
+                </a:solidFill>
+                <a:latin typeface="Consolas" panose="020B0609020204030204" pitchFamily="49" charset="0"/>
+              </a:rPr>
+              <a:t>(</a:t>
+            </a:r>
+            <a:r>
+              <a:rPr lang="en-US" altLang="zh-CN" dirty="0">
+                <a:solidFill>
+                  <a:srgbClr val="4876D6"/>
+                </a:solidFill>
+                <a:latin typeface="Consolas" panose="020B0609020204030204" pitchFamily="49" charset="0"/>
+              </a:rPr>
+              <a:t>input</a:t>
+            </a:r>
+            <a:r>
+              <a:rPr lang="en-US" altLang="zh-CN" dirty="0">
+                <a:solidFill>
+                  <a:srgbClr val="403F53"/>
+                </a:solidFill>
+                <a:latin typeface="Consolas" panose="020B0609020204030204" pitchFamily="49" charset="0"/>
+              </a:rPr>
+              <a:t>(</a:t>
+            </a:r>
+            <a:r>
+              <a:rPr lang="en-US" altLang="zh-CN" dirty="0">
+                <a:solidFill>
+                  <a:srgbClr val="111111"/>
+                </a:solidFill>
+                <a:latin typeface="Consolas" panose="020B0609020204030204" pitchFamily="49" charset="0"/>
+              </a:rPr>
+              <a:t>"</a:t>
+            </a:r>
+            <a:r>
+              <a:rPr lang="zh-CN" altLang="en-US" dirty="0">
+                <a:solidFill>
+                  <a:srgbClr val="C96765"/>
+                </a:solidFill>
+                <a:latin typeface="Consolas" panose="020B0609020204030204" pitchFamily="49" charset="0"/>
+              </a:rPr>
+              <a:t>请输入你的成绩：</a:t>
+            </a:r>
+            <a:r>
+              <a:rPr lang="en-US" altLang="zh-CN" dirty="0">
+                <a:solidFill>
+                  <a:srgbClr val="111111"/>
+                </a:solidFill>
+                <a:latin typeface="Consolas" panose="020B0609020204030204" pitchFamily="49" charset="0"/>
+              </a:rPr>
+              <a:t>"</a:t>
+            </a:r>
+            <a:r>
+              <a:rPr lang="en-US" altLang="zh-CN" dirty="0">
+                <a:solidFill>
+                  <a:srgbClr val="403F53"/>
+                </a:solidFill>
+                <a:latin typeface="Consolas" panose="020B0609020204030204" pitchFamily="49" charset="0"/>
+              </a:rPr>
+              <a:t>))</a:t>
+            </a:r>
+          </a:p>
+          <a:p>
+            <a:pPr>
+              <a:lnSpc>
+                <a:spcPct val="150000"/>
+              </a:lnSpc>
+            </a:pPr>
+            <a:r>
+              <a:rPr lang="en-US" altLang="zh-CN" i="1" dirty="0">
+                <a:solidFill>
+                  <a:srgbClr val="994CC3"/>
+                </a:solidFill>
+                <a:latin typeface="Consolas" panose="020B0609020204030204" pitchFamily="49" charset="0"/>
+              </a:rPr>
+              <a:t>if</a:t>
+            </a:r>
+            <a:r>
+              <a:rPr lang="en-US" altLang="zh-CN" dirty="0">
+                <a:solidFill>
+                  <a:srgbClr val="403F53"/>
+                </a:solidFill>
+                <a:latin typeface="Consolas" panose="020B0609020204030204" pitchFamily="49" charset="0"/>
+              </a:rPr>
+              <a:t> score </a:t>
+            </a:r>
+            <a:r>
+              <a:rPr lang="en-US" altLang="zh-CN" dirty="0">
+                <a:solidFill>
+                  <a:srgbClr val="994CC3"/>
+                </a:solidFill>
+                <a:latin typeface="Consolas" panose="020B0609020204030204" pitchFamily="49" charset="0"/>
+              </a:rPr>
+              <a:t>&lt;</a:t>
+            </a:r>
+            <a:r>
+              <a:rPr lang="en-US" altLang="zh-CN" dirty="0">
+                <a:solidFill>
+                  <a:srgbClr val="403F53"/>
+                </a:solidFill>
+                <a:latin typeface="Consolas" panose="020B0609020204030204" pitchFamily="49" charset="0"/>
+              </a:rPr>
+              <a:t> </a:t>
+            </a:r>
+            <a:r>
+              <a:rPr lang="en-US" altLang="zh-CN" dirty="0">
+                <a:solidFill>
+                  <a:srgbClr val="AA0982"/>
+                </a:solidFill>
+                <a:latin typeface="Consolas" panose="020B0609020204030204" pitchFamily="49" charset="0"/>
+              </a:rPr>
+              <a:t>60</a:t>
+            </a:r>
+            <a:r>
+              <a:rPr lang="en-US" altLang="zh-CN" dirty="0">
+                <a:solidFill>
+                  <a:srgbClr val="403F53"/>
+                </a:solidFill>
+                <a:latin typeface="Consolas" panose="020B0609020204030204" pitchFamily="49" charset="0"/>
+              </a:rPr>
+              <a:t>:</a:t>
+            </a:r>
+          </a:p>
+          <a:p>
+            <a:pPr>
+              <a:lnSpc>
+                <a:spcPct val="150000"/>
+              </a:lnSpc>
+            </a:pPr>
+            <a:r>
+              <a:rPr lang="en-US" altLang="zh-CN" dirty="0">
+                <a:solidFill>
+                  <a:srgbClr val="403F53"/>
+                </a:solidFill>
+                <a:latin typeface="Consolas" panose="020B0609020204030204" pitchFamily="49" charset="0"/>
+              </a:rPr>
+              <a:t>    </a:t>
+            </a:r>
+            <a:r>
+              <a:rPr lang="en-US" altLang="zh-CN" dirty="0">
+                <a:solidFill>
+                  <a:srgbClr val="4876D6"/>
+                </a:solidFill>
+                <a:latin typeface="Consolas" panose="020B0609020204030204" pitchFamily="49" charset="0"/>
+              </a:rPr>
+              <a:t>print</a:t>
+            </a:r>
+            <a:r>
+              <a:rPr lang="en-US" altLang="zh-CN" dirty="0">
+                <a:solidFill>
+                  <a:srgbClr val="403F53"/>
+                </a:solidFill>
+                <a:latin typeface="Consolas" panose="020B0609020204030204" pitchFamily="49" charset="0"/>
+              </a:rPr>
+              <a:t>(</a:t>
+            </a:r>
+            <a:r>
+              <a:rPr lang="en-US" altLang="zh-CN" dirty="0">
+                <a:solidFill>
+                  <a:srgbClr val="111111"/>
+                </a:solidFill>
+                <a:latin typeface="Consolas" panose="020B0609020204030204" pitchFamily="49" charset="0"/>
+              </a:rPr>
+              <a:t>"</a:t>
+            </a:r>
+            <a:r>
+              <a:rPr lang="zh-CN" altLang="en-US" dirty="0">
+                <a:solidFill>
+                  <a:srgbClr val="C96765"/>
+                </a:solidFill>
+                <a:latin typeface="Consolas" panose="020B0609020204030204" pitchFamily="49" charset="0"/>
+              </a:rPr>
+              <a:t>不及格</a:t>
+            </a:r>
+            <a:r>
+              <a:rPr lang="en-US" altLang="zh-CN" dirty="0">
+                <a:solidFill>
+                  <a:srgbClr val="111111"/>
+                </a:solidFill>
+                <a:latin typeface="Consolas" panose="020B0609020204030204" pitchFamily="49" charset="0"/>
+              </a:rPr>
+              <a:t>"</a:t>
+            </a:r>
+            <a:r>
+              <a:rPr lang="en-US" altLang="zh-CN" dirty="0">
+                <a:solidFill>
+                  <a:srgbClr val="403F53"/>
+                </a:solidFill>
+                <a:latin typeface="Consolas" panose="020B0609020204030204" pitchFamily="49" charset="0"/>
+              </a:rPr>
+              <a:t>)</a:t>
+            </a:r>
+          </a:p>
+          <a:p>
+            <a:pPr>
+              <a:lnSpc>
+                <a:spcPct val="150000"/>
+              </a:lnSpc>
+            </a:pPr>
+            <a:r>
+              <a:rPr lang="en-US" altLang="zh-CN" i="1" dirty="0">
+                <a:solidFill>
+                  <a:srgbClr val="994CC3"/>
+                </a:solidFill>
+                <a:latin typeface="Consolas" panose="020B0609020204030204" pitchFamily="49" charset="0"/>
+              </a:rPr>
+              <a:t>else</a:t>
+            </a:r>
+            <a:r>
+              <a:rPr lang="en-US" altLang="zh-CN" dirty="0">
+                <a:solidFill>
+                  <a:srgbClr val="403F53"/>
+                </a:solidFill>
+                <a:latin typeface="Consolas" panose="020B0609020204030204" pitchFamily="49" charset="0"/>
+              </a:rPr>
+              <a:t>:</a:t>
+            </a:r>
+          </a:p>
+          <a:p>
+            <a:pPr>
+              <a:lnSpc>
+                <a:spcPct val="150000"/>
+              </a:lnSpc>
+            </a:pPr>
+            <a:r>
+              <a:rPr lang="en-US" altLang="zh-CN" dirty="0">
+                <a:solidFill>
+                  <a:srgbClr val="403F53"/>
+                </a:solidFill>
+                <a:latin typeface="Consolas" panose="020B0609020204030204" pitchFamily="49" charset="0"/>
+              </a:rPr>
+              <a:t>    </a:t>
+            </a:r>
+            <a:r>
+              <a:rPr lang="en-US" altLang="zh-CN" dirty="0">
+                <a:solidFill>
+                  <a:srgbClr val="4876D6"/>
+                </a:solidFill>
+                <a:latin typeface="Consolas" panose="020B0609020204030204" pitchFamily="49" charset="0"/>
+              </a:rPr>
+              <a:t>print</a:t>
+            </a:r>
+            <a:r>
+              <a:rPr lang="en-US" altLang="zh-CN" dirty="0">
+                <a:solidFill>
+                  <a:srgbClr val="403F53"/>
+                </a:solidFill>
+                <a:latin typeface="Consolas" panose="020B0609020204030204" pitchFamily="49" charset="0"/>
+              </a:rPr>
+              <a:t>(</a:t>
+            </a:r>
+            <a:r>
+              <a:rPr lang="en-US" altLang="zh-CN" dirty="0">
+                <a:solidFill>
+                  <a:srgbClr val="111111"/>
+                </a:solidFill>
+                <a:latin typeface="Consolas" panose="020B0609020204030204" pitchFamily="49" charset="0"/>
+              </a:rPr>
+              <a:t>"</a:t>
+            </a:r>
+            <a:r>
+              <a:rPr lang="zh-CN" altLang="en-US" dirty="0">
+                <a:solidFill>
+                  <a:srgbClr val="C96765"/>
+                </a:solidFill>
+                <a:latin typeface="Consolas" panose="020B0609020204030204" pitchFamily="49" charset="0"/>
+              </a:rPr>
+              <a:t>及格</a:t>
+            </a:r>
+            <a:r>
+              <a:rPr lang="en-US" altLang="zh-CN" dirty="0">
+                <a:solidFill>
+                  <a:srgbClr val="111111"/>
+                </a:solidFill>
+                <a:latin typeface="Consolas" panose="020B0609020204030204" pitchFamily="49" charset="0"/>
+              </a:rPr>
+              <a:t>"</a:t>
+            </a:r>
+            <a:r>
+              <a:rPr lang="en-US" altLang="zh-CN" dirty="0">
+                <a:solidFill>
+                  <a:srgbClr val="403F53"/>
+                </a:solidFill>
+                <a:latin typeface="Consolas" panose="020B0609020204030204" pitchFamily="49" charset="0"/>
+              </a:rPr>
+              <a:t>)</a:t>
+            </a:r>
+            <a:endParaRPr lang="en-US" altLang="zh-CN" b="0" dirty="0">
+              <a:solidFill>
+                <a:srgbClr val="403F53"/>
+              </a:solidFill>
+              <a:effectLst/>
+              <a:latin typeface="Consolas" panose="020B0609020204030204" pitchFamily="49" charset="0"/>
+            </a:endParaRPr>
+          </a:p>
+        </p:txBody>
+      </p:sp>
+    </p:spTree>
+    <p:extLst>
+      <p:ext uri="{BB962C8B-B14F-4D97-AF65-F5344CB8AC3E}">
+        <p14:creationId xmlns:p14="http://schemas.microsoft.com/office/powerpoint/2010/main" val="1918666141"/>
+      </p:ext>
+    </p:extLst>
+  </p:cSld>
+  <p:clrMapOvr>
+    <a:masterClrMapping/>
+  </p:clrMapOvr>
+</p:sld>
+</file>
+
+<file path=ppt/slides/slide35.xml><?xml version="1.0" encoding="utf-8"?>
 <p:sld xmlns:a="http://schemas.openxmlformats.org/drawingml/2006/main" xmlns:r="http://schemas.openxmlformats.org/officeDocument/2006/relationships" xmlns:p="http://schemas.openxmlformats.org/presentationml/2006/main">
   <p:cSld>
     <p:spTree>
@@ -24747,7 +27628,7 @@
         <p:spPr>
           <a:xfrm>
             <a:off x="2869149" y="960762"/>
-            <a:ext cx="5981550" cy="4496937"/>
+            <a:ext cx="5981550" cy="5235600"/>
           </a:xfrm>
           <a:prstGeom prst="rect">
             <a:avLst/>
@@ -24782,12 +27663,8 @@
               <a:buAutoNum type="arabicPeriod"/>
             </a:pPr>
             <a:r>
-              <a:rPr lang="en-US" altLang="zh-CN" sz="2000" dirty="0"/>
-              <a:t>Python</a:t>
-            </a:r>
-            <a:r>
               <a:rPr lang="zh-CN" altLang="en-US" sz="2000" dirty="0"/>
-              <a:t>文件的执行方式：交互式和文件式</a:t>
+              <a:t>计算和算法的概念，算法的特征和三个基本结构</a:t>
             </a:r>
             <a:endParaRPr lang="en-US" altLang="zh-CN" sz="2000" dirty="0"/>
           </a:p>
@@ -24801,7 +27678,7 @@
             </a:pPr>
             <a:r>
               <a:rPr lang="zh-CN" altLang="en-US" sz="2000" dirty="0"/>
-              <a:t>缩进表示的程序框架</a:t>
+              <a:t>注释</a:t>
             </a:r>
             <a:endParaRPr lang="en-US" altLang="zh-CN" sz="2000" dirty="0"/>
           </a:p>
@@ -24815,7 +27692,7 @@
             </a:pPr>
             <a:r>
               <a:rPr lang="zh-CN" altLang="en-US" sz="2000" dirty="0"/>
-              <a:t>注释</a:t>
+              <a:t>缩进表示的程序框架</a:t>
             </a:r>
             <a:endParaRPr lang="en-US" altLang="zh-CN" sz="2000" dirty="0"/>
           </a:p>
@@ -24829,7 +27706,39 @@
             </a:pPr>
             <a:r>
               <a:rPr lang="zh-CN" altLang="en-US" sz="2000" dirty="0"/>
-              <a:t>变量的概念，变量名的要求，关键字</a:t>
+              <a:t>变量的概念，变量名的要求</a:t>
+            </a:r>
+            <a:endParaRPr lang="en-US" altLang="zh-CN" sz="2000" dirty="0"/>
+          </a:p>
+          <a:p>
+            <a:pPr marL="342900" indent="-342900">
+              <a:lnSpc>
+                <a:spcPct val="120000"/>
+              </a:lnSpc>
+              <a:buFont typeface="+mj-lt"/>
+              <a:buAutoNum type="arabicPeriod"/>
+            </a:pPr>
+            <a:r>
+              <a:rPr lang="zh-CN" altLang="en-US" sz="2000" dirty="0"/>
+              <a:t>关键字</a:t>
+            </a:r>
+            <a:endParaRPr lang="en-US" altLang="zh-CN" sz="2000" dirty="0"/>
+          </a:p>
+          <a:p>
+            <a:pPr marL="342900" indent="-342900">
+              <a:lnSpc>
+                <a:spcPct val="120000"/>
+              </a:lnSpc>
+              <a:buFont typeface="+mj-lt"/>
+              <a:buAutoNum type="arabicPeriod"/>
+            </a:pPr>
+            <a:r>
+              <a:rPr lang="en-US" altLang="zh-CN" sz="2000" dirty="0"/>
+              <a:t>if-else</a:t>
+            </a:r>
+            <a:r>
+              <a:rPr lang="zh-CN" altLang="en-US" sz="2000" dirty="0"/>
+              <a:t>语句</a:t>
             </a:r>
             <a:endParaRPr lang="en-US" altLang="zh-CN" sz="2000" dirty="0"/>
           </a:p>
@@ -24923,7 +27832,7 @@
 </p:sld>
 </file>
 
-<file path=ppt/slides/slide31.xml><?xml version="1.0" encoding="utf-8"?>
+<file path=ppt/slides/slide36.xml><?xml version="1.0" encoding="utf-8"?>
 <p:sld xmlns:a="http://schemas.openxmlformats.org/drawingml/2006/main" xmlns:r="http://schemas.openxmlformats.org/officeDocument/2006/relationships" xmlns:p="http://schemas.openxmlformats.org/presentationml/2006/main">
   <p:cSld>
     <p:spTree>
@@ -24952,8 +27861,8 @@
         </p:nvSpPr>
         <p:spPr>
           <a:xfrm>
-            <a:off x="2634692" y="473882"/>
-            <a:ext cx="6396507" cy="6307163"/>
+            <a:off x="2634692" y="1916183"/>
+            <a:ext cx="6396507" cy="1378485"/>
           </a:xfrm>
         </p:spPr>
         <p:txBody>
@@ -24964,277 +27873,22 @@
           <a:p>
             <a:pPr algn="l"/>
             <a:r>
-              <a:rPr lang="en-US" altLang="zh-CN" sz="1800" dirty="0"/>
-              <a:t>1.</a:t>
-            </a:r>
-            <a:r>
-              <a:rPr lang="zh-CN" altLang="en-US" sz="1800" dirty="0"/>
-              <a:t>以下哪些变量名是合法的，哪些不是？指出来。</a:t>
+              <a:rPr lang="zh-CN" altLang="en-US" sz="2800" dirty="0"/>
+              <a:t>请查阅课程主页上布置的作业</a:t>
             </a:r>
             <a:br>
-              <a:rPr lang="en-US" altLang="zh-CN" sz="1800" dirty="0"/>
+              <a:rPr lang="en-US" altLang="zh-CN" sz="2800" dirty="0"/>
             </a:br>
             <a:br>
-              <a:rPr lang="en-US" altLang="zh-CN" sz="1800" dirty="0"/>
+              <a:rPr lang="en-US" altLang="zh-CN" sz="2800" dirty="0"/>
             </a:br>
-            <a:br>
-              <a:rPr lang="en-US" altLang="zh-CN" sz="1800" dirty="0"/>
-            </a:br>
-            <a:br>
-              <a:rPr lang="en-US" altLang="zh-CN" sz="1800" dirty="0"/>
-            </a:br>
-            <a:br>
-              <a:rPr lang="en-US" altLang="zh-CN" sz="1800" dirty="0"/>
-            </a:br>
-            <a:r>
-              <a:rPr lang="en-US" altLang="zh-CN" sz="1800" dirty="0"/>
-              <a:t>2.</a:t>
-            </a:r>
-            <a:r>
-              <a:rPr lang="zh-CN" altLang="en-US" sz="1800" dirty="0"/>
-              <a:t>以下哪些是</a:t>
-            </a:r>
-            <a:r>
-              <a:rPr lang="en-US" altLang="zh-CN" sz="1800" dirty="0"/>
-              <a:t>Python</a:t>
-            </a:r>
-            <a:r>
-              <a:rPr lang="zh-CN" altLang="en-US" sz="1800" dirty="0"/>
-              <a:t>的关键字，哪些不是？指出来。</a:t>
-            </a:r>
-            <a:br>
-              <a:rPr lang="en-US" altLang="zh-CN" sz="1800" dirty="0"/>
-            </a:br>
-            <a:br>
-              <a:rPr lang="en-US" altLang="zh-CN" sz="1800" dirty="0"/>
-            </a:br>
-            <a:br>
-              <a:rPr lang="en-US" altLang="zh-CN" sz="1800" dirty="0"/>
-            </a:br>
-            <a:br>
-              <a:rPr lang="en-US" altLang="zh-CN" sz="1800" dirty="0"/>
-            </a:br>
-            <a:br>
-              <a:rPr lang="en-US" altLang="zh-CN" sz="1800" dirty="0"/>
-            </a:br>
-            <a:r>
-              <a:rPr lang="en-US" altLang="zh-CN" sz="1800" dirty="0"/>
-              <a:t>3.</a:t>
-            </a:r>
-            <a:r>
-              <a:rPr lang="zh-CN" altLang="en-US" sz="1800" dirty="0"/>
-              <a:t>用户输入圆的半径，计算并输出圆的周长和面积。</a:t>
-            </a:r>
-            <a:br>
-              <a:rPr lang="en-US" altLang="zh-CN" sz="1800" dirty="0"/>
-            </a:br>
-            <a:br>
-              <a:rPr lang="en-US" altLang="zh-CN" sz="1800" dirty="0"/>
-            </a:br>
-            <a:r>
-              <a:rPr lang="en-US" altLang="zh-CN" sz="1800" dirty="0"/>
-              <a:t>4.</a:t>
-            </a:r>
-            <a:r>
-              <a:rPr lang="zh-CN" altLang="en-US" sz="1800" dirty="0"/>
-              <a:t>用户输入一个年份，判断并输出某年是否为闰年。</a:t>
-            </a:r>
-            <a:br>
-              <a:rPr lang="zh-CN" altLang="en-US" sz="1800" dirty="0"/>
-            </a:br>
-            <a:r>
-              <a:rPr lang="zh-CN" altLang="en-US" sz="1800" dirty="0"/>
-              <a:t>  闰年的条件：</a:t>
-            </a:r>
-            <a:br>
-              <a:rPr lang="zh-CN" altLang="en-US" sz="1800" dirty="0"/>
-            </a:br>
-            <a:r>
-              <a:rPr lang="zh-CN" altLang="en-US" sz="1800" dirty="0"/>
-              <a:t>   </a:t>
-            </a:r>
-            <a:r>
-              <a:rPr lang="en-US" altLang="zh-CN" sz="1800" dirty="0"/>
-              <a:t>(1)</a:t>
-            </a:r>
-            <a:r>
-              <a:rPr lang="zh-CN" altLang="en-US" sz="1800" dirty="0"/>
-              <a:t>能被</a:t>
-            </a:r>
-            <a:r>
-              <a:rPr lang="en-US" altLang="zh-CN" sz="1800" dirty="0"/>
-              <a:t>4</a:t>
-            </a:r>
-            <a:r>
-              <a:rPr lang="zh-CN" altLang="en-US" sz="1800" dirty="0"/>
-              <a:t>整除，但是不能被</a:t>
-            </a:r>
-            <a:r>
-              <a:rPr lang="en-US" altLang="zh-CN" sz="1800" dirty="0"/>
-              <a:t>100</a:t>
-            </a:r>
-            <a:r>
-              <a:rPr lang="zh-CN" altLang="en-US" sz="1800" dirty="0"/>
-              <a:t>整除是闰年</a:t>
-            </a:r>
-            <a:br>
-              <a:rPr lang="zh-CN" altLang="en-US" sz="1800" dirty="0"/>
-            </a:br>
-            <a:r>
-              <a:rPr lang="zh-CN" altLang="en-US" sz="1800" dirty="0"/>
-              <a:t>   </a:t>
-            </a:r>
-            <a:r>
-              <a:rPr lang="en-US" altLang="zh-CN" sz="1800" dirty="0"/>
-              <a:t>(2)</a:t>
-            </a:r>
-            <a:r>
-              <a:rPr lang="zh-CN" altLang="en-US" sz="1800" dirty="0"/>
-              <a:t>能被</a:t>
-            </a:r>
-            <a:r>
-              <a:rPr lang="en-US" altLang="zh-CN" sz="1800" dirty="0"/>
-              <a:t>400</a:t>
-            </a:r>
-            <a:r>
-              <a:rPr lang="zh-CN" altLang="en-US" sz="1800" dirty="0"/>
-              <a:t>整除是闰年</a:t>
-            </a:r>
-            <a:br>
-              <a:rPr lang="zh-CN" altLang="en-US" sz="1800" dirty="0"/>
-            </a:br>
-            <a:r>
-              <a:rPr lang="zh-CN" altLang="en-US" sz="1800" dirty="0"/>
-              <a:t>提示：将闰年的条件写成布尔表达式，计算表达式的值，无需使用</a:t>
-            </a:r>
-            <a:r>
-              <a:rPr lang="en-US" altLang="zh-CN" sz="1800" dirty="0"/>
-              <a:t>if</a:t>
-            </a:r>
-            <a:r>
-              <a:rPr lang="zh-CN" altLang="en-US" sz="1800" dirty="0"/>
-              <a:t>语句。</a:t>
-            </a:r>
-            <a:br>
-              <a:rPr lang="zh-CN" altLang="en-US" sz="1800" dirty="0"/>
-            </a:br>
-            <a:br>
-              <a:rPr lang="en-US" altLang="zh-CN" sz="1800" dirty="0"/>
-            </a:br>
-            <a:r>
-              <a:rPr lang="en-US" altLang="zh-CN" sz="1800" dirty="0"/>
-              <a:t>5.</a:t>
-            </a:r>
-            <a:r>
-              <a:rPr lang="zh-CN" altLang="en-US" sz="1800" dirty="0"/>
-              <a:t>理论教材习题（</a:t>
-            </a:r>
-            <a:r>
-              <a:rPr lang="en-US" altLang="zh-CN" sz="1800" dirty="0"/>
-              <a:t>p49-p50</a:t>
-            </a:r>
-            <a:r>
-              <a:rPr lang="zh-CN" altLang="en-US" sz="1800" dirty="0"/>
-              <a:t>）题目</a:t>
-            </a:r>
-            <a:r>
-              <a:rPr lang="en-US" altLang="zh-CN" sz="1800" dirty="0"/>
-              <a:t>1</a:t>
-            </a:r>
-            <a:r>
-              <a:rPr lang="zh-CN" altLang="en-US" sz="1800" dirty="0"/>
-              <a:t>、</a:t>
-            </a:r>
-            <a:r>
-              <a:rPr lang="en-US" altLang="zh-CN" sz="1800" dirty="0"/>
-              <a:t>2</a:t>
-            </a:r>
-            <a:r>
-              <a:rPr lang="zh-CN" altLang="en-US" sz="1800" dirty="0"/>
-              <a:t>、</a:t>
-            </a:r>
-            <a:r>
-              <a:rPr lang="en-US" altLang="zh-CN" sz="1800" dirty="0"/>
-              <a:t>3</a:t>
-            </a:r>
-            <a:r>
-              <a:rPr lang="zh-CN" altLang="en-US" sz="1800" dirty="0"/>
-              <a:t>、</a:t>
-            </a:r>
-            <a:r>
-              <a:rPr lang="en-US" altLang="zh-CN" sz="1800" dirty="0"/>
-              <a:t>4</a:t>
-            </a:r>
-            <a:r>
-              <a:rPr lang="zh-CN" altLang="en-US" sz="1800" dirty="0"/>
-              <a:t>（理论题</a:t>
-            </a:r>
-            <a:r>
-              <a:rPr lang="en-US" altLang="zh-CN" sz="1800" dirty="0"/>
-              <a:t>4</a:t>
-            </a:r>
-            <a:r>
-              <a:rPr lang="zh-CN" altLang="en-US" sz="1800" dirty="0"/>
-              <a:t>中除法应为整除）</a:t>
-            </a:r>
-            <a:br>
-              <a:rPr lang="en-US" altLang="zh-CN" sz="1800" dirty="0"/>
-            </a:br>
-            <a:br>
-              <a:rPr lang="zh-CN" altLang="en-US" sz="1800" dirty="0"/>
-            </a:br>
-            <a:r>
-              <a:rPr lang="en-US" altLang="zh-CN" sz="1800" dirty="0"/>
-              <a:t>6.</a:t>
-            </a:r>
-            <a:r>
-              <a:rPr lang="zh-CN" altLang="en-US" sz="1800" dirty="0"/>
-              <a:t>实验教材（</a:t>
-            </a:r>
-            <a:r>
-              <a:rPr lang="en-US" altLang="zh-CN" sz="1800" dirty="0"/>
-              <a:t>p54-p55</a:t>
-            </a:r>
-            <a:r>
-              <a:rPr lang="zh-CN" altLang="en-US" sz="1800" dirty="0"/>
-              <a:t>）实验关卡</a:t>
-            </a:r>
-            <a:r>
-              <a:rPr lang="en-US" altLang="zh-CN" sz="1800" dirty="0"/>
-              <a:t>2-1</a:t>
-            </a:r>
-            <a:r>
-              <a:rPr lang="zh-CN" altLang="en-US" sz="1800" dirty="0"/>
-              <a:t>、实验关卡</a:t>
-            </a:r>
-            <a:r>
-              <a:rPr lang="en-US" altLang="zh-CN" sz="1800" dirty="0"/>
-              <a:t>2-3</a:t>
-            </a:r>
-            <a:r>
-              <a:rPr lang="zh-CN" altLang="en-US" sz="1800" dirty="0"/>
-              <a:t>（提示：实验关卡</a:t>
-            </a:r>
-            <a:r>
-              <a:rPr lang="en-US" altLang="zh-CN" sz="1800" dirty="0"/>
-              <a:t>2-3</a:t>
-            </a:r>
-            <a:r>
-              <a:rPr lang="zh-CN" altLang="en-US" sz="1800" dirty="0"/>
-              <a:t>需要使用</a:t>
-            </a:r>
-            <a:r>
-              <a:rPr lang="en-US" altLang="zh-CN" sz="1800" dirty="0"/>
-              <a:t>math</a:t>
-            </a:r>
-            <a:r>
-              <a:rPr lang="zh-CN" altLang="en-US" sz="1800" dirty="0"/>
-              <a:t>库，如何使用请阅读实验教材）</a:t>
-            </a:r>
-            <a:br>
-              <a:rPr lang="en-US" altLang="zh-CN" sz="1800" dirty="0"/>
-            </a:br>
-            <a:endParaRPr lang="zh-CN" altLang="en-US" sz="1800" dirty="0"/>
+            <a:r>
+              <a:rPr lang="en-US" altLang="zh-CN" sz="2800" dirty="0">
+                <a:hlinkClick r:id="rId2"/>
+              </a:rPr>
+              <a:t>https://gitee.com/nixius/fc</a:t>
+            </a:r>
+            <a:endParaRPr lang="zh-CN" altLang="en-US" sz="2800" dirty="0"/>
           </a:p>
         </p:txBody>
       </p:sp>
@@ -25260,2141 +27914,6 @@
           </a:p>
         </p:txBody>
       </p:sp>
-      <p:graphicFrame>
-        <p:nvGraphicFramePr>
-          <p:cNvPr id="8" name="表格 7">
-            <a:extLst>
-              <a:ext uri="{FF2B5EF4-FFF2-40B4-BE49-F238E27FC236}">
-                <a16:creationId xmlns:a16="http://schemas.microsoft.com/office/drawing/2014/main" id="{AD78960F-1A9D-4F6C-8FDB-0014060C386D}"/>
-              </a:ext>
-            </a:extLst>
-          </p:cNvPr>
-          <p:cNvGraphicFramePr>
-            <a:graphicFrameLocks noGrp="1"/>
-          </p:cNvGraphicFramePr>
-          <p:nvPr>
-            <p:extLst>
-              <p:ext uri="{D42A27DB-BD31-4B8C-83A1-F6EECF244321}">
-                <p14:modId xmlns:p14="http://schemas.microsoft.com/office/powerpoint/2010/main" val="1474107100"/>
-              </p:ext>
-            </p:extLst>
-          </p:nvPr>
-        </p:nvGraphicFramePr>
-        <p:xfrm>
-          <a:off x="3006120" y="844047"/>
-          <a:ext cx="5925492" cy="704850"/>
-        </p:xfrm>
-        <a:graphic>
-          <a:graphicData uri="http://schemas.openxmlformats.org/drawingml/2006/table">
-            <a:tbl>
-              <a:tblPr firstRow="1" firstCol="1" bandRow="1"/>
-              <a:tblGrid>
-                <a:gridCol w="1481373">
-                  <a:extLst>
-                    <a:ext uri="{9D8B030D-6E8A-4147-A177-3AD203B41FA5}">
-                      <a16:colId xmlns:a16="http://schemas.microsoft.com/office/drawing/2014/main" val="4039604089"/>
-                    </a:ext>
-                  </a:extLst>
-                </a:gridCol>
-                <a:gridCol w="1481373">
-                  <a:extLst>
-                    <a:ext uri="{9D8B030D-6E8A-4147-A177-3AD203B41FA5}">
-                      <a16:colId xmlns:a16="http://schemas.microsoft.com/office/drawing/2014/main" val="1231046100"/>
-                    </a:ext>
-                  </a:extLst>
-                </a:gridCol>
-                <a:gridCol w="1262959">
-                  <a:extLst>
-                    <a:ext uri="{9D8B030D-6E8A-4147-A177-3AD203B41FA5}">
-                      <a16:colId xmlns:a16="http://schemas.microsoft.com/office/drawing/2014/main" val="1926262885"/>
-                    </a:ext>
-                  </a:extLst>
-                </a:gridCol>
-                <a:gridCol w="1699787">
-                  <a:extLst>
-                    <a:ext uri="{9D8B030D-6E8A-4147-A177-3AD203B41FA5}">
-                      <a16:colId xmlns:a16="http://schemas.microsoft.com/office/drawing/2014/main" val="1128632798"/>
-                    </a:ext>
-                  </a:extLst>
-                </a:gridCol>
-              </a:tblGrid>
-              <a:tr h="0">
-                <a:tc>
-                  <a:txBody>
-                    <a:bodyPr/>
-                    <a:lstStyle/>
-                    <a:p>
-                      <a:pPr algn="ctr">
-                        <a:lnSpc>
-                          <a:spcPts val="1800"/>
-                        </a:lnSpc>
-                        <a:spcAft>
-                          <a:spcPts val="0"/>
-                        </a:spcAft>
-                      </a:pPr>
-                      <a:r>
-                        <a:rPr lang="en-US" sz="1600" kern="100">
-                          <a:effectLst/>
-                          <a:latin typeface="仿宋_GB2312" panose="02010609030101010101" pitchFamily="49" charset="-122"/>
-                          <a:ea typeface="仿宋_GB2312" panose="02010609030101010101" pitchFamily="49" charset="-122"/>
-                          <a:cs typeface="Times New Roman" panose="02020603050405020304" pitchFamily="18" charset="0"/>
-                        </a:rPr>
-                        <a:t>count </a:t>
-                      </a:r>
-                      <a:endParaRPr lang="zh-CN" sz="1600" kern="100">
-                        <a:effectLst/>
-                        <a:latin typeface="仿宋_GB2312" panose="02010609030101010101" pitchFamily="49" charset="-122"/>
-                        <a:ea typeface="仿宋_GB2312" panose="02010609030101010101" pitchFamily="49" charset="-122"/>
-                        <a:cs typeface="Times New Roman" panose="02020603050405020304" pitchFamily="18" charset="0"/>
-                      </a:endParaRPr>
-                    </a:p>
-                  </a:txBody>
-                  <a:tcPr marL="68580" marR="68580" marT="6350" marB="0">
-                    <a:lnL w="12700" cap="flat" cmpd="sng" algn="ctr">
-                      <a:solidFill>
-                        <a:srgbClr val="000000"/>
-                      </a:solidFill>
-                      <a:prstDash val="solid"/>
-                      <a:round/>
-                      <a:headEnd type="none" w="med" len="med"/>
-                      <a:tailEnd type="none" w="med" len="med"/>
-                    </a:lnL>
-                    <a:lnR w="12700" cap="flat" cmpd="sng" algn="ctr">
-                      <a:solidFill>
-                        <a:srgbClr val="000000"/>
-                      </a:solidFill>
-                      <a:prstDash val="solid"/>
-                      <a:round/>
-                      <a:headEnd type="none" w="med" len="med"/>
-                      <a:tailEnd type="none" w="med" len="med"/>
-                    </a:lnR>
-                    <a:lnT w="12700" cap="flat" cmpd="sng" algn="ctr">
-                      <a:solidFill>
-                        <a:srgbClr val="000000"/>
-                      </a:solidFill>
-                      <a:prstDash val="solid"/>
-                      <a:round/>
-                      <a:headEnd type="none" w="med" len="med"/>
-                      <a:tailEnd type="none" w="med" len="med"/>
-                    </a:lnT>
-                    <a:lnB w="12700" cap="flat" cmpd="sng" algn="ctr">
-                      <a:solidFill>
-                        <a:srgbClr val="000000"/>
-                      </a:solidFill>
-                      <a:prstDash val="solid"/>
-                      <a:round/>
-                      <a:headEnd type="none" w="med" len="med"/>
-                      <a:tailEnd type="none" w="med" len="med"/>
-                    </a:lnB>
-                    <a:solidFill>
-                      <a:schemeClr val="bg1"/>
-                    </a:solidFill>
-                  </a:tcPr>
-                </a:tc>
-                <a:tc>
-                  <a:txBody>
-                    <a:bodyPr/>
-                    <a:lstStyle/>
-                    <a:p>
-                      <a:pPr algn="ctr">
-                        <a:lnSpc>
-                          <a:spcPts val="1800"/>
-                        </a:lnSpc>
-                        <a:spcAft>
-                          <a:spcPts val="0"/>
-                        </a:spcAft>
-                      </a:pPr>
-                      <a:r>
-                        <a:rPr lang="en-US" sz="1600" kern="100">
-                          <a:effectLst/>
-                          <a:latin typeface="仿宋_GB2312" panose="02010609030101010101" pitchFamily="49" charset="-122"/>
-                          <a:ea typeface="仿宋_GB2312" panose="02010609030101010101" pitchFamily="49" charset="-122"/>
-                          <a:cs typeface="Times New Roman" panose="02020603050405020304" pitchFamily="18" charset="0"/>
-                        </a:rPr>
-                        <a:t>count3 </a:t>
-                      </a:r>
-                      <a:endParaRPr lang="zh-CN" sz="1600" kern="100">
-                        <a:effectLst/>
-                        <a:latin typeface="仿宋_GB2312" panose="02010609030101010101" pitchFamily="49" charset="-122"/>
-                        <a:ea typeface="仿宋_GB2312" panose="02010609030101010101" pitchFamily="49" charset="-122"/>
-                        <a:cs typeface="Times New Roman" panose="02020603050405020304" pitchFamily="18" charset="0"/>
-                      </a:endParaRPr>
-                    </a:p>
-                  </a:txBody>
-                  <a:tcPr marL="68580" marR="68580" marT="6350" marB="0">
-                    <a:lnL w="12700" cap="flat" cmpd="sng" algn="ctr">
-                      <a:solidFill>
-                        <a:srgbClr val="000000"/>
-                      </a:solidFill>
-                      <a:prstDash val="solid"/>
-                      <a:round/>
-                      <a:headEnd type="none" w="med" len="med"/>
-                      <a:tailEnd type="none" w="med" len="med"/>
-                    </a:lnL>
-                    <a:lnR w="12700" cap="flat" cmpd="sng" algn="ctr">
-                      <a:solidFill>
-                        <a:srgbClr val="000000"/>
-                      </a:solidFill>
-                      <a:prstDash val="solid"/>
-                      <a:round/>
-                      <a:headEnd type="none" w="med" len="med"/>
-                      <a:tailEnd type="none" w="med" len="med"/>
-                    </a:lnR>
-                    <a:lnT w="12700" cap="flat" cmpd="sng" algn="ctr">
-                      <a:solidFill>
-                        <a:srgbClr val="000000"/>
-                      </a:solidFill>
-                      <a:prstDash val="solid"/>
-                      <a:round/>
-                      <a:headEnd type="none" w="med" len="med"/>
-                      <a:tailEnd type="none" w="med" len="med"/>
-                    </a:lnT>
-                    <a:lnB w="12700" cap="flat" cmpd="sng" algn="ctr">
-                      <a:solidFill>
-                        <a:srgbClr val="000000"/>
-                      </a:solidFill>
-                      <a:prstDash val="solid"/>
-                      <a:round/>
-                      <a:headEnd type="none" w="med" len="med"/>
-                      <a:tailEnd type="none" w="med" len="med"/>
-                    </a:lnB>
-                    <a:solidFill>
-                      <a:schemeClr val="bg1"/>
-                    </a:solidFill>
-                  </a:tcPr>
-                </a:tc>
-                <a:tc>
-                  <a:txBody>
-                    <a:bodyPr/>
-                    <a:lstStyle/>
-                    <a:p>
-                      <a:pPr algn="ctr">
-                        <a:lnSpc>
-                          <a:spcPts val="1800"/>
-                        </a:lnSpc>
-                        <a:spcAft>
-                          <a:spcPts val="0"/>
-                        </a:spcAft>
-                      </a:pPr>
-                      <a:r>
-                        <a:rPr lang="en-US" sz="1600" kern="100">
-                          <a:effectLst/>
-                          <a:latin typeface="仿宋_GB2312" panose="02010609030101010101" pitchFamily="49" charset="-122"/>
-                          <a:ea typeface="仿宋_GB2312" panose="02010609030101010101" pitchFamily="49" charset="-122"/>
-                          <a:cs typeface="Times New Roman" panose="02020603050405020304" pitchFamily="18" charset="0"/>
-                        </a:rPr>
-                        <a:t>3count </a:t>
-                      </a:r>
-                      <a:endParaRPr lang="zh-CN" sz="1600" kern="100">
-                        <a:effectLst/>
-                        <a:latin typeface="仿宋_GB2312" panose="02010609030101010101" pitchFamily="49" charset="-122"/>
-                        <a:ea typeface="仿宋_GB2312" panose="02010609030101010101" pitchFamily="49" charset="-122"/>
-                        <a:cs typeface="Times New Roman" panose="02020603050405020304" pitchFamily="18" charset="0"/>
-                      </a:endParaRPr>
-                    </a:p>
-                  </a:txBody>
-                  <a:tcPr marL="68580" marR="68580" marT="6350" marB="0">
-                    <a:lnL w="12700" cap="flat" cmpd="sng" algn="ctr">
-                      <a:solidFill>
-                        <a:srgbClr val="000000"/>
-                      </a:solidFill>
-                      <a:prstDash val="solid"/>
-                      <a:round/>
-                      <a:headEnd type="none" w="med" len="med"/>
-                      <a:tailEnd type="none" w="med" len="med"/>
-                    </a:lnL>
-                    <a:lnR w="12700" cap="flat" cmpd="sng" algn="ctr">
-                      <a:solidFill>
-                        <a:srgbClr val="000000"/>
-                      </a:solidFill>
-                      <a:prstDash val="solid"/>
-                      <a:round/>
-                      <a:headEnd type="none" w="med" len="med"/>
-                      <a:tailEnd type="none" w="med" len="med"/>
-                    </a:lnR>
-                    <a:lnT w="12700" cap="flat" cmpd="sng" algn="ctr">
-                      <a:solidFill>
-                        <a:srgbClr val="000000"/>
-                      </a:solidFill>
-                      <a:prstDash val="solid"/>
-                      <a:round/>
-                      <a:headEnd type="none" w="med" len="med"/>
-                      <a:tailEnd type="none" w="med" len="med"/>
-                    </a:lnT>
-                    <a:lnB w="12700" cap="flat" cmpd="sng" algn="ctr">
-                      <a:solidFill>
-                        <a:srgbClr val="000000"/>
-                      </a:solidFill>
-                      <a:prstDash val="solid"/>
-                      <a:round/>
-                      <a:headEnd type="none" w="med" len="med"/>
-                      <a:tailEnd type="none" w="med" len="med"/>
-                    </a:lnB>
-                    <a:solidFill>
-                      <a:schemeClr val="bg1"/>
-                    </a:solidFill>
-                  </a:tcPr>
-                </a:tc>
-                <a:tc>
-                  <a:txBody>
-                    <a:bodyPr/>
-                    <a:lstStyle/>
-                    <a:p>
-                      <a:pPr algn="ctr">
-                        <a:lnSpc>
-                          <a:spcPts val="1800"/>
-                        </a:lnSpc>
-                        <a:spcAft>
-                          <a:spcPts val="0"/>
-                        </a:spcAft>
-                      </a:pPr>
-                      <a:r>
-                        <a:rPr lang="en-US" sz="1600" kern="100">
-                          <a:effectLst/>
-                          <a:latin typeface="仿宋_GB2312" panose="02010609030101010101" pitchFamily="49" charset="-122"/>
-                          <a:ea typeface="仿宋_GB2312" panose="02010609030101010101" pitchFamily="49" charset="-122"/>
-                          <a:cs typeface="Times New Roman" panose="02020603050405020304" pitchFamily="18" charset="0"/>
-                        </a:rPr>
-                        <a:t>nonlocal </a:t>
-                      </a:r>
-                      <a:endParaRPr lang="zh-CN" sz="1600" kern="100">
-                        <a:effectLst/>
-                        <a:latin typeface="仿宋_GB2312" panose="02010609030101010101" pitchFamily="49" charset="-122"/>
-                        <a:ea typeface="仿宋_GB2312" panose="02010609030101010101" pitchFamily="49" charset="-122"/>
-                        <a:cs typeface="Times New Roman" panose="02020603050405020304" pitchFamily="18" charset="0"/>
-                      </a:endParaRPr>
-                    </a:p>
-                  </a:txBody>
-                  <a:tcPr marL="68580" marR="68580" marT="6350" marB="0">
-                    <a:lnL w="12700" cap="flat" cmpd="sng" algn="ctr">
-                      <a:solidFill>
-                        <a:srgbClr val="000000"/>
-                      </a:solidFill>
-                      <a:prstDash val="solid"/>
-                      <a:round/>
-                      <a:headEnd type="none" w="med" len="med"/>
-                      <a:tailEnd type="none" w="med" len="med"/>
-                    </a:lnL>
-                    <a:lnR w="12700" cap="flat" cmpd="sng" algn="ctr">
-                      <a:solidFill>
-                        <a:srgbClr val="000000"/>
-                      </a:solidFill>
-                      <a:prstDash val="solid"/>
-                      <a:round/>
-                      <a:headEnd type="none" w="med" len="med"/>
-                      <a:tailEnd type="none" w="med" len="med"/>
-                    </a:lnR>
-                    <a:lnT w="12700" cap="flat" cmpd="sng" algn="ctr">
-                      <a:solidFill>
-                        <a:srgbClr val="000000"/>
-                      </a:solidFill>
-                      <a:prstDash val="solid"/>
-                      <a:round/>
-                      <a:headEnd type="none" w="med" len="med"/>
-                      <a:tailEnd type="none" w="med" len="med"/>
-                    </a:lnT>
-                    <a:lnB w="12700" cap="flat" cmpd="sng" algn="ctr">
-                      <a:solidFill>
-                        <a:srgbClr val="000000"/>
-                      </a:solidFill>
-                      <a:prstDash val="solid"/>
-                      <a:round/>
-                      <a:headEnd type="none" w="med" len="med"/>
-                      <a:tailEnd type="none" w="med" len="med"/>
-                    </a:lnB>
-                    <a:solidFill>
-                      <a:schemeClr val="bg1"/>
-                    </a:solidFill>
-                  </a:tcPr>
-                </a:tc>
-                <a:extLst>
-                  <a:ext uri="{0D108BD9-81ED-4DB2-BD59-A6C34878D82A}">
-                    <a16:rowId xmlns:a16="http://schemas.microsoft.com/office/drawing/2014/main" val="2025944918"/>
-                  </a:ext>
-                </a:extLst>
-              </a:tr>
-              <a:tr h="0">
-                <a:tc>
-                  <a:txBody>
-                    <a:bodyPr/>
-                    <a:lstStyle/>
-                    <a:p>
-                      <a:pPr algn="ctr">
-                        <a:lnSpc>
-                          <a:spcPts val="1800"/>
-                        </a:lnSpc>
-                        <a:spcAft>
-                          <a:spcPts val="0"/>
-                        </a:spcAft>
-                      </a:pPr>
-                      <a:r>
-                        <a:rPr lang="zh-CN" sz="1600" kern="100">
-                          <a:effectLst/>
-                          <a:latin typeface="仿宋_GB2312" panose="02010609030101010101" pitchFamily="49" charset="-122"/>
-                          <a:ea typeface="仿宋_GB2312" panose="02010609030101010101" pitchFamily="49" charset="-122"/>
-                          <a:cs typeface="Times New Roman" panose="02020603050405020304" pitchFamily="18" charset="0"/>
-                        </a:rPr>
-                        <a:t>苹果价格</a:t>
-                      </a:r>
-                    </a:p>
-                  </a:txBody>
-                  <a:tcPr marL="68580" marR="68580" marT="6350" marB="0">
-                    <a:lnL w="12700" cap="flat" cmpd="sng" algn="ctr">
-                      <a:solidFill>
-                        <a:srgbClr val="000000"/>
-                      </a:solidFill>
-                      <a:prstDash val="solid"/>
-                      <a:round/>
-                      <a:headEnd type="none" w="med" len="med"/>
-                      <a:tailEnd type="none" w="med" len="med"/>
-                    </a:lnL>
-                    <a:lnR w="12700" cap="flat" cmpd="sng" algn="ctr">
-                      <a:solidFill>
-                        <a:srgbClr val="000000"/>
-                      </a:solidFill>
-                      <a:prstDash val="solid"/>
-                      <a:round/>
-                      <a:headEnd type="none" w="med" len="med"/>
-                      <a:tailEnd type="none" w="med" len="med"/>
-                    </a:lnR>
-                    <a:lnT w="12700" cap="flat" cmpd="sng" algn="ctr">
-                      <a:solidFill>
-                        <a:srgbClr val="000000"/>
-                      </a:solidFill>
-                      <a:prstDash val="solid"/>
-                      <a:round/>
-                      <a:headEnd type="none" w="med" len="med"/>
-                      <a:tailEnd type="none" w="med" len="med"/>
-                    </a:lnT>
-                    <a:lnB w="12700" cap="flat" cmpd="sng" algn="ctr">
-                      <a:solidFill>
-                        <a:srgbClr val="000000"/>
-                      </a:solidFill>
-                      <a:prstDash val="solid"/>
-                      <a:round/>
-                      <a:headEnd type="none" w="med" len="med"/>
-                      <a:tailEnd type="none" w="med" len="med"/>
-                    </a:lnB>
-                    <a:solidFill>
-                      <a:schemeClr val="bg1"/>
-                    </a:solidFill>
-                  </a:tcPr>
-                </a:tc>
-                <a:tc>
-                  <a:txBody>
-                    <a:bodyPr/>
-                    <a:lstStyle/>
-                    <a:p>
-                      <a:pPr algn="ctr">
-                        <a:lnSpc>
-                          <a:spcPts val="1800"/>
-                        </a:lnSpc>
-                        <a:spcAft>
-                          <a:spcPts val="0"/>
-                        </a:spcAft>
-                      </a:pPr>
-                      <a:r>
-                        <a:rPr lang="zh-CN" sz="1600" kern="100">
-                          <a:effectLst/>
-                          <a:latin typeface="仿宋_GB2312" panose="02010609030101010101" pitchFamily="49" charset="-122"/>
-                          <a:ea typeface="仿宋_GB2312" panose="02010609030101010101" pitchFamily="49" charset="-122"/>
-                          <a:cs typeface="Times New Roman" panose="02020603050405020304" pitchFamily="18" charset="0"/>
-                        </a:rPr>
-                        <a:t>苹果</a:t>
-                      </a:r>
-                      <a:r>
-                        <a:rPr lang="en-US" sz="1600" kern="100">
-                          <a:effectLst/>
-                          <a:latin typeface="仿宋_GB2312" panose="02010609030101010101" pitchFamily="49" charset="-122"/>
-                          <a:ea typeface="仿宋_GB2312" panose="02010609030101010101" pitchFamily="49" charset="-122"/>
-                          <a:cs typeface="Times New Roman" panose="02020603050405020304" pitchFamily="18" charset="0"/>
-                        </a:rPr>
-                        <a:t>  </a:t>
-                      </a:r>
-                      <a:r>
-                        <a:rPr lang="zh-CN" sz="1600" kern="100">
-                          <a:effectLst/>
-                          <a:latin typeface="仿宋_GB2312" panose="02010609030101010101" pitchFamily="49" charset="-122"/>
-                          <a:ea typeface="仿宋_GB2312" panose="02010609030101010101" pitchFamily="49" charset="-122"/>
-                          <a:cs typeface="Times New Roman" panose="02020603050405020304" pitchFamily="18" charset="0"/>
-                        </a:rPr>
-                        <a:t>价格</a:t>
-                      </a:r>
-                    </a:p>
-                  </a:txBody>
-                  <a:tcPr marL="68580" marR="68580" marT="6350" marB="0">
-                    <a:lnL w="12700" cap="flat" cmpd="sng" algn="ctr">
-                      <a:solidFill>
-                        <a:srgbClr val="000000"/>
-                      </a:solidFill>
-                      <a:prstDash val="solid"/>
-                      <a:round/>
-                      <a:headEnd type="none" w="med" len="med"/>
-                      <a:tailEnd type="none" w="med" len="med"/>
-                    </a:lnL>
-                    <a:lnR w="12700" cap="flat" cmpd="sng" algn="ctr">
-                      <a:solidFill>
-                        <a:srgbClr val="000000"/>
-                      </a:solidFill>
-                      <a:prstDash val="solid"/>
-                      <a:round/>
-                      <a:headEnd type="none" w="med" len="med"/>
-                      <a:tailEnd type="none" w="med" len="med"/>
-                    </a:lnR>
-                    <a:lnT w="12700" cap="flat" cmpd="sng" algn="ctr">
-                      <a:solidFill>
-                        <a:srgbClr val="000000"/>
-                      </a:solidFill>
-                      <a:prstDash val="solid"/>
-                      <a:round/>
-                      <a:headEnd type="none" w="med" len="med"/>
-                      <a:tailEnd type="none" w="med" len="med"/>
-                    </a:lnT>
-                    <a:lnB w="12700" cap="flat" cmpd="sng" algn="ctr">
-                      <a:solidFill>
-                        <a:srgbClr val="000000"/>
-                      </a:solidFill>
-                      <a:prstDash val="solid"/>
-                      <a:round/>
-                      <a:headEnd type="none" w="med" len="med"/>
-                      <a:tailEnd type="none" w="med" len="med"/>
-                    </a:lnB>
-                    <a:solidFill>
-                      <a:schemeClr val="bg1"/>
-                    </a:solidFill>
-                  </a:tcPr>
-                </a:tc>
-                <a:tc>
-                  <a:txBody>
-                    <a:bodyPr/>
-                    <a:lstStyle/>
-                    <a:p>
-                      <a:pPr algn="ctr">
-                        <a:lnSpc>
-                          <a:spcPts val="1800"/>
-                        </a:lnSpc>
-                        <a:spcAft>
-                          <a:spcPts val="0"/>
-                        </a:spcAft>
-                      </a:pPr>
-                      <a:r>
-                        <a:rPr lang="zh-CN" sz="1600" kern="100">
-                          <a:effectLst/>
-                          <a:latin typeface="仿宋_GB2312" panose="02010609030101010101" pitchFamily="49" charset="-122"/>
-                          <a:ea typeface="仿宋_GB2312" panose="02010609030101010101" pitchFamily="49" charset="-122"/>
-                          <a:cs typeface="Times New Roman" panose="02020603050405020304" pitchFamily="18" charset="0"/>
-                        </a:rPr>
-                        <a:t>学生</a:t>
-                      </a:r>
-                      <a:r>
-                        <a:rPr lang="en-US" sz="1600" kern="100">
-                          <a:effectLst/>
-                          <a:latin typeface="仿宋_GB2312" panose="02010609030101010101" pitchFamily="49" charset="-122"/>
-                          <a:ea typeface="仿宋_GB2312" panose="02010609030101010101" pitchFamily="49" charset="-122"/>
-                          <a:cs typeface="Times New Roman" panose="02020603050405020304" pitchFamily="18" charset="0"/>
-                        </a:rPr>
-                        <a:t>@</a:t>
-                      </a:r>
-                      <a:r>
-                        <a:rPr lang="zh-CN" sz="1600" kern="100">
-                          <a:effectLst/>
-                          <a:latin typeface="仿宋_GB2312" panose="02010609030101010101" pitchFamily="49" charset="-122"/>
-                          <a:ea typeface="仿宋_GB2312" panose="02010609030101010101" pitchFamily="49" charset="-122"/>
-                          <a:cs typeface="Times New Roman" panose="02020603050405020304" pitchFamily="18" charset="0"/>
-                        </a:rPr>
-                        <a:t>三班</a:t>
-                      </a:r>
-                    </a:p>
-                  </a:txBody>
-                  <a:tcPr marL="68580" marR="68580" marT="6350" marB="0">
-                    <a:lnL w="12700" cap="flat" cmpd="sng" algn="ctr">
-                      <a:solidFill>
-                        <a:srgbClr val="000000"/>
-                      </a:solidFill>
-                      <a:prstDash val="solid"/>
-                      <a:round/>
-                      <a:headEnd type="none" w="med" len="med"/>
-                      <a:tailEnd type="none" w="med" len="med"/>
-                    </a:lnL>
-                    <a:lnR w="12700" cap="flat" cmpd="sng" algn="ctr">
-                      <a:solidFill>
-                        <a:srgbClr val="000000"/>
-                      </a:solidFill>
-                      <a:prstDash val="solid"/>
-                      <a:round/>
-                      <a:headEnd type="none" w="med" len="med"/>
-                      <a:tailEnd type="none" w="med" len="med"/>
-                    </a:lnR>
-                    <a:lnT w="12700" cap="flat" cmpd="sng" algn="ctr">
-                      <a:solidFill>
-                        <a:srgbClr val="000000"/>
-                      </a:solidFill>
-                      <a:prstDash val="solid"/>
-                      <a:round/>
-                      <a:headEnd type="none" w="med" len="med"/>
-                      <a:tailEnd type="none" w="med" len="med"/>
-                    </a:lnT>
-                    <a:lnB w="12700" cap="flat" cmpd="sng" algn="ctr">
-                      <a:solidFill>
-                        <a:srgbClr val="000000"/>
-                      </a:solidFill>
-                      <a:prstDash val="solid"/>
-                      <a:round/>
-                      <a:headEnd type="none" w="med" len="med"/>
-                      <a:tailEnd type="none" w="med" len="med"/>
-                    </a:lnB>
-                    <a:solidFill>
-                      <a:schemeClr val="bg1"/>
-                    </a:solidFill>
-                  </a:tcPr>
-                </a:tc>
-                <a:tc>
-                  <a:txBody>
-                    <a:bodyPr/>
-                    <a:lstStyle/>
-                    <a:p>
-                      <a:pPr algn="ctr">
-                        <a:lnSpc>
-                          <a:spcPts val="1800"/>
-                        </a:lnSpc>
-                        <a:spcAft>
-                          <a:spcPts val="0"/>
-                        </a:spcAft>
-                      </a:pPr>
-                      <a:r>
-                        <a:rPr lang="en-US" sz="1600" kern="100">
-                          <a:effectLst/>
-                          <a:latin typeface="仿宋_GB2312" panose="02010609030101010101" pitchFamily="49" charset="-122"/>
-                          <a:ea typeface="仿宋_GB2312" panose="02010609030101010101" pitchFamily="49" charset="-122"/>
-                          <a:cs typeface="Times New Roman" panose="02020603050405020304" pitchFamily="18" charset="0"/>
-                        </a:rPr>
-                        <a:t>_student_ </a:t>
-                      </a:r>
-                      <a:endParaRPr lang="zh-CN" sz="1600" kern="100">
-                        <a:effectLst/>
-                        <a:latin typeface="仿宋_GB2312" panose="02010609030101010101" pitchFamily="49" charset="-122"/>
-                        <a:ea typeface="仿宋_GB2312" panose="02010609030101010101" pitchFamily="49" charset="-122"/>
-                        <a:cs typeface="Times New Roman" panose="02020603050405020304" pitchFamily="18" charset="0"/>
-                      </a:endParaRPr>
-                    </a:p>
-                  </a:txBody>
-                  <a:tcPr marL="68580" marR="68580" marT="6350" marB="0">
-                    <a:lnL w="12700" cap="flat" cmpd="sng" algn="ctr">
-                      <a:solidFill>
-                        <a:srgbClr val="000000"/>
-                      </a:solidFill>
-                      <a:prstDash val="solid"/>
-                      <a:round/>
-                      <a:headEnd type="none" w="med" len="med"/>
-                      <a:tailEnd type="none" w="med" len="med"/>
-                    </a:lnL>
-                    <a:lnR w="12700" cap="flat" cmpd="sng" algn="ctr">
-                      <a:solidFill>
-                        <a:srgbClr val="000000"/>
-                      </a:solidFill>
-                      <a:prstDash val="solid"/>
-                      <a:round/>
-                      <a:headEnd type="none" w="med" len="med"/>
-                      <a:tailEnd type="none" w="med" len="med"/>
-                    </a:lnR>
-                    <a:lnT w="12700" cap="flat" cmpd="sng" algn="ctr">
-                      <a:solidFill>
-                        <a:srgbClr val="000000"/>
-                      </a:solidFill>
-                      <a:prstDash val="solid"/>
-                      <a:round/>
-                      <a:headEnd type="none" w="med" len="med"/>
-                      <a:tailEnd type="none" w="med" len="med"/>
-                    </a:lnT>
-                    <a:lnB w="12700" cap="flat" cmpd="sng" algn="ctr">
-                      <a:solidFill>
-                        <a:srgbClr val="000000"/>
-                      </a:solidFill>
-                      <a:prstDash val="solid"/>
-                      <a:round/>
-                      <a:headEnd type="none" w="med" len="med"/>
-                      <a:tailEnd type="none" w="med" len="med"/>
-                    </a:lnB>
-                    <a:solidFill>
-                      <a:schemeClr val="bg1"/>
-                    </a:solidFill>
-                  </a:tcPr>
-                </a:tc>
-                <a:extLst>
-                  <a:ext uri="{0D108BD9-81ED-4DB2-BD59-A6C34878D82A}">
-                    <a16:rowId xmlns:a16="http://schemas.microsoft.com/office/drawing/2014/main" val="2945894687"/>
-                  </a:ext>
-                </a:extLst>
-              </a:tr>
-              <a:tr h="0">
-                <a:tc>
-                  <a:txBody>
-                    <a:bodyPr/>
-                    <a:lstStyle/>
-                    <a:p>
-                      <a:pPr algn="ctr">
-                        <a:lnSpc>
-                          <a:spcPts val="1800"/>
-                        </a:lnSpc>
-                        <a:spcAft>
-                          <a:spcPts val="0"/>
-                        </a:spcAft>
-                      </a:pPr>
-                      <a:r>
-                        <a:rPr lang="en-US" sz="1600" kern="100">
-                          <a:effectLst/>
-                          <a:latin typeface="仿宋_GB2312" panose="02010609030101010101" pitchFamily="49" charset="-122"/>
-                          <a:ea typeface="仿宋_GB2312" panose="02010609030101010101" pitchFamily="49" charset="-122"/>
-                          <a:cs typeface="Times New Roman" panose="02020603050405020304" pitchFamily="18" charset="0"/>
-                        </a:rPr>
-                        <a:t>student.count </a:t>
-                      </a:r>
-                      <a:endParaRPr lang="zh-CN" sz="1600" kern="100">
-                        <a:effectLst/>
-                        <a:latin typeface="仿宋_GB2312" panose="02010609030101010101" pitchFamily="49" charset="-122"/>
-                        <a:ea typeface="仿宋_GB2312" panose="02010609030101010101" pitchFamily="49" charset="-122"/>
-                        <a:cs typeface="Times New Roman" panose="02020603050405020304" pitchFamily="18" charset="0"/>
-                      </a:endParaRPr>
-                    </a:p>
-                  </a:txBody>
-                  <a:tcPr marL="68580" marR="68580" marT="6350" marB="0">
-                    <a:lnL w="12700" cap="flat" cmpd="sng" algn="ctr">
-                      <a:solidFill>
-                        <a:srgbClr val="000000"/>
-                      </a:solidFill>
-                      <a:prstDash val="solid"/>
-                      <a:round/>
-                      <a:headEnd type="none" w="med" len="med"/>
-                      <a:tailEnd type="none" w="med" len="med"/>
-                    </a:lnL>
-                    <a:lnR w="12700" cap="flat" cmpd="sng" algn="ctr">
-                      <a:solidFill>
-                        <a:srgbClr val="000000"/>
-                      </a:solidFill>
-                      <a:prstDash val="solid"/>
-                      <a:round/>
-                      <a:headEnd type="none" w="med" len="med"/>
-                      <a:tailEnd type="none" w="med" len="med"/>
-                    </a:lnR>
-                    <a:lnT w="12700" cap="flat" cmpd="sng" algn="ctr">
-                      <a:solidFill>
-                        <a:srgbClr val="000000"/>
-                      </a:solidFill>
-                      <a:prstDash val="solid"/>
-                      <a:round/>
-                      <a:headEnd type="none" w="med" len="med"/>
-                      <a:tailEnd type="none" w="med" len="med"/>
-                    </a:lnT>
-                    <a:lnB w="12700" cap="flat" cmpd="sng" algn="ctr">
-                      <a:solidFill>
-                        <a:srgbClr val="000000"/>
-                      </a:solidFill>
-                      <a:prstDash val="solid"/>
-                      <a:round/>
-                      <a:headEnd type="none" w="med" len="med"/>
-                      <a:tailEnd type="none" w="med" len="med"/>
-                    </a:lnB>
-                    <a:solidFill>
-                      <a:schemeClr val="bg1"/>
-                    </a:solidFill>
-                  </a:tcPr>
-                </a:tc>
-                <a:tc>
-                  <a:txBody>
-                    <a:bodyPr/>
-                    <a:lstStyle/>
-                    <a:p>
-                      <a:pPr algn="ctr">
-                        <a:lnSpc>
-                          <a:spcPts val="1800"/>
-                        </a:lnSpc>
-                        <a:spcAft>
-                          <a:spcPts val="0"/>
-                        </a:spcAft>
-                      </a:pPr>
-                      <a:r>
-                        <a:rPr lang="en-US" sz="1600" kern="100">
-                          <a:effectLst/>
-                          <a:latin typeface="仿宋_GB2312" panose="02010609030101010101" pitchFamily="49" charset="-122"/>
-                          <a:ea typeface="仿宋_GB2312" panose="02010609030101010101" pitchFamily="49" charset="-122"/>
-                          <a:cs typeface="Times New Roman" panose="02020603050405020304" pitchFamily="18" charset="0"/>
-                        </a:rPr>
-                        <a:t>student_count </a:t>
-                      </a:r>
-                      <a:endParaRPr lang="zh-CN" sz="1600" kern="100">
-                        <a:effectLst/>
-                        <a:latin typeface="仿宋_GB2312" panose="02010609030101010101" pitchFamily="49" charset="-122"/>
-                        <a:ea typeface="仿宋_GB2312" panose="02010609030101010101" pitchFamily="49" charset="-122"/>
-                        <a:cs typeface="Times New Roman" panose="02020603050405020304" pitchFamily="18" charset="0"/>
-                      </a:endParaRPr>
-                    </a:p>
-                  </a:txBody>
-                  <a:tcPr marL="68580" marR="68580" marT="6350" marB="0">
-                    <a:lnL w="12700" cap="flat" cmpd="sng" algn="ctr">
-                      <a:solidFill>
-                        <a:srgbClr val="000000"/>
-                      </a:solidFill>
-                      <a:prstDash val="solid"/>
-                      <a:round/>
-                      <a:headEnd type="none" w="med" len="med"/>
-                      <a:tailEnd type="none" w="med" len="med"/>
-                    </a:lnL>
-                    <a:lnR w="12700" cap="flat" cmpd="sng" algn="ctr">
-                      <a:solidFill>
-                        <a:srgbClr val="000000"/>
-                      </a:solidFill>
-                      <a:prstDash val="solid"/>
-                      <a:round/>
-                      <a:headEnd type="none" w="med" len="med"/>
-                      <a:tailEnd type="none" w="med" len="med"/>
-                    </a:lnR>
-                    <a:lnT w="12700" cap="flat" cmpd="sng" algn="ctr">
-                      <a:solidFill>
-                        <a:srgbClr val="000000"/>
-                      </a:solidFill>
-                      <a:prstDash val="solid"/>
-                      <a:round/>
-                      <a:headEnd type="none" w="med" len="med"/>
-                      <a:tailEnd type="none" w="med" len="med"/>
-                    </a:lnT>
-                    <a:lnB w="12700" cap="flat" cmpd="sng" algn="ctr">
-                      <a:solidFill>
-                        <a:srgbClr val="000000"/>
-                      </a:solidFill>
-                      <a:prstDash val="solid"/>
-                      <a:round/>
-                      <a:headEnd type="none" w="med" len="med"/>
-                      <a:tailEnd type="none" w="med" len="med"/>
-                    </a:lnB>
-                    <a:solidFill>
-                      <a:schemeClr val="bg1"/>
-                    </a:solidFill>
-                  </a:tcPr>
-                </a:tc>
-                <a:tc>
-                  <a:txBody>
-                    <a:bodyPr/>
-                    <a:lstStyle/>
-                    <a:p>
-                      <a:pPr algn="ctr">
-                        <a:lnSpc>
-                          <a:spcPts val="1800"/>
-                        </a:lnSpc>
-                        <a:spcAft>
-                          <a:spcPts val="0"/>
-                        </a:spcAft>
-                      </a:pPr>
-                      <a:r>
-                        <a:rPr lang="en-US" sz="1600" kern="100" dirty="0">
-                          <a:effectLst/>
-                          <a:latin typeface="仿宋_GB2312" panose="02010609030101010101" pitchFamily="49" charset="-122"/>
-                          <a:ea typeface="仿宋_GB2312" panose="02010609030101010101" pitchFamily="49" charset="-122"/>
-                          <a:cs typeface="Times New Roman" panose="02020603050405020304" pitchFamily="18" charset="0"/>
-                        </a:rPr>
-                        <a:t>num1+num2 </a:t>
-                      </a:r>
-                      <a:endParaRPr lang="zh-CN" sz="1600" kern="100" dirty="0">
-                        <a:effectLst/>
-                        <a:latin typeface="仿宋_GB2312" panose="02010609030101010101" pitchFamily="49" charset="-122"/>
-                        <a:ea typeface="仿宋_GB2312" panose="02010609030101010101" pitchFamily="49" charset="-122"/>
-                        <a:cs typeface="Times New Roman" panose="02020603050405020304" pitchFamily="18" charset="0"/>
-                      </a:endParaRPr>
-                    </a:p>
-                  </a:txBody>
-                  <a:tcPr marL="68580" marR="68580" marT="6350" marB="0">
-                    <a:lnL w="12700" cap="flat" cmpd="sng" algn="ctr">
-                      <a:solidFill>
-                        <a:srgbClr val="000000"/>
-                      </a:solidFill>
-                      <a:prstDash val="solid"/>
-                      <a:round/>
-                      <a:headEnd type="none" w="med" len="med"/>
-                      <a:tailEnd type="none" w="med" len="med"/>
-                    </a:lnL>
-                    <a:lnR w="12700" cap="flat" cmpd="sng" algn="ctr">
-                      <a:solidFill>
-                        <a:srgbClr val="000000"/>
-                      </a:solidFill>
-                      <a:prstDash val="solid"/>
-                      <a:round/>
-                      <a:headEnd type="none" w="med" len="med"/>
-                      <a:tailEnd type="none" w="med" len="med"/>
-                    </a:lnR>
-                    <a:lnT w="12700" cap="flat" cmpd="sng" algn="ctr">
-                      <a:solidFill>
-                        <a:srgbClr val="000000"/>
-                      </a:solidFill>
-                      <a:prstDash val="solid"/>
-                      <a:round/>
-                      <a:headEnd type="none" w="med" len="med"/>
-                      <a:tailEnd type="none" w="med" len="med"/>
-                    </a:lnT>
-                    <a:lnB w="12700" cap="flat" cmpd="sng" algn="ctr">
-                      <a:solidFill>
-                        <a:srgbClr val="000000"/>
-                      </a:solidFill>
-                      <a:prstDash val="solid"/>
-                      <a:round/>
-                      <a:headEnd type="none" w="med" len="med"/>
-                      <a:tailEnd type="none" w="med" len="med"/>
-                    </a:lnB>
-                    <a:solidFill>
-                      <a:schemeClr val="bg1"/>
-                    </a:solidFill>
-                  </a:tcPr>
-                </a:tc>
-                <a:tc>
-                  <a:txBody>
-                    <a:bodyPr/>
-                    <a:lstStyle/>
-                    <a:p>
-                      <a:pPr algn="ctr">
-                        <a:lnSpc>
-                          <a:spcPts val="1800"/>
-                        </a:lnSpc>
-                        <a:spcAft>
-                          <a:spcPts val="0"/>
-                        </a:spcAft>
-                      </a:pPr>
-                      <a:r>
-                        <a:rPr lang="en-US" sz="1600" kern="100" dirty="0">
-                          <a:effectLst/>
-                          <a:latin typeface="仿宋_GB2312" panose="02010609030101010101" pitchFamily="49" charset="-122"/>
-                          <a:ea typeface="仿宋_GB2312" panose="02010609030101010101" pitchFamily="49" charset="-122"/>
-                          <a:cs typeface="Times New Roman" panose="02020603050405020304" pitchFamily="18" charset="0"/>
-                        </a:rPr>
-                        <a:t>NAME </a:t>
-                      </a:r>
-                      <a:endParaRPr lang="zh-CN" sz="1600" kern="100" dirty="0">
-                        <a:effectLst/>
-                        <a:latin typeface="仿宋_GB2312" panose="02010609030101010101" pitchFamily="49" charset="-122"/>
-                        <a:ea typeface="仿宋_GB2312" panose="02010609030101010101" pitchFamily="49" charset="-122"/>
-                        <a:cs typeface="Times New Roman" panose="02020603050405020304" pitchFamily="18" charset="0"/>
-                      </a:endParaRPr>
-                    </a:p>
-                  </a:txBody>
-                  <a:tcPr marL="68580" marR="68580" marT="6350" marB="0">
-                    <a:lnL w="12700" cap="flat" cmpd="sng" algn="ctr">
-                      <a:solidFill>
-                        <a:srgbClr val="000000"/>
-                      </a:solidFill>
-                      <a:prstDash val="solid"/>
-                      <a:round/>
-                      <a:headEnd type="none" w="med" len="med"/>
-                      <a:tailEnd type="none" w="med" len="med"/>
-                    </a:lnL>
-                    <a:lnR w="12700" cap="flat" cmpd="sng" algn="ctr">
-                      <a:solidFill>
-                        <a:srgbClr val="000000"/>
-                      </a:solidFill>
-                      <a:prstDash val="solid"/>
-                      <a:round/>
-                      <a:headEnd type="none" w="med" len="med"/>
-                      <a:tailEnd type="none" w="med" len="med"/>
-                    </a:lnR>
-                    <a:lnT w="12700" cap="flat" cmpd="sng" algn="ctr">
-                      <a:solidFill>
-                        <a:srgbClr val="000000"/>
-                      </a:solidFill>
-                      <a:prstDash val="solid"/>
-                      <a:round/>
-                      <a:headEnd type="none" w="med" len="med"/>
-                      <a:tailEnd type="none" w="med" len="med"/>
-                    </a:lnT>
-                    <a:lnB w="12700" cap="flat" cmpd="sng" algn="ctr">
-                      <a:solidFill>
-                        <a:srgbClr val="000000"/>
-                      </a:solidFill>
-                      <a:prstDash val="solid"/>
-                      <a:round/>
-                      <a:headEnd type="none" w="med" len="med"/>
-                      <a:tailEnd type="none" w="med" len="med"/>
-                    </a:lnB>
-                    <a:solidFill>
-                      <a:schemeClr val="bg1"/>
-                    </a:solidFill>
-                  </a:tcPr>
-                </a:tc>
-                <a:extLst>
-                  <a:ext uri="{0D108BD9-81ED-4DB2-BD59-A6C34878D82A}">
-                    <a16:rowId xmlns:a16="http://schemas.microsoft.com/office/drawing/2014/main" val="2336974362"/>
-                  </a:ext>
-                </a:extLst>
-              </a:tr>
-            </a:tbl>
-          </a:graphicData>
-        </a:graphic>
-      </p:graphicFrame>
-      <p:graphicFrame>
-        <p:nvGraphicFramePr>
-          <p:cNvPr id="10" name="表格 9">
-            <a:extLst>
-              <a:ext uri="{FF2B5EF4-FFF2-40B4-BE49-F238E27FC236}">
-                <a16:creationId xmlns:a16="http://schemas.microsoft.com/office/drawing/2014/main" id="{43560999-9D7C-4490-9D83-742140331875}"/>
-              </a:ext>
-            </a:extLst>
-          </p:cNvPr>
-          <p:cNvGraphicFramePr>
-            <a:graphicFrameLocks noGrp="1"/>
-          </p:cNvGraphicFramePr>
-          <p:nvPr>
-            <p:extLst>
-              <p:ext uri="{D42A27DB-BD31-4B8C-83A1-F6EECF244321}">
-                <p14:modId xmlns:p14="http://schemas.microsoft.com/office/powerpoint/2010/main" val="2744476888"/>
-              </p:ext>
-            </p:extLst>
-          </p:nvPr>
-        </p:nvGraphicFramePr>
-        <p:xfrm>
-          <a:off x="3006120" y="2048086"/>
-          <a:ext cx="4172325" cy="704850"/>
-        </p:xfrm>
-        <a:graphic>
-          <a:graphicData uri="http://schemas.openxmlformats.org/drawingml/2006/table">
-            <a:tbl>
-              <a:tblPr firstRow="1" firstCol="1" bandRow="1"/>
-              <a:tblGrid>
-                <a:gridCol w="834465">
-                  <a:extLst>
-                    <a:ext uri="{9D8B030D-6E8A-4147-A177-3AD203B41FA5}">
-                      <a16:colId xmlns:a16="http://schemas.microsoft.com/office/drawing/2014/main" val="2111103461"/>
-                    </a:ext>
-                  </a:extLst>
-                </a:gridCol>
-                <a:gridCol w="834465">
-                  <a:extLst>
-                    <a:ext uri="{9D8B030D-6E8A-4147-A177-3AD203B41FA5}">
-                      <a16:colId xmlns:a16="http://schemas.microsoft.com/office/drawing/2014/main" val="3730037191"/>
-                    </a:ext>
-                  </a:extLst>
-                </a:gridCol>
-                <a:gridCol w="834465">
-                  <a:extLst>
-                    <a:ext uri="{9D8B030D-6E8A-4147-A177-3AD203B41FA5}">
-                      <a16:colId xmlns:a16="http://schemas.microsoft.com/office/drawing/2014/main" val="3353464740"/>
-                    </a:ext>
-                  </a:extLst>
-                </a:gridCol>
-                <a:gridCol w="834465">
-                  <a:extLst>
-                    <a:ext uri="{9D8B030D-6E8A-4147-A177-3AD203B41FA5}">
-                      <a16:colId xmlns:a16="http://schemas.microsoft.com/office/drawing/2014/main" val="2255310864"/>
-                    </a:ext>
-                  </a:extLst>
-                </a:gridCol>
-                <a:gridCol w="834465">
-                  <a:extLst>
-                    <a:ext uri="{9D8B030D-6E8A-4147-A177-3AD203B41FA5}">
-                      <a16:colId xmlns:a16="http://schemas.microsoft.com/office/drawing/2014/main" val="562398469"/>
-                    </a:ext>
-                  </a:extLst>
-                </a:gridCol>
-              </a:tblGrid>
-              <a:tr h="0">
-                <a:tc>
-                  <a:txBody>
-                    <a:bodyPr/>
-                    <a:lstStyle/>
-                    <a:p>
-                      <a:pPr algn="ctr">
-                        <a:lnSpc>
-                          <a:spcPts val="1800"/>
-                        </a:lnSpc>
-                        <a:spcAft>
-                          <a:spcPts val="0"/>
-                        </a:spcAft>
-                      </a:pPr>
-                      <a:r>
-                        <a:rPr lang="en-US" sz="1600" kern="100">
-                          <a:effectLst/>
-                          <a:latin typeface="仿宋_GB2312" panose="02010609030101010101" pitchFamily="49" charset="-122"/>
-                          <a:ea typeface="仿宋_GB2312" panose="02010609030101010101" pitchFamily="49" charset="-122"/>
-                          <a:cs typeface="Times New Roman" panose="02020603050405020304" pitchFamily="18" charset="0"/>
-                        </a:rPr>
-                        <a:t>and </a:t>
-                      </a:r>
-                      <a:endParaRPr lang="zh-CN" sz="1600" kern="100">
-                        <a:effectLst/>
-                        <a:latin typeface="仿宋_GB2312" panose="02010609030101010101" pitchFamily="49" charset="-122"/>
-                        <a:ea typeface="仿宋_GB2312" panose="02010609030101010101" pitchFamily="49" charset="-122"/>
-                        <a:cs typeface="Times New Roman" panose="02020603050405020304" pitchFamily="18" charset="0"/>
-                      </a:endParaRPr>
-                    </a:p>
-                  </a:txBody>
-                  <a:tcPr marL="68580" marR="68580" marT="6350" marB="0">
-                    <a:lnL w="12700" cap="flat" cmpd="sng" algn="ctr">
-                      <a:solidFill>
-                        <a:srgbClr val="000000"/>
-                      </a:solidFill>
-                      <a:prstDash val="solid"/>
-                      <a:round/>
-                      <a:headEnd type="none" w="med" len="med"/>
-                      <a:tailEnd type="none" w="med" len="med"/>
-                    </a:lnL>
-                    <a:lnR w="12700" cap="flat" cmpd="sng" algn="ctr">
-                      <a:solidFill>
-                        <a:srgbClr val="000000"/>
-                      </a:solidFill>
-                      <a:prstDash val="solid"/>
-                      <a:round/>
-                      <a:headEnd type="none" w="med" len="med"/>
-                      <a:tailEnd type="none" w="med" len="med"/>
-                    </a:lnR>
-                    <a:lnT w="12700" cap="flat" cmpd="sng" algn="ctr">
-                      <a:solidFill>
-                        <a:srgbClr val="000000"/>
-                      </a:solidFill>
-                      <a:prstDash val="solid"/>
-                      <a:round/>
-                      <a:headEnd type="none" w="med" len="med"/>
-                      <a:tailEnd type="none" w="med" len="med"/>
-                    </a:lnT>
-                    <a:lnB w="12700" cap="flat" cmpd="sng" algn="ctr">
-                      <a:solidFill>
-                        <a:srgbClr val="000000"/>
-                      </a:solidFill>
-                      <a:prstDash val="solid"/>
-                      <a:round/>
-                      <a:headEnd type="none" w="med" len="med"/>
-                      <a:tailEnd type="none" w="med" len="med"/>
-                    </a:lnB>
-                    <a:solidFill>
-                      <a:schemeClr val="bg1"/>
-                    </a:solidFill>
-                  </a:tcPr>
-                </a:tc>
-                <a:tc>
-                  <a:txBody>
-                    <a:bodyPr/>
-                    <a:lstStyle/>
-                    <a:p>
-                      <a:pPr algn="ctr">
-                        <a:lnSpc>
-                          <a:spcPts val="1800"/>
-                        </a:lnSpc>
-                        <a:spcAft>
-                          <a:spcPts val="0"/>
-                        </a:spcAft>
-                      </a:pPr>
-                      <a:r>
-                        <a:rPr lang="en-US" sz="1600" kern="100">
-                          <a:effectLst/>
-                          <a:latin typeface="仿宋_GB2312" panose="02010609030101010101" pitchFamily="49" charset="-122"/>
-                          <a:ea typeface="仿宋_GB2312" panose="02010609030101010101" pitchFamily="49" charset="-122"/>
-                          <a:cs typeface="Times New Roman" panose="02020603050405020304" pitchFamily="18" charset="0"/>
-                        </a:rPr>
-                        <a:t>not </a:t>
-                      </a:r>
-                      <a:endParaRPr lang="zh-CN" sz="1600" kern="100">
-                        <a:effectLst/>
-                        <a:latin typeface="仿宋_GB2312" panose="02010609030101010101" pitchFamily="49" charset="-122"/>
-                        <a:ea typeface="仿宋_GB2312" panose="02010609030101010101" pitchFamily="49" charset="-122"/>
-                        <a:cs typeface="Times New Roman" panose="02020603050405020304" pitchFamily="18" charset="0"/>
-                      </a:endParaRPr>
-                    </a:p>
-                  </a:txBody>
-                  <a:tcPr marL="68580" marR="68580" marT="6350" marB="0">
-                    <a:lnL w="12700" cap="flat" cmpd="sng" algn="ctr">
-                      <a:solidFill>
-                        <a:srgbClr val="000000"/>
-                      </a:solidFill>
-                      <a:prstDash val="solid"/>
-                      <a:round/>
-                      <a:headEnd type="none" w="med" len="med"/>
-                      <a:tailEnd type="none" w="med" len="med"/>
-                    </a:lnL>
-                    <a:lnR w="12700" cap="flat" cmpd="sng" algn="ctr">
-                      <a:solidFill>
-                        <a:srgbClr val="000000"/>
-                      </a:solidFill>
-                      <a:prstDash val="solid"/>
-                      <a:round/>
-                      <a:headEnd type="none" w="med" len="med"/>
-                      <a:tailEnd type="none" w="med" len="med"/>
-                    </a:lnR>
-                    <a:lnT w="12700" cap="flat" cmpd="sng" algn="ctr">
-                      <a:solidFill>
-                        <a:srgbClr val="000000"/>
-                      </a:solidFill>
-                      <a:prstDash val="solid"/>
-                      <a:round/>
-                      <a:headEnd type="none" w="med" len="med"/>
-                      <a:tailEnd type="none" w="med" len="med"/>
-                    </a:lnT>
-                    <a:lnB w="12700" cap="flat" cmpd="sng" algn="ctr">
-                      <a:solidFill>
-                        <a:srgbClr val="000000"/>
-                      </a:solidFill>
-                      <a:prstDash val="solid"/>
-                      <a:round/>
-                      <a:headEnd type="none" w="med" len="med"/>
-                      <a:tailEnd type="none" w="med" len="med"/>
-                    </a:lnB>
-                    <a:solidFill>
-                      <a:schemeClr val="bg1"/>
-                    </a:solidFill>
-                  </a:tcPr>
-                </a:tc>
-                <a:tc>
-                  <a:txBody>
-                    <a:bodyPr/>
-                    <a:lstStyle/>
-                    <a:p>
-                      <a:pPr algn="ctr">
-                        <a:lnSpc>
-                          <a:spcPts val="1800"/>
-                        </a:lnSpc>
-                        <a:spcAft>
-                          <a:spcPts val="0"/>
-                        </a:spcAft>
-                      </a:pPr>
-                      <a:r>
-                        <a:rPr lang="en-US" sz="1600" kern="100">
-                          <a:effectLst/>
-                          <a:latin typeface="仿宋_GB2312" panose="02010609030101010101" pitchFamily="49" charset="-122"/>
-                          <a:ea typeface="仿宋_GB2312" panose="02010609030101010101" pitchFamily="49" charset="-122"/>
-                          <a:cs typeface="Times New Roman" panose="02020603050405020304" pitchFamily="18" charset="0"/>
-                        </a:rPr>
-                        <a:t>is </a:t>
-                      </a:r>
-                      <a:endParaRPr lang="zh-CN" sz="1600" kern="100">
-                        <a:effectLst/>
-                        <a:latin typeface="仿宋_GB2312" panose="02010609030101010101" pitchFamily="49" charset="-122"/>
-                        <a:ea typeface="仿宋_GB2312" panose="02010609030101010101" pitchFamily="49" charset="-122"/>
-                        <a:cs typeface="Times New Roman" panose="02020603050405020304" pitchFamily="18" charset="0"/>
-                      </a:endParaRPr>
-                    </a:p>
-                  </a:txBody>
-                  <a:tcPr marL="68580" marR="68580" marT="6350" marB="0">
-                    <a:lnL w="12700" cap="flat" cmpd="sng" algn="ctr">
-                      <a:solidFill>
-                        <a:srgbClr val="000000"/>
-                      </a:solidFill>
-                      <a:prstDash val="solid"/>
-                      <a:round/>
-                      <a:headEnd type="none" w="med" len="med"/>
-                      <a:tailEnd type="none" w="med" len="med"/>
-                    </a:lnL>
-                    <a:lnR w="12700" cap="flat" cmpd="sng" algn="ctr">
-                      <a:solidFill>
-                        <a:srgbClr val="000000"/>
-                      </a:solidFill>
-                      <a:prstDash val="solid"/>
-                      <a:round/>
-                      <a:headEnd type="none" w="med" len="med"/>
-                      <a:tailEnd type="none" w="med" len="med"/>
-                    </a:lnR>
-                    <a:lnT w="12700" cap="flat" cmpd="sng" algn="ctr">
-                      <a:solidFill>
-                        <a:srgbClr val="000000"/>
-                      </a:solidFill>
-                      <a:prstDash val="solid"/>
-                      <a:round/>
-                      <a:headEnd type="none" w="med" len="med"/>
-                      <a:tailEnd type="none" w="med" len="med"/>
-                    </a:lnT>
-                    <a:lnB w="12700" cap="flat" cmpd="sng" algn="ctr">
-                      <a:solidFill>
-                        <a:srgbClr val="000000"/>
-                      </a:solidFill>
-                      <a:prstDash val="solid"/>
-                      <a:round/>
-                      <a:headEnd type="none" w="med" len="med"/>
-                      <a:tailEnd type="none" w="med" len="med"/>
-                    </a:lnB>
-                    <a:solidFill>
-                      <a:schemeClr val="bg1"/>
-                    </a:solidFill>
-                  </a:tcPr>
-                </a:tc>
-                <a:tc>
-                  <a:txBody>
-                    <a:bodyPr/>
-                    <a:lstStyle/>
-                    <a:p>
-                      <a:pPr algn="ctr">
-                        <a:lnSpc>
-                          <a:spcPts val="1800"/>
-                        </a:lnSpc>
-                        <a:spcAft>
-                          <a:spcPts val="0"/>
-                        </a:spcAft>
-                      </a:pPr>
-                      <a:r>
-                        <a:rPr lang="en-US" sz="1600" kern="100">
-                          <a:effectLst/>
-                          <a:latin typeface="仿宋_GB2312" panose="02010609030101010101" pitchFamily="49" charset="-122"/>
-                          <a:ea typeface="仿宋_GB2312" panose="02010609030101010101" pitchFamily="49" charset="-122"/>
-                          <a:cs typeface="Times New Roman" panose="02020603050405020304" pitchFamily="18" charset="0"/>
-                        </a:rPr>
-                        <a:t>break </a:t>
-                      </a:r>
-                      <a:endParaRPr lang="zh-CN" sz="1600" kern="100">
-                        <a:effectLst/>
-                        <a:latin typeface="仿宋_GB2312" panose="02010609030101010101" pitchFamily="49" charset="-122"/>
-                        <a:ea typeface="仿宋_GB2312" panose="02010609030101010101" pitchFamily="49" charset="-122"/>
-                        <a:cs typeface="Times New Roman" panose="02020603050405020304" pitchFamily="18" charset="0"/>
-                      </a:endParaRPr>
-                    </a:p>
-                  </a:txBody>
-                  <a:tcPr marL="68580" marR="68580" marT="6350" marB="0">
-                    <a:lnL w="12700" cap="flat" cmpd="sng" algn="ctr">
-                      <a:solidFill>
-                        <a:srgbClr val="000000"/>
-                      </a:solidFill>
-                      <a:prstDash val="solid"/>
-                      <a:round/>
-                      <a:headEnd type="none" w="med" len="med"/>
-                      <a:tailEnd type="none" w="med" len="med"/>
-                    </a:lnL>
-                    <a:lnR w="12700" cap="flat" cmpd="sng" algn="ctr">
-                      <a:solidFill>
-                        <a:srgbClr val="000000"/>
-                      </a:solidFill>
-                      <a:prstDash val="solid"/>
-                      <a:round/>
-                      <a:headEnd type="none" w="med" len="med"/>
-                      <a:tailEnd type="none" w="med" len="med"/>
-                    </a:lnR>
-                    <a:lnT w="12700" cap="flat" cmpd="sng" algn="ctr">
-                      <a:solidFill>
-                        <a:srgbClr val="000000"/>
-                      </a:solidFill>
-                      <a:prstDash val="solid"/>
-                      <a:round/>
-                      <a:headEnd type="none" w="med" len="med"/>
-                      <a:tailEnd type="none" w="med" len="med"/>
-                    </a:lnT>
-                    <a:lnB w="12700" cap="flat" cmpd="sng" algn="ctr">
-                      <a:solidFill>
-                        <a:srgbClr val="000000"/>
-                      </a:solidFill>
-                      <a:prstDash val="solid"/>
-                      <a:round/>
-                      <a:headEnd type="none" w="med" len="med"/>
-                      <a:tailEnd type="none" w="med" len="med"/>
-                    </a:lnB>
-                    <a:solidFill>
-                      <a:schemeClr val="bg1"/>
-                    </a:solidFill>
-                  </a:tcPr>
-                </a:tc>
-                <a:tc>
-                  <a:txBody>
-                    <a:bodyPr/>
-                    <a:lstStyle/>
-                    <a:p>
-                      <a:pPr algn="ctr">
-                        <a:lnSpc>
-                          <a:spcPts val="1800"/>
-                        </a:lnSpc>
-                        <a:spcAft>
-                          <a:spcPts val="0"/>
-                        </a:spcAft>
-                      </a:pPr>
-                      <a:r>
-                        <a:rPr lang="en-US" sz="1600" kern="100">
-                          <a:effectLst/>
-                          <a:latin typeface="仿宋_GB2312" panose="02010609030101010101" pitchFamily="49" charset="-122"/>
-                          <a:ea typeface="仿宋_GB2312" panose="02010609030101010101" pitchFamily="49" charset="-122"/>
-                          <a:cs typeface="Times New Roman" panose="02020603050405020304" pitchFamily="18" charset="0"/>
-                        </a:rPr>
-                        <a:t>OR </a:t>
-                      </a:r>
-                      <a:endParaRPr lang="zh-CN" sz="1600" kern="100">
-                        <a:effectLst/>
-                        <a:latin typeface="仿宋_GB2312" panose="02010609030101010101" pitchFamily="49" charset="-122"/>
-                        <a:ea typeface="仿宋_GB2312" panose="02010609030101010101" pitchFamily="49" charset="-122"/>
-                        <a:cs typeface="Times New Roman" panose="02020603050405020304" pitchFamily="18" charset="0"/>
-                      </a:endParaRPr>
-                    </a:p>
-                  </a:txBody>
-                  <a:tcPr marL="68580" marR="68580" marT="6350" marB="0">
-                    <a:lnL w="12700" cap="flat" cmpd="sng" algn="ctr">
-                      <a:solidFill>
-                        <a:srgbClr val="000000"/>
-                      </a:solidFill>
-                      <a:prstDash val="solid"/>
-                      <a:round/>
-                      <a:headEnd type="none" w="med" len="med"/>
-                      <a:tailEnd type="none" w="med" len="med"/>
-                    </a:lnL>
-                    <a:lnR w="12700" cap="flat" cmpd="sng" algn="ctr">
-                      <a:solidFill>
-                        <a:srgbClr val="000000"/>
-                      </a:solidFill>
-                      <a:prstDash val="solid"/>
-                      <a:round/>
-                      <a:headEnd type="none" w="med" len="med"/>
-                      <a:tailEnd type="none" w="med" len="med"/>
-                    </a:lnR>
-                    <a:lnT w="12700" cap="flat" cmpd="sng" algn="ctr">
-                      <a:solidFill>
-                        <a:srgbClr val="000000"/>
-                      </a:solidFill>
-                      <a:prstDash val="solid"/>
-                      <a:round/>
-                      <a:headEnd type="none" w="med" len="med"/>
-                      <a:tailEnd type="none" w="med" len="med"/>
-                    </a:lnT>
-                    <a:lnB w="12700" cap="flat" cmpd="sng" algn="ctr">
-                      <a:solidFill>
-                        <a:srgbClr val="000000"/>
-                      </a:solidFill>
-                      <a:prstDash val="solid"/>
-                      <a:round/>
-                      <a:headEnd type="none" w="med" len="med"/>
-                      <a:tailEnd type="none" w="med" len="med"/>
-                    </a:lnB>
-                    <a:solidFill>
-                      <a:schemeClr val="bg1"/>
-                    </a:solidFill>
-                  </a:tcPr>
-                </a:tc>
-                <a:extLst>
-                  <a:ext uri="{0D108BD9-81ED-4DB2-BD59-A6C34878D82A}">
-                    <a16:rowId xmlns:a16="http://schemas.microsoft.com/office/drawing/2014/main" val="733521313"/>
-                  </a:ext>
-                </a:extLst>
-              </a:tr>
-              <a:tr h="0">
-                <a:tc>
-                  <a:txBody>
-                    <a:bodyPr/>
-                    <a:lstStyle/>
-                    <a:p>
-                      <a:pPr algn="ctr">
-                        <a:lnSpc>
-                          <a:spcPts val="1800"/>
-                        </a:lnSpc>
-                        <a:spcAft>
-                          <a:spcPts val="0"/>
-                        </a:spcAft>
-                      </a:pPr>
-                      <a:r>
-                        <a:rPr lang="en-US" sz="1600" kern="100">
-                          <a:effectLst/>
-                          <a:latin typeface="仿宋_GB2312" panose="02010609030101010101" pitchFamily="49" charset="-122"/>
-                          <a:ea typeface="仿宋_GB2312" panose="02010609030101010101" pitchFamily="49" charset="-122"/>
-                          <a:cs typeface="Times New Roman" panose="02020603050405020304" pitchFamily="18" charset="0"/>
-                        </a:rPr>
-                        <a:t>TRUE </a:t>
-                      </a:r>
-                      <a:endParaRPr lang="zh-CN" sz="1600" kern="100">
-                        <a:effectLst/>
-                        <a:latin typeface="仿宋_GB2312" panose="02010609030101010101" pitchFamily="49" charset="-122"/>
-                        <a:ea typeface="仿宋_GB2312" panose="02010609030101010101" pitchFamily="49" charset="-122"/>
-                        <a:cs typeface="Times New Roman" panose="02020603050405020304" pitchFamily="18" charset="0"/>
-                      </a:endParaRPr>
-                    </a:p>
-                  </a:txBody>
-                  <a:tcPr marL="68580" marR="68580" marT="6350" marB="0">
-                    <a:lnL w="12700" cap="flat" cmpd="sng" algn="ctr">
-                      <a:solidFill>
-                        <a:srgbClr val="000000"/>
-                      </a:solidFill>
-                      <a:prstDash val="solid"/>
-                      <a:round/>
-                      <a:headEnd type="none" w="med" len="med"/>
-                      <a:tailEnd type="none" w="med" len="med"/>
-                    </a:lnL>
-                    <a:lnR w="12700" cap="flat" cmpd="sng" algn="ctr">
-                      <a:solidFill>
-                        <a:srgbClr val="000000"/>
-                      </a:solidFill>
-                      <a:prstDash val="solid"/>
-                      <a:round/>
-                      <a:headEnd type="none" w="med" len="med"/>
-                      <a:tailEnd type="none" w="med" len="med"/>
-                    </a:lnR>
-                    <a:lnT w="12700" cap="flat" cmpd="sng" algn="ctr">
-                      <a:solidFill>
-                        <a:srgbClr val="000000"/>
-                      </a:solidFill>
-                      <a:prstDash val="solid"/>
-                      <a:round/>
-                      <a:headEnd type="none" w="med" len="med"/>
-                      <a:tailEnd type="none" w="med" len="med"/>
-                    </a:lnT>
-                    <a:lnB w="12700" cap="flat" cmpd="sng" algn="ctr">
-                      <a:solidFill>
-                        <a:srgbClr val="000000"/>
-                      </a:solidFill>
-                      <a:prstDash val="solid"/>
-                      <a:round/>
-                      <a:headEnd type="none" w="med" len="med"/>
-                      <a:tailEnd type="none" w="med" len="med"/>
-                    </a:lnB>
-                    <a:solidFill>
-                      <a:schemeClr val="bg1"/>
-                    </a:solidFill>
-                  </a:tcPr>
-                </a:tc>
-                <a:tc>
-                  <a:txBody>
-                    <a:bodyPr/>
-                    <a:lstStyle/>
-                    <a:p>
-                      <a:pPr algn="ctr">
-                        <a:lnSpc>
-                          <a:spcPts val="1800"/>
-                        </a:lnSpc>
-                        <a:spcAft>
-                          <a:spcPts val="0"/>
-                        </a:spcAft>
-                      </a:pPr>
-                      <a:r>
-                        <a:rPr lang="en-US" sz="1600" kern="100">
-                          <a:effectLst/>
-                          <a:latin typeface="仿宋_GB2312" panose="02010609030101010101" pitchFamily="49" charset="-122"/>
-                          <a:ea typeface="仿宋_GB2312" panose="02010609030101010101" pitchFamily="49" charset="-122"/>
-                          <a:cs typeface="Times New Roman" panose="02020603050405020304" pitchFamily="18" charset="0"/>
-                        </a:rPr>
-                        <a:t>false </a:t>
-                      </a:r>
-                      <a:endParaRPr lang="zh-CN" sz="1600" kern="100">
-                        <a:effectLst/>
-                        <a:latin typeface="仿宋_GB2312" panose="02010609030101010101" pitchFamily="49" charset="-122"/>
-                        <a:ea typeface="仿宋_GB2312" panose="02010609030101010101" pitchFamily="49" charset="-122"/>
-                        <a:cs typeface="Times New Roman" panose="02020603050405020304" pitchFamily="18" charset="0"/>
-                      </a:endParaRPr>
-                    </a:p>
-                  </a:txBody>
-                  <a:tcPr marL="68580" marR="68580" marT="6350" marB="0">
-                    <a:lnL w="12700" cap="flat" cmpd="sng" algn="ctr">
-                      <a:solidFill>
-                        <a:srgbClr val="000000"/>
-                      </a:solidFill>
-                      <a:prstDash val="solid"/>
-                      <a:round/>
-                      <a:headEnd type="none" w="med" len="med"/>
-                      <a:tailEnd type="none" w="med" len="med"/>
-                    </a:lnL>
-                    <a:lnR w="12700" cap="flat" cmpd="sng" algn="ctr">
-                      <a:solidFill>
-                        <a:srgbClr val="000000"/>
-                      </a:solidFill>
-                      <a:prstDash val="solid"/>
-                      <a:round/>
-                      <a:headEnd type="none" w="med" len="med"/>
-                      <a:tailEnd type="none" w="med" len="med"/>
-                    </a:lnR>
-                    <a:lnT w="12700" cap="flat" cmpd="sng" algn="ctr">
-                      <a:solidFill>
-                        <a:srgbClr val="000000"/>
-                      </a:solidFill>
-                      <a:prstDash val="solid"/>
-                      <a:round/>
-                      <a:headEnd type="none" w="med" len="med"/>
-                      <a:tailEnd type="none" w="med" len="med"/>
-                    </a:lnT>
-                    <a:lnB w="12700" cap="flat" cmpd="sng" algn="ctr">
-                      <a:solidFill>
-                        <a:srgbClr val="000000"/>
-                      </a:solidFill>
-                      <a:prstDash val="solid"/>
-                      <a:round/>
-                      <a:headEnd type="none" w="med" len="med"/>
-                      <a:tailEnd type="none" w="med" len="med"/>
-                    </a:lnB>
-                    <a:solidFill>
-                      <a:schemeClr val="bg1"/>
-                    </a:solidFill>
-                  </a:tcPr>
-                </a:tc>
-                <a:tc>
-                  <a:txBody>
-                    <a:bodyPr/>
-                    <a:lstStyle/>
-                    <a:p>
-                      <a:pPr algn="ctr">
-                        <a:lnSpc>
-                          <a:spcPts val="1800"/>
-                        </a:lnSpc>
-                        <a:spcAft>
-                          <a:spcPts val="0"/>
-                        </a:spcAft>
-                      </a:pPr>
-                      <a:r>
-                        <a:rPr lang="en-US" sz="1600" kern="100">
-                          <a:effectLst/>
-                          <a:latin typeface="仿宋_GB2312" panose="02010609030101010101" pitchFamily="49" charset="-122"/>
-                          <a:ea typeface="仿宋_GB2312" panose="02010609030101010101" pitchFamily="49" charset="-122"/>
-                          <a:cs typeface="Times New Roman" panose="02020603050405020304" pitchFamily="18" charset="0"/>
-                        </a:rPr>
-                        <a:t>False </a:t>
-                      </a:r>
-                      <a:endParaRPr lang="zh-CN" sz="1600" kern="100">
-                        <a:effectLst/>
-                        <a:latin typeface="仿宋_GB2312" panose="02010609030101010101" pitchFamily="49" charset="-122"/>
-                        <a:ea typeface="仿宋_GB2312" panose="02010609030101010101" pitchFamily="49" charset="-122"/>
-                        <a:cs typeface="Times New Roman" panose="02020603050405020304" pitchFamily="18" charset="0"/>
-                      </a:endParaRPr>
-                    </a:p>
-                  </a:txBody>
-                  <a:tcPr marL="68580" marR="68580" marT="6350" marB="0">
-                    <a:lnL w="12700" cap="flat" cmpd="sng" algn="ctr">
-                      <a:solidFill>
-                        <a:srgbClr val="000000"/>
-                      </a:solidFill>
-                      <a:prstDash val="solid"/>
-                      <a:round/>
-                      <a:headEnd type="none" w="med" len="med"/>
-                      <a:tailEnd type="none" w="med" len="med"/>
-                    </a:lnL>
-                    <a:lnR w="12700" cap="flat" cmpd="sng" algn="ctr">
-                      <a:solidFill>
-                        <a:srgbClr val="000000"/>
-                      </a:solidFill>
-                      <a:prstDash val="solid"/>
-                      <a:round/>
-                      <a:headEnd type="none" w="med" len="med"/>
-                      <a:tailEnd type="none" w="med" len="med"/>
-                    </a:lnR>
-                    <a:lnT w="12700" cap="flat" cmpd="sng" algn="ctr">
-                      <a:solidFill>
-                        <a:srgbClr val="000000"/>
-                      </a:solidFill>
-                      <a:prstDash val="solid"/>
-                      <a:round/>
-                      <a:headEnd type="none" w="med" len="med"/>
-                      <a:tailEnd type="none" w="med" len="med"/>
-                    </a:lnT>
-                    <a:lnB w="12700" cap="flat" cmpd="sng" algn="ctr">
-                      <a:solidFill>
-                        <a:srgbClr val="000000"/>
-                      </a:solidFill>
-                      <a:prstDash val="solid"/>
-                      <a:round/>
-                      <a:headEnd type="none" w="med" len="med"/>
-                      <a:tailEnd type="none" w="med" len="med"/>
-                    </a:lnB>
-                    <a:solidFill>
-                      <a:schemeClr val="bg1"/>
-                    </a:solidFill>
-                  </a:tcPr>
-                </a:tc>
-                <a:tc>
-                  <a:txBody>
-                    <a:bodyPr/>
-                    <a:lstStyle/>
-                    <a:p>
-                      <a:pPr algn="ctr">
-                        <a:lnSpc>
-                          <a:spcPts val="1800"/>
-                        </a:lnSpc>
-                        <a:spcAft>
-                          <a:spcPts val="0"/>
-                        </a:spcAft>
-                      </a:pPr>
-                      <a:r>
-                        <a:rPr lang="en-US" sz="1600" kern="100">
-                          <a:effectLst/>
-                          <a:latin typeface="仿宋_GB2312" panose="02010609030101010101" pitchFamily="49" charset="-122"/>
-                          <a:ea typeface="仿宋_GB2312" panose="02010609030101010101" pitchFamily="49" charset="-122"/>
-                          <a:cs typeface="Times New Roman" panose="02020603050405020304" pitchFamily="18" charset="0"/>
-                        </a:rPr>
-                        <a:t>with </a:t>
-                      </a:r>
-                      <a:endParaRPr lang="zh-CN" sz="1600" kern="100">
-                        <a:effectLst/>
-                        <a:latin typeface="仿宋_GB2312" panose="02010609030101010101" pitchFamily="49" charset="-122"/>
-                        <a:ea typeface="仿宋_GB2312" panose="02010609030101010101" pitchFamily="49" charset="-122"/>
-                        <a:cs typeface="Times New Roman" panose="02020603050405020304" pitchFamily="18" charset="0"/>
-                      </a:endParaRPr>
-                    </a:p>
-                  </a:txBody>
-                  <a:tcPr marL="68580" marR="68580" marT="6350" marB="0">
-                    <a:lnL w="12700" cap="flat" cmpd="sng" algn="ctr">
-                      <a:solidFill>
-                        <a:srgbClr val="000000"/>
-                      </a:solidFill>
-                      <a:prstDash val="solid"/>
-                      <a:round/>
-                      <a:headEnd type="none" w="med" len="med"/>
-                      <a:tailEnd type="none" w="med" len="med"/>
-                    </a:lnL>
-                    <a:lnR w="12700" cap="flat" cmpd="sng" algn="ctr">
-                      <a:solidFill>
-                        <a:srgbClr val="000000"/>
-                      </a:solidFill>
-                      <a:prstDash val="solid"/>
-                      <a:round/>
-                      <a:headEnd type="none" w="med" len="med"/>
-                      <a:tailEnd type="none" w="med" len="med"/>
-                    </a:lnR>
-                    <a:lnT w="12700" cap="flat" cmpd="sng" algn="ctr">
-                      <a:solidFill>
-                        <a:srgbClr val="000000"/>
-                      </a:solidFill>
-                      <a:prstDash val="solid"/>
-                      <a:round/>
-                      <a:headEnd type="none" w="med" len="med"/>
-                      <a:tailEnd type="none" w="med" len="med"/>
-                    </a:lnT>
-                    <a:lnB w="12700" cap="flat" cmpd="sng" algn="ctr">
-                      <a:solidFill>
-                        <a:srgbClr val="000000"/>
-                      </a:solidFill>
-                      <a:prstDash val="solid"/>
-                      <a:round/>
-                      <a:headEnd type="none" w="med" len="med"/>
-                      <a:tailEnd type="none" w="med" len="med"/>
-                    </a:lnB>
-                    <a:solidFill>
-                      <a:schemeClr val="bg1"/>
-                    </a:solidFill>
-                  </a:tcPr>
-                </a:tc>
-                <a:tc>
-                  <a:txBody>
-                    <a:bodyPr/>
-                    <a:lstStyle/>
-                    <a:p>
-                      <a:pPr algn="ctr">
-                        <a:lnSpc>
-                          <a:spcPts val="1800"/>
-                        </a:lnSpc>
-                        <a:spcAft>
-                          <a:spcPts val="0"/>
-                        </a:spcAft>
-                      </a:pPr>
-                      <a:r>
-                        <a:rPr lang="en-US" sz="1600" kern="100">
-                          <a:effectLst/>
-                          <a:latin typeface="仿宋_GB2312" panose="02010609030101010101" pitchFamily="49" charset="-122"/>
-                          <a:ea typeface="仿宋_GB2312" panose="02010609030101010101" pitchFamily="49" charset="-122"/>
-                          <a:cs typeface="Times New Roman" panose="02020603050405020304" pitchFamily="18" charset="0"/>
-                        </a:rPr>
-                        <a:t>return </a:t>
-                      </a:r>
-                      <a:endParaRPr lang="zh-CN" sz="1600" kern="100">
-                        <a:effectLst/>
-                        <a:latin typeface="仿宋_GB2312" panose="02010609030101010101" pitchFamily="49" charset="-122"/>
-                        <a:ea typeface="仿宋_GB2312" panose="02010609030101010101" pitchFamily="49" charset="-122"/>
-                        <a:cs typeface="Times New Roman" panose="02020603050405020304" pitchFamily="18" charset="0"/>
-                      </a:endParaRPr>
-                    </a:p>
-                  </a:txBody>
-                  <a:tcPr marL="68580" marR="68580" marT="6350" marB="0">
-                    <a:lnL w="12700" cap="flat" cmpd="sng" algn="ctr">
-                      <a:solidFill>
-                        <a:srgbClr val="000000"/>
-                      </a:solidFill>
-                      <a:prstDash val="solid"/>
-                      <a:round/>
-                      <a:headEnd type="none" w="med" len="med"/>
-                      <a:tailEnd type="none" w="med" len="med"/>
-                    </a:lnL>
-                    <a:lnR w="12700" cap="flat" cmpd="sng" algn="ctr">
-                      <a:solidFill>
-                        <a:srgbClr val="000000"/>
-                      </a:solidFill>
-                      <a:prstDash val="solid"/>
-                      <a:round/>
-                      <a:headEnd type="none" w="med" len="med"/>
-                      <a:tailEnd type="none" w="med" len="med"/>
-                    </a:lnR>
-                    <a:lnT w="12700" cap="flat" cmpd="sng" algn="ctr">
-                      <a:solidFill>
-                        <a:srgbClr val="000000"/>
-                      </a:solidFill>
-                      <a:prstDash val="solid"/>
-                      <a:round/>
-                      <a:headEnd type="none" w="med" len="med"/>
-                      <a:tailEnd type="none" w="med" len="med"/>
-                    </a:lnT>
-                    <a:lnB w="12700" cap="flat" cmpd="sng" algn="ctr">
-                      <a:solidFill>
-                        <a:srgbClr val="000000"/>
-                      </a:solidFill>
-                      <a:prstDash val="solid"/>
-                      <a:round/>
-                      <a:headEnd type="none" w="med" len="med"/>
-                      <a:tailEnd type="none" w="med" len="med"/>
-                    </a:lnB>
-                    <a:solidFill>
-                      <a:schemeClr val="bg1"/>
-                    </a:solidFill>
-                  </a:tcPr>
-                </a:tc>
-                <a:extLst>
-                  <a:ext uri="{0D108BD9-81ED-4DB2-BD59-A6C34878D82A}">
-                    <a16:rowId xmlns:a16="http://schemas.microsoft.com/office/drawing/2014/main" val="1383359670"/>
-                  </a:ext>
-                </a:extLst>
-              </a:tr>
-              <a:tr h="0">
-                <a:tc>
-                  <a:txBody>
-                    <a:bodyPr/>
-                    <a:lstStyle/>
-                    <a:p>
-                      <a:pPr algn="ctr">
-                        <a:lnSpc>
-                          <a:spcPts val="1800"/>
-                        </a:lnSpc>
-                        <a:spcAft>
-                          <a:spcPts val="0"/>
-                        </a:spcAft>
-                      </a:pPr>
-                      <a:r>
-                        <a:rPr lang="en-US" sz="1600" kern="100">
-                          <a:effectLst/>
-                          <a:latin typeface="仿宋_GB2312" panose="02010609030101010101" pitchFamily="49" charset="-122"/>
-                          <a:ea typeface="仿宋_GB2312" panose="02010609030101010101" pitchFamily="49" charset="-122"/>
-                          <a:cs typeface="Times New Roman" panose="02020603050405020304" pitchFamily="18" charset="0"/>
-                        </a:rPr>
-                        <a:t>int </a:t>
-                      </a:r>
-                      <a:endParaRPr lang="zh-CN" sz="1600" kern="100">
-                        <a:effectLst/>
-                        <a:latin typeface="仿宋_GB2312" panose="02010609030101010101" pitchFamily="49" charset="-122"/>
-                        <a:ea typeface="仿宋_GB2312" panose="02010609030101010101" pitchFamily="49" charset="-122"/>
-                        <a:cs typeface="Times New Roman" panose="02020603050405020304" pitchFamily="18" charset="0"/>
-                      </a:endParaRPr>
-                    </a:p>
-                  </a:txBody>
-                  <a:tcPr marL="68580" marR="68580" marT="6350" marB="0">
-                    <a:lnL w="12700" cap="flat" cmpd="sng" algn="ctr">
-                      <a:solidFill>
-                        <a:srgbClr val="000000"/>
-                      </a:solidFill>
-                      <a:prstDash val="solid"/>
-                      <a:round/>
-                      <a:headEnd type="none" w="med" len="med"/>
-                      <a:tailEnd type="none" w="med" len="med"/>
-                    </a:lnL>
-                    <a:lnR w="12700" cap="flat" cmpd="sng" algn="ctr">
-                      <a:solidFill>
-                        <a:srgbClr val="000000"/>
-                      </a:solidFill>
-                      <a:prstDash val="solid"/>
-                      <a:round/>
-                      <a:headEnd type="none" w="med" len="med"/>
-                      <a:tailEnd type="none" w="med" len="med"/>
-                    </a:lnR>
-                    <a:lnT w="12700" cap="flat" cmpd="sng" algn="ctr">
-                      <a:solidFill>
-                        <a:srgbClr val="000000"/>
-                      </a:solidFill>
-                      <a:prstDash val="solid"/>
-                      <a:round/>
-                      <a:headEnd type="none" w="med" len="med"/>
-                      <a:tailEnd type="none" w="med" len="med"/>
-                    </a:lnT>
-                    <a:lnB w="12700" cap="flat" cmpd="sng" algn="ctr">
-                      <a:solidFill>
-                        <a:srgbClr val="000000"/>
-                      </a:solidFill>
-                      <a:prstDash val="solid"/>
-                      <a:round/>
-                      <a:headEnd type="none" w="med" len="med"/>
-                      <a:tailEnd type="none" w="med" len="med"/>
-                    </a:lnB>
-                    <a:solidFill>
-                      <a:schemeClr val="bg1"/>
-                    </a:solidFill>
-                  </a:tcPr>
-                </a:tc>
-                <a:tc>
-                  <a:txBody>
-                    <a:bodyPr/>
-                    <a:lstStyle/>
-                    <a:p>
-                      <a:pPr algn="ctr">
-                        <a:lnSpc>
-                          <a:spcPts val="1800"/>
-                        </a:lnSpc>
-                        <a:spcAft>
-                          <a:spcPts val="0"/>
-                        </a:spcAft>
-                      </a:pPr>
-                      <a:r>
-                        <a:rPr lang="en-US" sz="1600" kern="100">
-                          <a:effectLst/>
-                          <a:latin typeface="仿宋_GB2312" panose="02010609030101010101" pitchFamily="49" charset="-122"/>
-                          <a:ea typeface="仿宋_GB2312" panose="02010609030101010101" pitchFamily="49" charset="-122"/>
-                          <a:cs typeface="Times New Roman" panose="02020603050405020304" pitchFamily="18" charset="0"/>
-                        </a:rPr>
-                        <a:t>str </a:t>
-                      </a:r>
-                      <a:endParaRPr lang="zh-CN" sz="1600" kern="100">
-                        <a:effectLst/>
-                        <a:latin typeface="仿宋_GB2312" panose="02010609030101010101" pitchFamily="49" charset="-122"/>
-                        <a:ea typeface="仿宋_GB2312" panose="02010609030101010101" pitchFamily="49" charset="-122"/>
-                        <a:cs typeface="Times New Roman" panose="02020603050405020304" pitchFamily="18" charset="0"/>
-                      </a:endParaRPr>
-                    </a:p>
-                  </a:txBody>
-                  <a:tcPr marL="68580" marR="68580" marT="6350" marB="0">
-                    <a:lnL w="12700" cap="flat" cmpd="sng" algn="ctr">
-                      <a:solidFill>
-                        <a:srgbClr val="000000"/>
-                      </a:solidFill>
-                      <a:prstDash val="solid"/>
-                      <a:round/>
-                      <a:headEnd type="none" w="med" len="med"/>
-                      <a:tailEnd type="none" w="med" len="med"/>
-                    </a:lnL>
-                    <a:lnR w="12700" cap="flat" cmpd="sng" algn="ctr">
-                      <a:solidFill>
-                        <a:srgbClr val="000000"/>
-                      </a:solidFill>
-                      <a:prstDash val="solid"/>
-                      <a:round/>
-                      <a:headEnd type="none" w="med" len="med"/>
-                      <a:tailEnd type="none" w="med" len="med"/>
-                    </a:lnR>
-                    <a:lnT w="12700" cap="flat" cmpd="sng" algn="ctr">
-                      <a:solidFill>
-                        <a:srgbClr val="000000"/>
-                      </a:solidFill>
-                      <a:prstDash val="solid"/>
-                      <a:round/>
-                      <a:headEnd type="none" w="med" len="med"/>
-                      <a:tailEnd type="none" w="med" len="med"/>
-                    </a:lnT>
-                    <a:lnB w="12700" cap="flat" cmpd="sng" algn="ctr">
-                      <a:solidFill>
-                        <a:srgbClr val="000000"/>
-                      </a:solidFill>
-                      <a:prstDash val="solid"/>
-                      <a:round/>
-                      <a:headEnd type="none" w="med" len="med"/>
-                      <a:tailEnd type="none" w="med" len="med"/>
-                    </a:lnB>
-                    <a:solidFill>
-                      <a:schemeClr val="bg1"/>
-                    </a:solidFill>
-                  </a:tcPr>
-                </a:tc>
-                <a:tc>
-                  <a:txBody>
-                    <a:bodyPr/>
-                    <a:lstStyle/>
-                    <a:p>
-                      <a:pPr algn="ctr">
-                        <a:lnSpc>
-                          <a:spcPts val="1800"/>
-                        </a:lnSpc>
-                        <a:spcAft>
-                          <a:spcPts val="0"/>
-                        </a:spcAft>
-                      </a:pPr>
-                      <a:r>
-                        <a:rPr lang="en-US" sz="1600" kern="100">
-                          <a:effectLst/>
-                          <a:latin typeface="仿宋_GB2312" panose="02010609030101010101" pitchFamily="49" charset="-122"/>
-                          <a:ea typeface="仿宋_GB2312" panose="02010609030101010101" pitchFamily="49" charset="-122"/>
-                          <a:cs typeface="Times New Roman" panose="02020603050405020304" pitchFamily="18" charset="0"/>
-                        </a:rPr>
-                        <a:t>None </a:t>
-                      </a:r>
-                      <a:endParaRPr lang="zh-CN" sz="1600" kern="100">
-                        <a:effectLst/>
-                        <a:latin typeface="仿宋_GB2312" panose="02010609030101010101" pitchFamily="49" charset="-122"/>
-                        <a:ea typeface="仿宋_GB2312" panose="02010609030101010101" pitchFamily="49" charset="-122"/>
-                        <a:cs typeface="Times New Roman" panose="02020603050405020304" pitchFamily="18" charset="0"/>
-                      </a:endParaRPr>
-                    </a:p>
-                  </a:txBody>
-                  <a:tcPr marL="68580" marR="68580" marT="6350" marB="0">
-                    <a:lnL w="12700" cap="flat" cmpd="sng" algn="ctr">
-                      <a:solidFill>
-                        <a:srgbClr val="000000"/>
-                      </a:solidFill>
-                      <a:prstDash val="solid"/>
-                      <a:round/>
-                      <a:headEnd type="none" w="med" len="med"/>
-                      <a:tailEnd type="none" w="med" len="med"/>
-                    </a:lnL>
-                    <a:lnR w="12700" cap="flat" cmpd="sng" algn="ctr">
-                      <a:solidFill>
-                        <a:srgbClr val="000000"/>
-                      </a:solidFill>
-                      <a:prstDash val="solid"/>
-                      <a:round/>
-                      <a:headEnd type="none" w="med" len="med"/>
-                      <a:tailEnd type="none" w="med" len="med"/>
-                    </a:lnR>
-                    <a:lnT w="12700" cap="flat" cmpd="sng" algn="ctr">
-                      <a:solidFill>
-                        <a:srgbClr val="000000"/>
-                      </a:solidFill>
-                      <a:prstDash val="solid"/>
-                      <a:round/>
-                      <a:headEnd type="none" w="med" len="med"/>
-                      <a:tailEnd type="none" w="med" len="med"/>
-                    </a:lnT>
-                    <a:lnB w="12700" cap="flat" cmpd="sng" algn="ctr">
-                      <a:solidFill>
-                        <a:srgbClr val="000000"/>
-                      </a:solidFill>
-                      <a:prstDash val="solid"/>
-                      <a:round/>
-                      <a:headEnd type="none" w="med" len="med"/>
-                      <a:tailEnd type="none" w="med" len="med"/>
-                    </a:lnB>
-                    <a:solidFill>
-                      <a:schemeClr val="bg1"/>
-                    </a:solidFill>
-                  </a:tcPr>
-                </a:tc>
-                <a:tc>
-                  <a:txBody>
-                    <a:bodyPr/>
-                    <a:lstStyle/>
-                    <a:p>
-                      <a:pPr algn="ctr">
-                        <a:lnSpc>
-                          <a:spcPts val="1800"/>
-                        </a:lnSpc>
-                        <a:spcAft>
-                          <a:spcPts val="0"/>
-                        </a:spcAft>
-                      </a:pPr>
-                      <a:r>
-                        <a:rPr lang="en-US" sz="1600" kern="100">
-                          <a:effectLst/>
-                          <a:latin typeface="仿宋_GB2312" panose="02010609030101010101" pitchFamily="49" charset="-122"/>
-                          <a:ea typeface="仿宋_GB2312" panose="02010609030101010101" pitchFamily="49" charset="-122"/>
-                          <a:cs typeface="Times New Roman" panose="02020603050405020304" pitchFamily="18" charset="0"/>
-                        </a:rPr>
-                        <a:t>none </a:t>
-                      </a:r>
-                      <a:endParaRPr lang="zh-CN" sz="1600" kern="100">
-                        <a:effectLst/>
-                        <a:latin typeface="仿宋_GB2312" panose="02010609030101010101" pitchFamily="49" charset="-122"/>
-                        <a:ea typeface="仿宋_GB2312" panose="02010609030101010101" pitchFamily="49" charset="-122"/>
-                        <a:cs typeface="Times New Roman" panose="02020603050405020304" pitchFamily="18" charset="0"/>
-                      </a:endParaRPr>
-                    </a:p>
-                  </a:txBody>
-                  <a:tcPr marL="68580" marR="68580" marT="6350" marB="0">
-                    <a:lnL w="12700" cap="flat" cmpd="sng" algn="ctr">
-                      <a:solidFill>
-                        <a:srgbClr val="000000"/>
-                      </a:solidFill>
-                      <a:prstDash val="solid"/>
-                      <a:round/>
-                      <a:headEnd type="none" w="med" len="med"/>
-                      <a:tailEnd type="none" w="med" len="med"/>
-                    </a:lnL>
-                    <a:lnR w="12700" cap="flat" cmpd="sng" algn="ctr">
-                      <a:solidFill>
-                        <a:srgbClr val="000000"/>
-                      </a:solidFill>
-                      <a:prstDash val="solid"/>
-                      <a:round/>
-                      <a:headEnd type="none" w="med" len="med"/>
-                      <a:tailEnd type="none" w="med" len="med"/>
-                    </a:lnR>
-                    <a:lnT w="12700" cap="flat" cmpd="sng" algn="ctr">
-                      <a:solidFill>
-                        <a:srgbClr val="000000"/>
-                      </a:solidFill>
-                      <a:prstDash val="solid"/>
-                      <a:round/>
-                      <a:headEnd type="none" w="med" len="med"/>
-                      <a:tailEnd type="none" w="med" len="med"/>
-                    </a:lnT>
-                    <a:lnB w="12700" cap="flat" cmpd="sng" algn="ctr">
-                      <a:solidFill>
-                        <a:srgbClr val="000000"/>
-                      </a:solidFill>
-                      <a:prstDash val="solid"/>
-                      <a:round/>
-                      <a:headEnd type="none" w="med" len="med"/>
-                      <a:tailEnd type="none" w="med" len="med"/>
-                    </a:lnB>
-                    <a:solidFill>
-                      <a:schemeClr val="bg1"/>
-                    </a:solidFill>
-                  </a:tcPr>
-                </a:tc>
-                <a:tc>
-                  <a:txBody>
-                    <a:bodyPr/>
-                    <a:lstStyle/>
-                    <a:p>
-                      <a:pPr algn="ctr">
-                        <a:lnSpc>
-                          <a:spcPts val="1800"/>
-                        </a:lnSpc>
-                        <a:spcAft>
-                          <a:spcPts val="0"/>
-                        </a:spcAft>
-                      </a:pPr>
-                      <a:r>
-                        <a:rPr lang="en-US" sz="1600" kern="100" dirty="0">
-                          <a:effectLst/>
-                          <a:latin typeface="仿宋_GB2312" panose="02010609030101010101" pitchFamily="49" charset="-122"/>
-                          <a:ea typeface="仿宋_GB2312" panose="02010609030101010101" pitchFamily="49" charset="-122"/>
-                          <a:cs typeface="Times New Roman" panose="02020603050405020304" pitchFamily="18" charset="0"/>
-                        </a:rPr>
-                        <a:t>pass</a:t>
-                      </a:r>
-                      <a:endParaRPr lang="zh-CN" sz="1600" kern="100" dirty="0">
-                        <a:effectLst/>
-                        <a:latin typeface="仿宋_GB2312" panose="02010609030101010101" pitchFamily="49" charset="-122"/>
-                        <a:ea typeface="仿宋_GB2312" panose="02010609030101010101" pitchFamily="49" charset="-122"/>
-                        <a:cs typeface="Times New Roman" panose="02020603050405020304" pitchFamily="18" charset="0"/>
-                      </a:endParaRPr>
-                    </a:p>
-                  </a:txBody>
-                  <a:tcPr marL="68580" marR="68580" marT="6350" marB="0">
-                    <a:lnL w="12700" cap="flat" cmpd="sng" algn="ctr">
-                      <a:solidFill>
-                        <a:srgbClr val="000000"/>
-                      </a:solidFill>
-                      <a:prstDash val="solid"/>
-                      <a:round/>
-                      <a:headEnd type="none" w="med" len="med"/>
-                      <a:tailEnd type="none" w="med" len="med"/>
-                    </a:lnL>
-                    <a:lnR w="12700" cap="flat" cmpd="sng" algn="ctr">
-                      <a:solidFill>
-                        <a:srgbClr val="000000"/>
-                      </a:solidFill>
-                      <a:prstDash val="solid"/>
-                      <a:round/>
-                      <a:headEnd type="none" w="med" len="med"/>
-                      <a:tailEnd type="none" w="med" len="med"/>
-                    </a:lnR>
-                    <a:lnT w="12700" cap="flat" cmpd="sng" algn="ctr">
-                      <a:solidFill>
-                        <a:srgbClr val="000000"/>
-                      </a:solidFill>
-                      <a:prstDash val="solid"/>
-                      <a:round/>
-                      <a:headEnd type="none" w="med" len="med"/>
-                      <a:tailEnd type="none" w="med" len="med"/>
-                    </a:lnT>
-                    <a:lnB w="12700" cap="flat" cmpd="sng" algn="ctr">
-                      <a:solidFill>
-                        <a:srgbClr val="000000"/>
-                      </a:solidFill>
-                      <a:prstDash val="solid"/>
-                      <a:round/>
-                      <a:headEnd type="none" w="med" len="med"/>
-                      <a:tailEnd type="none" w="med" len="med"/>
-                    </a:lnB>
-                    <a:solidFill>
-                      <a:schemeClr val="bg1"/>
-                    </a:solidFill>
-                  </a:tcPr>
-                </a:tc>
-                <a:extLst>
-                  <a:ext uri="{0D108BD9-81ED-4DB2-BD59-A6C34878D82A}">
-                    <a16:rowId xmlns:a16="http://schemas.microsoft.com/office/drawing/2014/main" val="541916065"/>
-                  </a:ext>
-                </a:extLst>
-              </a:tr>
-            </a:tbl>
-          </a:graphicData>
-        </a:graphic>
-      </p:graphicFrame>
     </p:spTree>
     <p:extLst>
       <p:ext uri="{BB962C8B-B14F-4D97-AF65-F5344CB8AC3E}">

--- a/1Python基本元素/幻灯片.pptx
+++ b/1Python基本元素/幻灯片.pptx
@@ -239,7 +239,7 @@
           <a:p>
             <a:fld id="{60F4B316-D924-4517-A5A2-4C8E0839E5E5}" type="datetimeFigureOut">
               <a:rPr lang="zh-CN" altLang="en-US" smtClean="0"/>
-              <a:t>2020/2/15</a:t>
+              <a:t>2020/2/16</a:t>
             </a:fld>
             <a:endParaRPr lang="zh-CN" altLang="en-US"/>
           </a:p>
@@ -404,7 +404,7 @@
           <a:p>
             <a:fld id="{BC4111D6-04E7-4F58-8A1B-6AD011BBED3C}" type="datetimeFigureOut">
               <a:rPr lang="zh-CN" altLang="en-US" smtClean="0"/>
-              <a:t>2020/2/15</a:t>
+              <a:t>2020/2/16</a:t>
             </a:fld>
             <a:endParaRPr lang="zh-CN" altLang="en-US"/>
           </a:p>
@@ -15695,8 +15695,8 @@
           </a:p>
         </p:txBody>
       </p:sp>
-      <mc:AlternateContent xmlns:mc="http://schemas.openxmlformats.org/markup-compatibility/2006">
-        <mc:Choice xmlns:pslz="http://schemas.microsoft.com/office/powerpoint/2016/slidezoom" Requires="pslz">
+      <mc:AlternateContent xmlns:mc="http://schemas.openxmlformats.org/markup-compatibility/2006" xmlns:pslz="http://schemas.microsoft.com/office/powerpoint/2016/slidezoom">
+        <mc:Choice Requires="pslz">
           <p:graphicFrame>
             <p:nvGraphicFramePr>
               <p:cNvPr id="7" name="幻灯片缩放定位 6">
@@ -15758,7 +15758,7 @@
             </a:graphic>
           </p:graphicFrame>
         </mc:Choice>
-        <mc:Fallback>
+        <mc:Fallback xmlns="">
           <p:pic>
             <p:nvPicPr>
               <p:cNvPr id="7" name="幻灯片缩放定位 6">
@@ -15775,7 +15775,7 @@
               <p:nvPr/>
             </p:nvPicPr>
             <p:blipFill>
-              <a:blip r:embed="rId2"/>
+              <a:blip r:embed="rId4"/>
               <a:stretch>
                 <a:fillRect/>
               </a:stretch>
@@ -16316,8 +16316,8 @@
           </a:p>
         </p:txBody>
       </p:sp>
-      <mc:AlternateContent xmlns:mc="http://schemas.openxmlformats.org/markup-compatibility/2006">
-        <mc:Choice xmlns:pslz="http://schemas.microsoft.com/office/powerpoint/2016/slidezoom" Requires="pslz">
+      <mc:AlternateContent xmlns:mc="http://schemas.openxmlformats.org/markup-compatibility/2006" xmlns:pslz="http://schemas.microsoft.com/office/powerpoint/2016/slidezoom">
+        <mc:Choice Requires="pslz">
           <p:graphicFrame>
             <p:nvGraphicFramePr>
               <p:cNvPr id="11" name="幻灯片缩放定位 10">
@@ -16379,7 +16379,7 @@
             </a:graphic>
           </p:graphicFrame>
         </mc:Choice>
-        <mc:Fallback>
+        <mc:Fallback xmlns="">
           <p:pic>
             <p:nvPicPr>
               <p:cNvPr id="11" name="幻灯片缩放定位 10">
@@ -16396,7 +16396,7 @@
               <p:nvPr/>
             </p:nvPicPr>
             <p:blipFill>
-              <a:blip r:embed="rId2"/>
+              <a:blip r:embed="rId4"/>
               <a:stretch>
                 <a:fillRect/>
               </a:stretch>
@@ -16438,7 +16438,7 @@
           <p:nvPr/>
         </p:nvPicPr>
         <p:blipFill>
-          <a:blip r:embed="rId4">
+          <a:blip r:embed="rId5">
             <a:extLst>
               <a:ext uri="{28A0092B-C50C-407E-A947-70E740481C1C}">
                 <a14:useLocalDpi xmlns:a14="http://schemas.microsoft.com/office/drawing/2010/main" val="0"/>
@@ -16813,8 +16813,8 @@
           </a:p>
         </p:txBody>
       </p:sp>
-      <mc:AlternateContent xmlns:mc="http://schemas.openxmlformats.org/markup-compatibility/2006">
-        <mc:Choice xmlns:pslz="http://schemas.microsoft.com/office/powerpoint/2016/slidezoom" Requires="pslz">
+      <mc:AlternateContent xmlns:mc="http://schemas.openxmlformats.org/markup-compatibility/2006" xmlns:pslz="http://schemas.microsoft.com/office/powerpoint/2016/slidezoom">
+        <mc:Choice Requires="pslz">
           <p:graphicFrame>
             <p:nvGraphicFramePr>
               <p:cNvPr id="7" name="幻灯片缩放定位 6">
@@ -16876,7 +16876,7 @@
             </a:graphic>
           </p:graphicFrame>
         </mc:Choice>
-        <mc:Fallback>
+        <mc:Fallback xmlns="">
           <p:pic>
             <p:nvPicPr>
               <p:cNvPr id="7" name="幻灯片缩放定位 6">
@@ -16893,7 +16893,7 @@
               <p:nvPr/>
             </p:nvPicPr>
             <p:blipFill>
-              <a:blip r:embed="rId2"/>
+              <a:blip r:embed="rId4"/>
               <a:stretch>
                 <a:fillRect/>
               </a:stretch>
@@ -18521,8 +18521,12 @@
               <a:buChar char="p"/>
             </a:pPr>
             <a:r>
+              <a:rPr lang="zh-CN" altLang="en-US" sz="2000"/>
+              <a:t>只能由大写</a:t>
+            </a:r>
+            <a:r>
               <a:rPr lang="zh-CN" altLang="en-US" sz="2000" dirty="0"/>
-              <a:t>只能有大写英文字母、小写英文字母、数字、下划线</a:t>
+              <a:t>英文字母、小写英文字母、数字、下划线</a:t>
             </a:r>
             <a:r>
               <a:rPr lang="en-US" altLang="zh-CN" sz="2000" dirty="0"/>
@@ -22963,8 +22967,8 @@
           </a:p>
         </p:txBody>
       </p:sp>
-      <mc:AlternateContent xmlns:mc="http://schemas.openxmlformats.org/markup-compatibility/2006">
-        <mc:Choice xmlns:pslz="http://schemas.microsoft.com/office/powerpoint/2016/slidezoom" Requires="pslz">
+      <mc:AlternateContent xmlns:mc="http://schemas.openxmlformats.org/markup-compatibility/2006" xmlns:pslz="http://schemas.microsoft.com/office/powerpoint/2016/slidezoom">
+        <mc:Choice Requires="pslz">
           <p:graphicFrame>
             <p:nvGraphicFramePr>
               <p:cNvPr id="6" name="幻灯片缩放定位 5">
@@ -23026,7 +23030,7 @@
             </a:graphic>
           </p:graphicFrame>
         </mc:Choice>
-        <mc:Fallback>
+        <mc:Fallback xmlns="">
           <p:pic>
             <p:nvPicPr>
               <p:cNvPr id="6" name="幻灯片缩放定位 5">
@@ -23043,7 +23047,7 @@
               <p:nvPr/>
             </p:nvPicPr>
             <p:blipFill>
-              <a:blip r:embed="rId2"/>
+              <a:blip r:embed="rId4"/>
               <a:stretch>
                 <a:fillRect/>
               </a:stretch>
@@ -23557,8 +23561,8 @@
           </a:p>
         </p:txBody>
       </p:sp>
-      <mc:AlternateContent xmlns:mc="http://schemas.openxmlformats.org/markup-compatibility/2006">
-        <mc:Choice xmlns:pslz="http://schemas.microsoft.com/office/powerpoint/2016/slidezoom" Requires="pslz">
+      <mc:AlternateContent xmlns:mc="http://schemas.openxmlformats.org/markup-compatibility/2006" xmlns:pslz="http://schemas.microsoft.com/office/powerpoint/2016/slidezoom">
+        <mc:Choice Requires="pslz">
           <p:graphicFrame>
             <p:nvGraphicFramePr>
               <p:cNvPr id="9" name="幻灯片缩放定位 8">
@@ -23620,7 +23624,7 @@
             </a:graphic>
           </p:graphicFrame>
         </mc:Choice>
-        <mc:Fallback>
+        <mc:Fallback xmlns="">
           <p:pic>
             <p:nvPicPr>
               <p:cNvPr id="9" name="幻灯片缩放定位 8">
@@ -23637,7 +23641,7 @@
               <p:nvPr/>
             </p:nvPicPr>
             <p:blipFill>
-              <a:blip r:embed="rId2"/>
+              <a:blip r:embed="rId4"/>
               <a:stretch>
                 <a:fillRect/>
               </a:stretch>

--- a/1Python基本元素/幻灯片.pptx
+++ b/1Python基本元素/幻灯片.pptx
@@ -6,10 +6,10 @@
     <p:sldMasterId id="2147483689" r:id="rId2"/>
   </p:sldMasterIdLst>
   <p:notesMasterIdLst>
-    <p:notesMasterId r:id="rId39"/>
+    <p:notesMasterId r:id="rId40"/>
   </p:notesMasterIdLst>
   <p:handoutMasterIdLst>
-    <p:handoutMasterId r:id="rId40"/>
+    <p:handoutMasterId r:id="rId41"/>
   </p:handoutMasterIdLst>
   <p:sldIdLst>
     <p:sldId id="256" r:id="rId3"/>
@@ -36,18 +36,19 @@
     <p:sldId id="294" r:id="rId24"/>
     <p:sldId id="308" r:id="rId25"/>
     <p:sldId id="307" r:id="rId26"/>
-    <p:sldId id="309" r:id="rId27"/>
-    <p:sldId id="310" r:id="rId28"/>
-    <p:sldId id="311" r:id="rId29"/>
-    <p:sldId id="312" r:id="rId30"/>
-    <p:sldId id="313" r:id="rId31"/>
-    <p:sldId id="314" r:id="rId32"/>
-    <p:sldId id="334" r:id="rId33"/>
-    <p:sldId id="328" r:id="rId34"/>
-    <p:sldId id="335" r:id="rId35"/>
-    <p:sldId id="336" r:id="rId36"/>
-    <p:sldId id="330" r:id="rId37"/>
-    <p:sldId id="288" r:id="rId38"/>
+    <p:sldId id="337" r:id="rId27"/>
+    <p:sldId id="309" r:id="rId28"/>
+    <p:sldId id="310" r:id="rId29"/>
+    <p:sldId id="311" r:id="rId30"/>
+    <p:sldId id="312" r:id="rId31"/>
+    <p:sldId id="313" r:id="rId32"/>
+    <p:sldId id="314" r:id="rId33"/>
+    <p:sldId id="334" r:id="rId34"/>
+    <p:sldId id="328" r:id="rId35"/>
+    <p:sldId id="335" r:id="rId36"/>
+    <p:sldId id="336" r:id="rId37"/>
+    <p:sldId id="330" r:id="rId38"/>
+    <p:sldId id="288" r:id="rId39"/>
   </p:sldIdLst>
   <p:sldSz cx="9144000" cy="6858000" type="screen4x3"/>
   <p:notesSz cx="6858000" cy="9144000"/>
@@ -16501,6 +16502,158 @@
       </p:grpSpPr>
       <p:sp>
         <p:nvSpPr>
+          <p:cNvPr id="2" name="灯片编号占位符 1">
+            <a:extLst>
+              <a:ext uri="{FF2B5EF4-FFF2-40B4-BE49-F238E27FC236}">
+                <a16:creationId xmlns:a16="http://schemas.microsoft.com/office/drawing/2014/main" id="{770A8FA4-6C1F-4514-9D1C-3CF479243BEE}"/>
+              </a:ext>
+            </a:extLst>
+          </p:cNvPr>
+          <p:cNvSpPr>
+            <a:spLocks noGrp="1"/>
+          </p:cNvSpPr>
+          <p:nvPr>
+            <p:ph type="sldNum" sz="quarter" idx="12"/>
+          </p:nvPr>
+        </p:nvSpPr>
+        <p:spPr/>
+        <p:txBody>
+          <a:bodyPr/>
+          <a:lstStyle/>
+          <a:p>
+            <a:fld id="{62CDD4FC-8CC6-422A-BB5C-9AD3EF3AE163}" type="slidenum">
+              <a:rPr lang="zh-CN" altLang="en-US" smtClean="0"/>
+              <a:pPr/>
+              <a:t>25</a:t>
+            </a:fld>
+            <a:endParaRPr lang="zh-CN" altLang="en-US" dirty="0"/>
+          </a:p>
+        </p:txBody>
+      </p:sp>
+      <p:pic>
+        <p:nvPicPr>
+          <p:cNvPr id="4" name="图片 3">
+            <a:extLst>
+              <a:ext uri="{FF2B5EF4-FFF2-40B4-BE49-F238E27FC236}">
+                <a16:creationId xmlns:a16="http://schemas.microsoft.com/office/drawing/2014/main" id="{5400491D-C270-4C24-98EA-1F7729D11EF9}"/>
+              </a:ext>
+            </a:extLst>
+          </p:cNvPr>
+          <p:cNvPicPr>
+            <a:picLocks noChangeAspect="1"/>
+          </p:cNvPicPr>
+          <p:nvPr/>
+        </p:nvPicPr>
+        <p:blipFill>
+          <a:blip r:embed="rId2" cstate="print">
+            <a:extLst>
+              <a:ext uri="{28A0092B-C50C-407E-A947-70E740481C1C}">
+                <a14:useLocalDpi xmlns:a14="http://schemas.microsoft.com/office/drawing/2010/main" val="0"/>
+              </a:ext>
+            </a:extLst>
+          </a:blip>
+          <a:stretch>
+            <a:fillRect/>
+          </a:stretch>
+        </p:blipFill>
+        <p:spPr>
+          <a:xfrm>
+            <a:off x="1046522" y="641022"/>
+            <a:ext cx="3086100" cy="5486400"/>
+          </a:xfrm>
+          <a:prstGeom prst="rect">
+            <a:avLst/>
+          </a:prstGeom>
+          <a:ln>
+            <a:noFill/>
+          </a:ln>
+          <a:effectLst>
+            <a:outerShdw blurRad="292100" dist="139700" dir="2700000" algn="tl" rotWithShape="0">
+              <a:srgbClr val="333333">
+                <a:alpha val="65000"/>
+              </a:srgbClr>
+            </a:outerShdw>
+          </a:effectLst>
+        </p:spPr>
+      </p:pic>
+      <p:pic>
+        <p:nvPicPr>
+          <p:cNvPr id="6" name="图片 5">
+            <a:extLst>
+              <a:ext uri="{FF2B5EF4-FFF2-40B4-BE49-F238E27FC236}">
+                <a16:creationId xmlns:a16="http://schemas.microsoft.com/office/drawing/2014/main" id="{73BF117E-10EF-49C0-84FA-E5B1F3187B10}"/>
+              </a:ext>
+            </a:extLst>
+          </p:cNvPr>
+          <p:cNvPicPr>
+            <a:picLocks noChangeAspect="1"/>
+          </p:cNvPicPr>
+          <p:nvPr/>
+        </p:nvPicPr>
+        <p:blipFill>
+          <a:blip r:embed="rId3" cstate="print">
+            <a:extLst>
+              <a:ext uri="{28A0092B-C50C-407E-A947-70E740481C1C}">
+                <a14:useLocalDpi xmlns:a14="http://schemas.microsoft.com/office/drawing/2010/main" val="0"/>
+              </a:ext>
+            </a:extLst>
+          </a:blip>
+          <a:stretch>
+            <a:fillRect/>
+          </a:stretch>
+        </p:blipFill>
+        <p:spPr>
+          <a:xfrm>
+            <a:off x="4904147" y="641022"/>
+            <a:ext cx="3086100" cy="5486400"/>
+          </a:xfrm>
+          <a:prstGeom prst="rect">
+            <a:avLst/>
+          </a:prstGeom>
+          <a:ln>
+            <a:noFill/>
+          </a:ln>
+          <a:effectLst>
+            <a:outerShdw blurRad="292100" dist="139700" dir="2700000" algn="tl" rotWithShape="0">
+              <a:srgbClr val="333333">
+                <a:alpha val="65000"/>
+              </a:srgbClr>
+            </a:outerShdw>
+          </a:effectLst>
+        </p:spPr>
+      </p:pic>
+    </p:spTree>
+    <p:extLst>
+      <p:ext uri="{BB962C8B-B14F-4D97-AF65-F5344CB8AC3E}">
+        <p14:creationId xmlns:p14="http://schemas.microsoft.com/office/powerpoint/2010/main" val="292326180"/>
+      </p:ext>
+    </p:extLst>
+  </p:cSld>
+  <p:clrMapOvr>
+    <a:masterClrMapping/>
+  </p:clrMapOvr>
+</p:sld>
+</file>
+
+<file path=ppt/slides/slide26.xml><?xml version="1.0" encoding="utf-8"?>
+<p:sld xmlns:a="http://schemas.openxmlformats.org/drawingml/2006/main" xmlns:r="http://schemas.openxmlformats.org/officeDocument/2006/relationships" xmlns:p="http://schemas.openxmlformats.org/presentationml/2006/main">
+  <p:cSld>
+    <p:spTree>
+      <p:nvGrpSpPr>
+        <p:cNvPr id="1" name=""/>
+        <p:cNvGrpSpPr/>
+        <p:nvPr/>
+      </p:nvGrpSpPr>
+      <p:grpSpPr>
+        <a:xfrm>
+          <a:off x="0" y="0"/>
+          <a:ext cx="0" cy="0"/>
+          <a:chOff x="0" y="0"/>
+          <a:chExt cx="0" cy="0"/>
+        </a:xfrm>
+      </p:grpSpPr>
+      <p:sp>
+        <p:nvSpPr>
           <p:cNvPr id="2" name="内容占位符 1">
             <a:extLst>
               <a:ext uri="{FF2B5EF4-FFF2-40B4-BE49-F238E27FC236}">
@@ -16748,7 +16901,7 @@
             <a:fld id="{62CDD4FC-8CC6-422A-BB5C-9AD3EF3AE163}" type="slidenum">
               <a:rPr lang="zh-CN" altLang="en-US" smtClean="0"/>
               <a:pPr/>
-              <a:t>25</a:t>
+              <a:t>26</a:t>
             </a:fld>
             <a:endParaRPr lang="zh-CN" altLang="en-US" dirty="0"/>
           </a:p>
@@ -16933,7 +17086,7 @@
 </p:sld>
 </file>
 
-<file path=ppt/slides/slide26.xml><?xml version="1.0" encoding="utf-8"?>
+<file path=ppt/slides/slide27.xml><?xml version="1.0" encoding="utf-8"?>
 <p:sld xmlns:a="http://schemas.openxmlformats.org/drawingml/2006/main" xmlns:r="http://schemas.openxmlformats.org/officeDocument/2006/relationships" xmlns:p="http://schemas.openxmlformats.org/presentationml/2006/main">
   <p:cSld>
     <p:spTree>
@@ -17047,7 +17200,7 @@
             <a:fld id="{62CDD4FC-8CC6-422A-BB5C-9AD3EF3AE163}" type="slidenum">
               <a:rPr lang="zh-CN" altLang="en-US" smtClean="0"/>
               <a:pPr/>
-              <a:t>26</a:t>
+              <a:t>27</a:t>
             </a:fld>
             <a:endParaRPr lang="zh-CN" altLang="en-US" dirty="0"/>
           </a:p>
@@ -18262,7 +18415,7 @@
 </p:sld>
 </file>
 
-<file path=ppt/slides/slide27.xml><?xml version="1.0" encoding="utf-8"?>
+<file path=ppt/slides/slide28.xml><?xml version="1.0" encoding="utf-8"?>
 <p:sld xmlns:a="http://schemas.openxmlformats.org/drawingml/2006/main" xmlns:r="http://schemas.openxmlformats.org/officeDocument/2006/relationships" xmlns:p="http://schemas.openxmlformats.org/presentationml/2006/main">
   <p:cSld>
     <p:spTree>
@@ -18303,7 +18456,7 @@
             <a:fld id="{62CDD4FC-8CC6-422A-BB5C-9AD3EF3AE163}" type="slidenum">
               <a:rPr lang="zh-CN" altLang="en-US" smtClean="0"/>
               <a:pPr/>
-              <a:t>27</a:t>
+              <a:t>28</a:t>
             </a:fld>
             <a:endParaRPr lang="zh-CN" altLang="en-US" dirty="0"/>
           </a:p>
@@ -19446,7 +19599,7 @@
 </p:sld>
 </file>
 
-<file path=ppt/slides/slide28.xml><?xml version="1.0" encoding="utf-8"?>
+<file path=ppt/slides/slide29.xml><?xml version="1.0" encoding="utf-8"?>
 <p:sld xmlns:a="http://schemas.openxmlformats.org/drawingml/2006/main" xmlns:r="http://schemas.openxmlformats.org/officeDocument/2006/relationships" xmlns:p="http://schemas.openxmlformats.org/presentationml/2006/main">
   <p:cSld>
     <p:spTree>
@@ -19553,7 +19706,7 @@
             <a:fld id="{62CDD4FC-8CC6-422A-BB5C-9AD3EF3AE163}" type="slidenum">
               <a:rPr lang="zh-CN" altLang="en-US" smtClean="0"/>
               <a:pPr/>
-              <a:t>28</a:t>
+              <a:t>29</a:t>
             </a:fld>
             <a:endParaRPr lang="zh-CN" altLang="en-US" dirty="0"/>
           </a:p>
@@ -22553,7 +22706,81 @@
 </p:sld>
 </file>
 
-<file path=ppt/slides/slide29.xml><?xml version="1.0" encoding="utf-8"?>
+<file path=ppt/slides/slide3.xml><?xml version="1.0" encoding="utf-8"?>
+<p:sld xmlns:a="http://schemas.openxmlformats.org/drawingml/2006/main" xmlns:r="http://schemas.openxmlformats.org/officeDocument/2006/relationships" xmlns:p="http://schemas.openxmlformats.org/presentationml/2006/main">
+  <p:cSld>
+    <p:spTree>
+      <p:nvGrpSpPr>
+        <p:cNvPr id="1" name=""/>
+        <p:cNvGrpSpPr/>
+        <p:nvPr/>
+      </p:nvGrpSpPr>
+      <p:grpSpPr>
+        <a:xfrm>
+          <a:off x="0" y="0"/>
+          <a:ext cx="0" cy="0"/>
+          <a:chOff x="0" y="0"/>
+          <a:chExt cx="0" cy="0"/>
+        </a:xfrm>
+      </p:grpSpPr>
+      <p:sp>
+        <p:nvSpPr>
+          <p:cNvPr id="2" name="标题 1"/>
+          <p:cNvSpPr>
+            <a:spLocks noGrp="1"/>
+          </p:cNvSpPr>
+          <p:nvPr>
+            <p:ph type="title"/>
+          </p:nvPr>
+        </p:nvSpPr>
+        <p:spPr/>
+        <p:txBody>
+          <a:bodyPr/>
+          <a:lstStyle/>
+          <a:p>
+            <a:r>
+              <a:rPr lang="zh-CN" altLang="en-US" dirty="0"/>
+              <a:t>程序设计概述</a:t>
+            </a:r>
+          </a:p>
+        </p:txBody>
+      </p:sp>
+      <p:sp>
+        <p:nvSpPr>
+          <p:cNvPr id="4" name="文本占位符 3"/>
+          <p:cNvSpPr>
+            <a:spLocks noGrp="1"/>
+          </p:cNvSpPr>
+          <p:nvPr>
+            <p:ph type="body" sz="quarter" idx="10"/>
+          </p:nvPr>
+        </p:nvSpPr>
+        <p:spPr/>
+        <p:txBody>
+          <a:bodyPr/>
+          <a:lstStyle/>
+          <a:p>
+            <a:r>
+              <a:rPr lang="zh-CN" altLang="en-US" dirty="0"/>
+              <a:t>一</a:t>
+            </a:r>
+          </a:p>
+        </p:txBody>
+      </p:sp>
+    </p:spTree>
+    <p:extLst>
+      <p:ext uri="{BB962C8B-B14F-4D97-AF65-F5344CB8AC3E}">
+        <p14:creationId xmlns:p14="http://schemas.microsoft.com/office/powerpoint/2010/main" val="3992022755"/>
+      </p:ext>
+    </p:extLst>
+  </p:cSld>
+  <p:clrMapOvr>
+    <a:masterClrMapping/>
+  </p:clrMapOvr>
+</p:sld>
+</file>
+
+<file path=ppt/slides/slide30.xml><?xml version="1.0" encoding="utf-8"?>
 <p:sld xmlns:a="http://schemas.openxmlformats.org/drawingml/2006/main" xmlns:r="http://schemas.openxmlformats.org/officeDocument/2006/relationships" xmlns:p="http://schemas.openxmlformats.org/presentationml/2006/main">
   <p:cSld>
     <p:spTree>
@@ -22902,7 +23129,7 @@
             <a:fld id="{62CDD4FC-8CC6-422A-BB5C-9AD3EF3AE163}" type="slidenum">
               <a:rPr lang="zh-CN" altLang="en-US" smtClean="0"/>
               <a:pPr/>
-              <a:t>29</a:t>
+              <a:t>30</a:t>
             </a:fld>
             <a:endParaRPr lang="zh-CN" altLang="en-US" dirty="0"/>
           </a:p>
@@ -23087,81 +23314,7 @@
 </p:sld>
 </file>
 
-<file path=ppt/slides/slide3.xml><?xml version="1.0" encoding="utf-8"?>
-<p:sld xmlns:a="http://schemas.openxmlformats.org/drawingml/2006/main" xmlns:r="http://schemas.openxmlformats.org/officeDocument/2006/relationships" xmlns:p="http://schemas.openxmlformats.org/presentationml/2006/main">
-  <p:cSld>
-    <p:spTree>
-      <p:nvGrpSpPr>
-        <p:cNvPr id="1" name=""/>
-        <p:cNvGrpSpPr/>
-        <p:nvPr/>
-      </p:nvGrpSpPr>
-      <p:grpSpPr>
-        <a:xfrm>
-          <a:off x="0" y="0"/>
-          <a:ext cx="0" cy="0"/>
-          <a:chOff x="0" y="0"/>
-          <a:chExt cx="0" cy="0"/>
-        </a:xfrm>
-      </p:grpSpPr>
-      <p:sp>
-        <p:nvSpPr>
-          <p:cNvPr id="2" name="标题 1"/>
-          <p:cNvSpPr>
-            <a:spLocks noGrp="1"/>
-          </p:cNvSpPr>
-          <p:nvPr>
-            <p:ph type="title"/>
-          </p:nvPr>
-        </p:nvSpPr>
-        <p:spPr/>
-        <p:txBody>
-          <a:bodyPr/>
-          <a:lstStyle/>
-          <a:p>
-            <a:r>
-              <a:rPr lang="zh-CN" altLang="en-US" dirty="0"/>
-              <a:t>程序设计概述</a:t>
-            </a:r>
-          </a:p>
-        </p:txBody>
-      </p:sp>
-      <p:sp>
-        <p:nvSpPr>
-          <p:cNvPr id="4" name="文本占位符 3"/>
-          <p:cNvSpPr>
-            <a:spLocks noGrp="1"/>
-          </p:cNvSpPr>
-          <p:nvPr>
-            <p:ph type="body" sz="quarter" idx="10"/>
-          </p:nvPr>
-        </p:nvSpPr>
-        <p:spPr/>
-        <p:txBody>
-          <a:bodyPr/>
-          <a:lstStyle/>
-          <a:p>
-            <a:r>
-              <a:rPr lang="zh-CN" altLang="en-US" dirty="0"/>
-              <a:t>一</a:t>
-            </a:r>
-          </a:p>
-        </p:txBody>
-      </p:sp>
-    </p:spTree>
-    <p:extLst>
-      <p:ext uri="{BB962C8B-B14F-4D97-AF65-F5344CB8AC3E}">
-        <p14:creationId xmlns:p14="http://schemas.microsoft.com/office/powerpoint/2010/main" val="3992022755"/>
-      </p:ext>
-    </p:extLst>
-  </p:cSld>
-  <p:clrMapOvr>
-    <a:masterClrMapping/>
-  </p:clrMapOvr>
-</p:sld>
-</file>
-
-<file path=ppt/slides/slide30.xml><?xml version="1.0" encoding="utf-8"?>
+<file path=ppt/slides/slide31.xml><?xml version="1.0" encoding="utf-8"?>
 <p:sld xmlns:a="http://schemas.openxmlformats.org/drawingml/2006/main" xmlns:r="http://schemas.openxmlformats.org/officeDocument/2006/relationships" xmlns:p="http://schemas.openxmlformats.org/presentationml/2006/main">
   <p:cSld>
     <p:spTree>
@@ -23236,7 +23389,7 @@
             <a:fld id="{62CDD4FC-8CC6-422A-BB5C-9AD3EF3AE163}" type="slidenum">
               <a:rPr lang="zh-CN" altLang="en-US" smtClean="0"/>
               <a:pPr/>
-              <a:t>30</a:t>
+              <a:t>31</a:t>
             </a:fld>
             <a:endParaRPr lang="zh-CN" altLang="en-US" dirty="0"/>
           </a:p>
@@ -23681,7 +23834,7 @@
 </p:sld>
 </file>
 
-<file path=ppt/slides/slide31.xml><?xml version="1.0" encoding="utf-8"?>
+<file path=ppt/slides/slide32.xml><?xml version="1.0" encoding="utf-8"?>
 <p:sld xmlns:a="http://schemas.openxmlformats.org/drawingml/2006/main" xmlns:r="http://schemas.openxmlformats.org/officeDocument/2006/relationships" xmlns:p="http://schemas.openxmlformats.org/presentationml/2006/main">
   <p:cSld>
     <p:spTree>
@@ -23722,7 +23875,7 @@
             <a:fld id="{62CDD4FC-8CC6-422A-BB5C-9AD3EF3AE163}" type="slidenum">
               <a:rPr lang="zh-CN" altLang="en-US" smtClean="0"/>
               <a:pPr/>
-              <a:t>31</a:t>
+              <a:t>32</a:t>
             </a:fld>
             <a:endParaRPr lang="zh-CN" altLang="en-US" dirty="0"/>
           </a:p>
@@ -25415,7 +25568,7 @@
 </p:sld>
 </file>
 
-<file path=ppt/slides/slide32.xml><?xml version="1.0" encoding="utf-8"?>
+<file path=ppt/slides/slide33.xml><?xml version="1.0" encoding="utf-8"?>
 <p:sld xmlns:a="http://schemas.openxmlformats.org/drawingml/2006/main" xmlns:r="http://schemas.openxmlformats.org/officeDocument/2006/relationships" xmlns:p="http://schemas.openxmlformats.org/presentationml/2006/main">
   <p:cSld>
     <p:spTree>
@@ -25601,7 +25754,7 @@
             <a:fld id="{62CDD4FC-8CC6-422A-BB5C-9AD3EF3AE163}" type="slidenum">
               <a:rPr lang="zh-CN" altLang="en-US" smtClean="0"/>
               <a:pPr/>
-              <a:t>32</a:t>
+              <a:t>33</a:t>
             </a:fld>
             <a:endParaRPr lang="zh-CN" altLang="en-US" dirty="0"/>
           </a:p>
@@ -27013,7 +27166,7 @@
 </p:sld>
 </file>
 
-<file path=ppt/slides/slide33.xml><?xml version="1.0" encoding="utf-8"?>
+<file path=ppt/slides/slide34.xml><?xml version="1.0" encoding="utf-8"?>
 <p:sld xmlns:a="http://schemas.openxmlformats.org/drawingml/2006/main" xmlns:r="http://schemas.openxmlformats.org/officeDocument/2006/relationships" xmlns:p="http://schemas.openxmlformats.org/presentationml/2006/main">
   <p:cSld>
     <p:spTree>
@@ -27087,7 +27240,7 @@
 </p:sld>
 </file>
 
-<file path=ppt/slides/slide34.xml><?xml version="1.0" encoding="utf-8"?>
+<file path=ppt/slides/slide35.xml><?xml version="1.0" encoding="utf-8"?>
 <p:sld xmlns:a="http://schemas.openxmlformats.org/drawingml/2006/main" xmlns:r="http://schemas.openxmlformats.org/officeDocument/2006/relationships" xmlns:p="http://schemas.openxmlformats.org/presentationml/2006/main">
   <p:cSld>
     <p:spTree>
@@ -27161,7 +27314,7 @@
             <a:fld id="{62CDD4FC-8CC6-422A-BB5C-9AD3EF3AE163}" type="slidenum">
               <a:rPr lang="zh-CN" altLang="en-US" smtClean="0"/>
               <a:pPr/>
-              <a:t>34</a:t>
+              <a:t>35</a:t>
             </a:fld>
             <a:endParaRPr lang="zh-CN" altLang="en-US" dirty="0"/>
           </a:p>
@@ -27561,7 +27714,7 @@
 </p:sld>
 </file>
 
-<file path=ppt/slides/slide35.xml><?xml version="1.0" encoding="utf-8"?>
+<file path=ppt/slides/slide36.xml><?xml version="1.0" encoding="utf-8"?>
 <p:sld xmlns:a="http://schemas.openxmlformats.org/drawingml/2006/main" xmlns:r="http://schemas.openxmlformats.org/officeDocument/2006/relationships" xmlns:p="http://schemas.openxmlformats.org/presentationml/2006/main">
   <p:cSld>
     <p:spTree>
@@ -27836,7 +27989,7 @@
 </p:sld>
 </file>
 
-<file path=ppt/slides/slide36.xml><?xml version="1.0" encoding="utf-8"?>
+<file path=ppt/slides/slide37.xml><?xml version="1.0" encoding="utf-8"?>
 <p:sld xmlns:a="http://schemas.openxmlformats.org/drawingml/2006/main" xmlns:r="http://schemas.openxmlformats.org/officeDocument/2006/relationships" xmlns:p="http://schemas.openxmlformats.org/presentationml/2006/main">
   <p:cSld>
     <p:spTree>
